--- a/pptx_files/Startup Valuation_082723.pptx
+++ b/pptx_files/Startup Valuation_082723.pptx
@@ -1,40 +1,40 @@
 
 <file path=ppt/presentation.xml><?xml version="1.0" encoding="utf-8"?>
-<p:presentation xmlns:a="http://schemas.openxmlformats.org/drawingml/2006/main" xmlns:r="http://schemas.openxmlformats.org/officeDocument/2006/relationships" xmlns:mc="http://schemas.openxmlformats.org/markup-compatibility/2006" xmlns:mv="urn:schemas-microsoft-com:mac:vml" xmlns:p="http://schemas.openxmlformats.org/presentationml/2006/main" xmlns:c="http://schemas.openxmlformats.org/drawingml/2006/chart" xmlns:dgm="http://schemas.openxmlformats.org/drawingml/2006/diagram" xmlns:o="urn:schemas-microsoft-com:office:office" xmlns:v="urn:schemas-microsoft-com:vml" xmlns:pvml="urn:schemas-microsoft-com:office:powerpoint" xmlns:com="http://schemas.openxmlformats.org/drawingml/2006/compatibility" xmlns:p14="http://schemas.microsoft.com/office/powerpoint/2010/main" xmlns:p15="http://schemas.microsoft.com/office/powerpoint/2012/main" xmlns:ahyp="http://schemas.microsoft.com/office/drawing/2018/hyperlinkcolor" autoCompressPictures="0" embedTrueTypeFonts="1" strictFirstAndLastChars="0" saveSubsetFonts="1">
+<p:presentation xmlns:a="http://schemas.openxmlformats.org/drawingml/2006/main" xmlns:r="http://schemas.openxmlformats.org/officeDocument/2006/relationships" xmlns:p="http://schemas.openxmlformats.org/presentationml/2006/main" strictFirstAndLastChars="0" embedTrueTypeFonts="1" saveSubsetFonts="1" autoCompressPictures="0">
   <p:sldMasterIdLst>
-    <p:sldMasterId id="2147483659" r:id="rId5"/>
+    <p:sldMasterId id="2147483659" r:id="rId1"/>
   </p:sldMasterIdLst>
   <p:notesMasterIdLst>
-    <p:notesMasterId r:id="rId6"/>
+    <p:notesMasterId r:id="rId8"/>
   </p:notesMasterIdLst>
   <p:sldIdLst>
-    <p:sldId id="256" r:id="rId7"/>
-    <p:sldId id="257" r:id="rId8"/>
-    <p:sldId id="258" r:id="rId9"/>
-    <p:sldId id="259" r:id="rId10"/>
-    <p:sldId id="260" r:id="rId11"/>
-    <p:sldId id="261" r:id="rId12"/>
+    <p:sldId id="256" r:id="rId2"/>
+    <p:sldId id="257" r:id="rId3"/>
+    <p:sldId id="258" r:id="rId4"/>
+    <p:sldId id="259" r:id="rId5"/>
+    <p:sldId id="260" r:id="rId6"/>
+    <p:sldId id="261" r:id="rId7"/>
   </p:sldIdLst>
-  <p:sldSz cy="5143500" cx="9144000"/>
+  <p:sldSz cx="9144000" cy="5143500" type="screen16x9"/>
   <p:notesSz cx="6858000" cy="9144000"/>
   <p:embeddedFontLst>
     <p:embeddedFont>
-      <p:font typeface="Montserrat"/>
+      <p:font typeface="Lato" panose="020F0502020204030203" pitchFamily="34" charset="0"/>
+      <p:regular r:id="rId9"/>
+      <p:bold r:id="rId10"/>
+      <p:italic r:id="rId11"/>
+      <p:boldItalic r:id="rId12"/>
+    </p:embeddedFont>
+    <p:embeddedFont>
+      <p:font typeface="Montserrat" pitchFamily="2" charset="77"/>
       <p:regular r:id="rId13"/>
       <p:bold r:id="rId14"/>
       <p:italic r:id="rId15"/>
       <p:boldItalic r:id="rId16"/>
     </p:embeddedFont>
-    <p:embeddedFont>
-      <p:font typeface="Lato"/>
-      <p:regular r:id="rId17"/>
-      <p:bold r:id="rId18"/>
-      <p:italic r:id="rId19"/>
-      <p:boldItalic r:id="rId20"/>
-    </p:embeddedFont>
   </p:embeddedFontLst>
   <p:defaultTextStyle>
-    <a:defPPr lvl="0" marR="0" rtl="0" algn="l">
+    <a:defPPr marR="0" lvl="0" algn="l" rtl="0">
       <a:lnSpc>
         <a:spcPct val="100000"/>
       </a:lnSpc>
@@ -45,7 +45,7 @@
         <a:spcPts val="0"/>
       </a:spcAft>
     </a:defPPr>
-    <a:lvl1pPr lvl="0" marR="0" rtl="0" algn="l">
+    <a:lvl1pPr marR="0" lvl="0" algn="l" rtl="0">
       <a:lnSpc>
         <a:spcPct val="100000"/>
       </a:lnSpc>
@@ -59,7 +59,7 @@
         <a:srgbClr val="000000"/>
       </a:buClr>
       <a:buFont typeface="Arial"/>
-      <a:defRPr b="0" i="0" sz="1400" u="none" cap="none" strike="noStrike">
+      <a:defRPr sz="1400" b="0" i="0" u="none" strike="noStrike" cap="none">
         <a:solidFill>
           <a:srgbClr val="000000"/>
         </a:solidFill>
@@ -69,7 +69,7 @@
         <a:sym typeface="Arial"/>
       </a:defRPr>
     </a:lvl1pPr>
-    <a:lvl2pPr lvl="1" marR="0" rtl="0" algn="l">
+    <a:lvl2pPr marR="0" lvl="1" algn="l" rtl="0">
       <a:lnSpc>
         <a:spcPct val="100000"/>
       </a:lnSpc>
@@ -83,7 +83,7 @@
         <a:srgbClr val="000000"/>
       </a:buClr>
       <a:buFont typeface="Arial"/>
-      <a:defRPr b="0" i="0" sz="1400" u="none" cap="none" strike="noStrike">
+      <a:defRPr sz="1400" b="0" i="0" u="none" strike="noStrike" cap="none">
         <a:solidFill>
           <a:srgbClr val="000000"/>
         </a:solidFill>
@@ -93,7 +93,7 @@
         <a:sym typeface="Arial"/>
       </a:defRPr>
     </a:lvl2pPr>
-    <a:lvl3pPr lvl="2" marR="0" rtl="0" algn="l">
+    <a:lvl3pPr marR="0" lvl="2" algn="l" rtl="0">
       <a:lnSpc>
         <a:spcPct val="100000"/>
       </a:lnSpc>
@@ -107,7 +107,7 @@
         <a:srgbClr val="000000"/>
       </a:buClr>
       <a:buFont typeface="Arial"/>
-      <a:defRPr b="0" i="0" sz="1400" u="none" cap="none" strike="noStrike">
+      <a:defRPr sz="1400" b="0" i="0" u="none" strike="noStrike" cap="none">
         <a:solidFill>
           <a:srgbClr val="000000"/>
         </a:solidFill>
@@ -117,7 +117,7 @@
         <a:sym typeface="Arial"/>
       </a:defRPr>
     </a:lvl3pPr>
-    <a:lvl4pPr lvl="3" marR="0" rtl="0" algn="l">
+    <a:lvl4pPr marR="0" lvl="3" algn="l" rtl="0">
       <a:lnSpc>
         <a:spcPct val="100000"/>
       </a:lnSpc>
@@ -131,7 +131,7 @@
         <a:srgbClr val="000000"/>
       </a:buClr>
       <a:buFont typeface="Arial"/>
-      <a:defRPr b="0" i="0" sz="1400" u="none" cap="none" strike="noStrike">
+      <a:defRPr sz="1400" b="0" i="0" u="none" strike="noStrike" cap="none">
         <a:solidFill>
           <a:srgbClr val="000000"/>
         </a:solidFill>
@@ -141,7 +141,7 @@
         <a:sym typeface="Arial"/>
       </a:defRPr>
     </a:lvl4pPr>
-    <a:lvl5pPr lvl="4" marR="0" rtl="0" algn="l">
+    <a:lvl5pPr marR="0" lvl="4" algn="l" rtl="0">
       <a:lnSpc>
         <a:spcPct val="100000"/>
       </a:lnSpc>
@@ -155,7 +155,7 @@
         <a:srgbClr val="000000"/>
       </a:buClr>
       <a:buFont typeface="Arial"/>
-      <a:defRPr b="0" i="0" sz="1400" u="none" cap="none" strike="noStrike">
+      <a:defRPr sz="1400" b="0" i="0" u="none" strike="noStrike" cap="none">
         <a:solidFill>
           <a:srgbClr val="000000"/>
         </a:solidFill>
@@ -165,7 +165,7 @@
         <a:sym typeface="Arial"/>
       </a:defRPr>
     </a:lvl5pPr>
-    <a:lvl6pPr lvl="5" marR="0" rtl="0" algn="l">
+    <a:lvl6pPr marR="0" lvl="5" algn="l" rtl="0">
       <a:lnSpc>
         <a:spcPct val="100000"/>
       </a:lnSpc>
@@ -179,7 +179,7 @@
         <a:srgbClr val="000000"/>
       </a:buClr>
       <a:buFont typeface="Arial"/>
-      <a:defRPr b="0" i="0" sz="1400" u="none" cap="none" strike="noStrike">
+      <a:defRPr sz="1400" b="0" i="0" u="none" strike="noStrike" cap="none">
         <a:solidFill>
           <a:srgbClr val="000000"/>
         </a:solidFill>
@@ -189,7 +189,7 @@
         <a:sym typeface="Arial"/>
       </a:defRPr>
     </a:lvl6pPr>
-    <a:lvl7pPr lvl="6" marR="0" rtl="0" algn="l">
+    <a:lvl7pPr marR="0" lvl="6" algn="l" rtl="0">
       <a:lnSpc>
         <a:spcPct val="100000"/>
       </a:lnSpc>
@@ -203,7 +203,7 @@
         <a:srgbClr val="000000"/>
       </a:buClr>
       <a:buFont typeface="Arial"/>
-      <a:defRPr b="0" i="0" sz="1400" u="none" cap="none" strike="noStrike">
+      <a:defRPr sz="1400" b="0" i="0" u="none" strike="noStrike" cap="none">
         <a:solidFill>
           <a:srgbClr val="000000"/>
         </a:solidFill>
@@ -213,7 +213,7 @@
         <a:sym typeface="Arial"/>
       </a:defRPr>
     </a:lvl7pPr>
-    <a:lvl8pPr lvl="7" marR="0" rtl="0" algn="l">
+    <a:lvl8pPr marR="0" lvl="7" algn="l" rtl="0">
       <a:lnSpc>
         <a:spcPct val="100000"/>
       </a:lnSpc>
@@ -227,7 +227,7 @@
         <a:srgbClr val="000000"/>
       </a:buClr>
       <a:buFont typeface="Arial"/>
-      <a:defRPr b="0" i="0" sz="1400" u="none" cap="none" strike="noStrike">
+      <a:defRPr sz="1400" b="0" i="0" u="none" strike="noStrike" cap="none">
         <a:solidFill>
           <a:srgbClr val="000000"/>
         </a:solidFill>
@@ -237,7 +237,7 @@
         <a:sym typeface="Arial"/>
       </a:defRPr>
     </a:lvl8pPr>
-    <a:lvl9pPr lvl="8" marR="0" rtl="0" algn="l">
+    <a:lvl9pPr marR="0" lvl="8" algn="l" rtl="0">
       <a:lnSpc>
         <a:spcPct val="100000"/>
       </a:lnSpc>
@@ -251,7 +251,7 @@
         <a:srgbClr val="000000"/>
       </a:buClr>
       <a:buFont typeface="Arial"/>
-      <a:defRPr b="0" i="0" sz="1400" u="none" cap="none" strike="noStrike">
+      <a:defRPr sz="1400" b="0" i="0" u="none" strike="noStrike" cap="none">
         <a:solidFill>
           <a:srgbClr val="000000"/>
         </a:solidFill>
@@ -264,7 +264,7 @@
   </p:defaultTextStyle>
   <p:extLst>
     <p:ext uri="{EFAFB233-063F-42B5-8137-9DF3F51BA10A}">
-      <p15:sldGuideLst>
+      <p15:sldGuideLst xmlns:p15="http://schemas.microsoft.com/office/powerpoint/2012/main">
         <p15:guide id="1" orient="horz" pos="1620">
           <p15:clr>
             <a:srgbClr val="747775"/>
@@ -282,11 +282,16 @@
 </file>
 
 <file path=ppt/notesMasters/notesMaster1.xml><?xml version="1.0" encoding="utf-8"?>
-<p:notesMaster xmlns:a="http://schemas.openxmlformats.org/drawingml/2006/main" xmlns:r="http://schemas.openxmlformats.org/officeDocument/2006/relationships" xmlns:mc="http://schemas.openxmlformats.org/markup-compatibility/2006" xmlns:mv="urn:schemas-microsoft-com:mac:vml" xmlns:p="http://schemas.openxmlformats.org/presentationml/2006/main" xmlns:c="http://schemas.openxmlformats.org/drawingml/2006/chart" xmlns:dgm="http://schemas.openxmlformats.org/drawingml/2006/diagram" xmlns:o="urn:schemas-microsoft-com:office:office" xmlns:v="urn:schemas-microsoft-com:vml" xmlns:pvml="urn:schemas-microsoft-com:office:powerpoint" xmlns:com="http://schemas.openxmlformats.org/drawingml/2006/compatibility" xmlns:p14="http://schemas.microsoft.com/office/powerpoint/2010/main" xmlns:p15="http://schemas.microsoft.com/office/powerpoint/2012/main" xmlns:ahyp="http://schemas.microsoft.com/office/drawing/2018/hyperlinkcolor">
+<p:notesMaster xmlns:a="http://schemas.openxmlformats.org/drawingml/2006/main" xmlns:r="http://schemas.openxmlformats.org/officeDocument/2006/relationships" xmlns:p="http://schemas.openxmlformats.org/presentationml/2006/main">
   <p:cSld>
+    <p:bg>
+      <p:bgRef idx="1001">
+        <a:schemeClr val="bg1"/>
+      </p:bgRef>
+    </p:bg>
     <p:spTree>
       <p:nvGrpSpPr>
-        <p:cNvPr id="2" name="Shape 2"/>
+        <p:cNvPr id="1" name="Shape 2"/>
         <p:cNvGrpSpPr/>
         <p:nvPr/>
       </p:nvGrpSpPr>
@@ -301,9 +306,11 @@
       <p:sp>
         <p:nvSpPr>
           <p:cNvPr id="3" name="Google Shape;3;n"/>
-          <p:cNvSpPr/>
+          <p:cNvSpPr>
+            <a:spLocks noGrp="1" noRot="1" noChangeAspect="1"/>
+          </p:cNvSpPr>
           <p:nvPr>
-            <p:ph idx="2" type="sldImg"/>
+            <p:ph type="sldImg" idx="2"/>
           </p:nvPr>
         </p:nvSpPr>
         <p:spPr>
@@ -312,9 +319,13 @@
             <a:ext cx="6096075" cy="3429000"/>
           </a:xfrm>
           <a:custGeom>
-            <a:rect b="b" l="l" r="r" t="t"/>
+            <a:avLst/>
+            <a:gdLst/>
+            <a:ahLst/>
+            <a:cxnLst/>
+            <a:rect l="l" t="t" r="r" b="b"/>
             <a:pathLst>
-              <a:path extrusionOk="0" h="120000" w="120000">
+              <a:path w="120000" h="120000" extrusionOk="0">
                 <a:moveTo>
                   <a:pt x="0" y="0"/>
                 </a:moveTo>
@@ -332,23 +343,25 @@
             </a:pathLst>
           </a:custGeom>
           <a:noFill/>
-          <a:ln cap="flat" cmpd="sng" w="9525">
+          <a:ln w="9525" cap="flat" cmpd="sng">
             <a:solidFill>
               <a:srgbClr val="000000"/>
             </a:solidFill>
             <a:prstDash val="solid"/>
             <a:round/>
-            <a:headEnd len="sm" w="sm" type="none"/>
-            <a:tailEnd len="sm" w="sm" type="none"/>
+            <a:headEnd type="none" w="sm" len="sm"/>
+            <a:tailEnd type="none" w="sm" len="sm"/>
           </a:ln>
         </p:spPr>
       </p:sp>
       <p:sp>
         <p:nvSpPr>
           <p:cNvPr id="4" name="Google Shape;4;n"/>
-          <p:cNvSpPr txBox="1"/>
+          <p:cNvSpPr txBox="1">
+            <a:spLocks noGrp="1"/>
+          </p:cNvSpPr>
           <p:nvPr>
-            <p:ph idx="1" type="body"/>
+            <p:ph type="body" idx="1"/>
           </p:nvPr>
         </p:nvSpPr>
         <p:spPr>
@@ -365,11 +378,11 @@
           </a:ln>
         </p:spPr>
         <p:txBody>
-          <a:bodyPr anchorCtr="0" anchor="t" bIns="91425" lIns="91425" spcFirstLastPara="1" rIns="91425" wrap="square" tIns="91425">
+          <a:bodyPr spcFirstLastPara="1" wrap="square" lIns="91425" tIns="91425" rIns="91425" bIns="91425" anchor="t" anchorCtr="0">
             <a:noAutofit/>
           </a:bodyPr>
           <a:lstStyle>
-            <a:lvl1pPr indent="-298450" lvl="0" marL="457200">
+            <a:lvl1pPr marL="457200" lvl="0" indent="-298450">
               <a:spcBef>
                 <a:spcPts val="0"/>
               </a:spcBef>
@@ -380,7 +393,7 @@
               <a:buChar char="●"/>
               <a:defRPr sz="1100"/>
             </a:lvl1pPr>
-            <a:lvl2pPr indent="-298450" lvl="1" marL="914400">
+            <a:lvl2pPr marL="914400" lvl="1" indent="-298450">
               <a:spcBef>
                 <a:spcPts val="0"/>
               </a:spcBef>
@@ -391,7 +404,7 @@
               <a:buChar char="○"/>
               <a:defRPr sz="1100"/>
             </a:lvl2pPr>
-            <a:lvl3pPr indent="-298450" lvl="2" marL="1371600">
+            <a:lvl3pPr marL="1371600" lvl="2" indent="-298450">
               <a:spcBef>
                 <a:spcPts val="0"/>
               </a:spcBef>
@@ -402,7 +415,7 @@
               <a:buChar char="■"/>
               <a:defRPr sz="1100"/>
             </a:lvl3pPr>
-            <a:lvl4pPr indent="-298450" lvl="3" marL="1828800">
+            <a:lvl4pPr marL="1828800" lvl="3" indent="-298450">
               <a:spcBef>
                 <a:spcPts val="0"/>
               </a:spcBef>
@@ -413,7 +426,7 @@
               <a:buChar char="●"/>
               <a:defRPr sz="1100"/>
             </a:lvl4pPr>
-            <a:lvl5pPr indent="-298450" lvl="4" marL="2286000">
+            <a:lvl5pPr marL="2286000" lvl="4" indent="-298450">
               <a:spcBef>
                 <a:spcPts val="0"/>
               </a:spcBef>
@@ -424,7 +437,7 @@
               <a:buChar char="○"/>
               <a:defRPr sz="1100"/>
             </a:lvl5pPr>
-            <a:lvl6pPr indent="-298450" lvl="5" marL="2743200">
+            <a:lvl6pPr marL="2743200" lvl="5" indent="-298450">
               <a:spcBef>
                 <a:spcPts val="0"/>
               </a:spcBef>
@@ -435,7 +448,7 @@
               <a:buChar char="■"/>
               <a:defRPr sz="1100"/>
             </a:lvl6pPr>
-            <a:lvl7pPr indent="-298450" lvl="6" marL="3200400">
+            <a:lvl7pPr marL="3200400" lvl="6" indent="-298450">
               <a:spcBef>
                 <a:spcPts val="0"/>
               </a:spcBef>
@@ -446,7 +459,7 @@
               <a:buChar char="●"/>
               <a:defRPr sz="1100"/>
             </a:lvl7pPr>
-            <a:lvl8pPr indent="-298450" lvl="7" marL="3657600">
+            <a:lvl8pPr marL="3657600" lvl="7" indent="-298450">
               <a:spcBef>
                 <a:spcPts val="0"/>
               </a:spcBef>
@@ -457,7 +470,7 @@
               <a:buChar char="○"/>
               <a:defRPr sz="1100"/>
             </a:lvl8pPr>
-            <a:lvl9pPr indent="-298450" lvl="8" marL="4114800">
+            <a:lvl9pPr marL="4114800" lvl="8" indent="-298450">
               <a:spcBef>
                 <a:spcPts val="0"/>
               </a:spcBef>
@@ -469,14 +482,16 @@
               <a:defRPr sz="1100"/>
             </a:lvl9pPr>
           </a:lstStyle>
-          <a:p/>
+          <a:p>
+            <a:endParaRPr/>
+          </a:p>
         </p:txBody>
       </p:sp>
     </p:spTree>
   </p:cSld>
-  <p:clrMap accent1="accent1" accent2="accent2" accent3="accent3" accent4="accent4" accent5="accent5" accent6="accent6" bg1="lt1" bg2="dk2" tx1="dk1" tx2="lt2" folHlink="folHlink" hlink="hlink"/>
+  <p:clrMap bg1="lt1" tx1="dk1" bg2="dk2" tx2="lt2" accent1="accent1" accent2="accent2" accent3="accent3" accent4="accent4" accent5="accent5" accent6="accent6" hlink="hlink" folHlink="folHlink"/>
   <p:notesStyle>
-    <a:defPPr lvl="0" marR="0" rtl="0" algn="l">
+    <a:defPPr marR="0" lvl="0" algn="l" rtl="0">
       <a:lnSpc>
         <a:spcPct val="100000"/>
       </a:lnSpc>
@@ -487,7 +502,7 @@
         <a:spcPts val="0"/>
       </a:spcAft>
     </a:defPPr>
-    <a:lvl1pPr lvl="0" marR="0" rtl="0" algn="l">
+    <a:lvl1pPr marR="0" lvl="0" algn="l" rtl="0">
       <a:lnSpc>
         <a:spcPct val="100000"/>
       </a:lnSpc>
@@ -501,7 +516,7 @@
         <a:srgbClr val="000000"/>
       </a:buClr>
       <a:buFont typeface="Arial"/>
-      <a:defRPr b="0" i="0" sz="1400" u="none" cap="none" strike="noStrike">
+      <a:defRPr sz="1400" b="0" i="0" u="none" strike="noStrike" cap="none">
         <a:solidFill>
           <a:srgbClr val="000000"/>
         </a:solidFill>
@@ -511,7 +526,7 @@
         <a:sym typeface="Arial"/>
       </a:defRPr>
     </a:lvl1pPr>
-    <a:lvl2pPr lvl="1" marR="0" rtl="0" algn="l">
+    <a:lvl2pPr marR="0" lvl="1" algn="l" rtl="0">
       <a:lnSpc>
         <a:spcPct val="100000"/>
       </a:lnSpc>
@@ -525,7 +540,7 @@
         <a:srgbClr val="000000"/>
       </a:buClr>
       <a:buFont typeface="Arial"/>
-      <a:defRPr b="0" i="0" sz="1400" u="none" cap="none" strike="noStrike">
+      <a:defRPr sz="1400" b="0" i="0" u="none" strike="noStrike" cap="none">
         <a:solidFill>
           <a:srgbClr val="000000"/>
         </a:solidFill>
@@ -535,7 +550,7 @@
         <a:sym typeface="Arial"/>
       </a:defRPr>
     </a:lvl2pPr>
-    <a:lvl3pPr lvl="2" marR="0" rtl="0" algn="l">
+    <a:lvl3pPr marR="0" lvl="2" algn="l" rtl="0">
       <a:lnSpc>
         <a:spcPct val="100000"/>
       </a:lnSpc>
@@ -549,7 +564,7 @@
         <a:srgbClr val="000000"/>
       </a:buClr>
       <a:buFont typeface="Arial"/>
-      <a:defRPr b="0" i="0" sz="1400" u="none" cap="none" strike="noStrike">
+      <a:defRPr sz="1400" b="0" i="0" u="none" strike="noStrike" cap="none">
         <a:solidFill>
           <a:srgbClr val="000000"/>
         </a:solidFill>
@@ -559,7 +574,7 @@
         <a:sym typeface="Arial"/>
       </a:defRPr>
     </a:lvl3pPr>
-    <a:lvl4pPr lvl="3" marR="0" rtl="0" algn="l">
+    <a:lvl4pPr marR="0" lvl="3" algn="l" rtl="0">
       <a:lnSpc>
         <a:spcPct val="100000"/>
       </a:lnSpc>
@@ -573,7 +588,7 @@
         <a:srgbClr val="000000"/>
       </a:buClr>
       <a:buFont typeface="Arial"/>
-      <a:defRPr b="0" i="0" sz="1400" u="none" cap="none" strike="noStrike">
+      <a:defRPr sz="1400" b="0" i="0" u="none" strike="noStrike" cap="none">
         <a:solidFill>
           <a:srgbClr val="000000"/>
         </a:solidFill>
@@ -583,7 +598,7 @@
         <a:sym typeface="Arial"/>
       </a:defRPr>
     </a:lvl4pPr>
-    <a:lvl5pPr lvl="4" marR="0" rtl="0" algn="l">
+    <a:lvl5pPr marR="0" lvl="4" algn="l" rtl="0">
       <a:lnSpc>
         <a:spcPct val="100000"/>
       </a:lnSpc>
@@ -597,7 +612,7 @@
         <a:srgbClr val="000000"/>
       </a:buClr>
       <a:buFont typeface="Arial"/>
-      <a:defRPr b="0" i="0" sz="1400" u="none" cap="none" strike="noStrike">
+      <a:defRPr sz="1400" b="0" i="0" u="none" strike="noStrike" cap="none">
         <a:solidFill>
           <a:srgbClr val="000000"/>
         </a:solidFill>
@@ -607,7 +622,7 @@
         <a:sym typeface="Arial"/>
       </a:defRPr>
     </a:lvl5pPr>
-    <a:lvl6pPr lvl="5" marR="0" rtl="0" algn="l">
+    <a:lvl6pPr marR="0" lvl="5" algn="l" rtl="0">
       <a:lnSpc>
         <a:spcPct val="100000"/>
       </a:lnSpc>
@@ -621,7 +636,7 @@
         <a:srgbClr val="000000"/>
       </a:buClr>
       <a:buFont typeface="Arial"/>
-      <a:defRPr b="0" i="0" sz="1400" u="none" cap="none" strike="noStrike">
+      <a:defRPr sz="1400" b="0" i="0" u="none" strike="noStrike" cap="none">
         <a:solidFill>
           <a:srgbClr val="000000"/>
         </a:solidFill>
@@ -631,7 +646,7 @@
         <a:sym typeface="Arial"/>
       </a:defRPr>
     </a:lvl6pPr>
-    <a:lvl7pPr lvl="6" marR="0" rtl="0" algn="l">
+    <a:lvl7pPr marR="0" lvl="6" algn="l" rtl="0">
       <a:lnSpc>
         <a:spcPct val="100000"/>
       </a:lnSpc>
@@ -645,7 +660,7 @@
         <a:srgbClr val="000000"/>
       </a:buClr>
       <a:buFont typeface="Arial"/>
-      <a:defRPr b="0" i="0" sz="1400" u="none" cap="none" strike="noStrike">
+      <a:defRPr sz="1400" b="0" i="0" u="none" strike="noStrike" cap="none">
         <a:solidFill>
           <a:srgbClr val="000000"/>
         </a:solidFill>
@@ -655,7 +670,7 @@
         <a:sym typeface="Arial"/>
       </a:defRPr>
     </a:lvl7pPr>
-    <a:lvl8pPr lvl="7" marR="0" rtl="0" algn="l">
+    <a:lvl8pPr marR="0" lvl="7" algn="l" rtl="0">
       <a:lnSpc>
         <a:spcPct val="100000"/>
       </a:lnSpc>
@@ -669,7 +684,7 @@
         <a:srgbClr val="000000"/>
       </a:buClr>
       <a:buFont typeface="Arial"/>
-      <a:defRPr b="0" i="0" sz="1400" u="none" cap="none" strike="noStrike">
+      <a:defRPr sz="1400" b="0" i="0" u="none" strike="noStrike" cap="none">
         <a:solidFill>
           <a:srgbClr val="000000"/>
         </a:solidFill>
@@ -679,7 +694,7 @@
         <a:sym typeface="Arial"/>
       </a:defRPr>
     </a:lvl8pPr>
-    <a:lvl9pPr lvl="8" marR="0" rtl="0" algn="l">
+    <a:lvl9pPr marR="0" lvl="8" algn="l" rtl="0">
       <a:lnSpc>
         <a:spcPct val="100000"/>
       </a:lnSpc>
@@ -693,7 +708,7 @@
         <a:srgbClr val="000000"/>
       </a:buClr>
       <a:buFont typeface="Arial"/>
-      <a:defRPr b="0" i="0" sz="1400" u="none" cap="none" strike="noStrike">
+      <a:defRPr sz="1400" b="0" i="0" u="none" strike="noStrike" cap="none">
         <a:solidFill>
           <a:srgbClr val="000000"/>
         </a:solidFill>
@@ -708,11 +723,11 @@
 </file>
 
 <file path=ppt/notesSlides/notesSlide1.xml><?xml version="1.0" encoding="utf-8"?>
-<p:notes xmlns:a="http://schemas.openxmlformats.org/drawingml/2006/main" xmlns:r="http://schemas.openxmlformats.org/officeDocument/2006/relationships" xmlns:mc="http://schemas.openxmlformats.org/markup-compatibility/2006" xmlns:mv="urn:schemas-microsoft-com:mac:vml" xmlns:p="http://schemas.openxmlformats.org/presentationml/2006/main" xmlns:c="http://schemas.openxmlformats.org/drawingml/2006/chart" xmlns:dgm="http://schemas.openxmlformats.org/drawingml/2006/diagram" xmlns:o="urn:schemas-microsoft-com:office:office" xmlns:v="urn:schemas-microsoft-com:vml" xmlns:pvml="urn:schemas-microsoft-com:office:powerpoint" xmlns:com="http://schemas.openxmlformats.org/drawingml/2006/compatibility" xmlns:p14="http://schemas.microsoft.com/office/powerpoint/2010/main" xmlns:p15="http://schemas.microsoft.com/office/powerpoint/2012/main" xmlns:ahyp="http://schemas.microsoft.com/office/drawing/2018/hyperlinkcolor" showMasterPhAnim="0" showMasterSp="0">
+<p:notes xmlns:a="http://schemas.openxmlformats.org/drawingml/2006/main" xmlns:r="http://schemas.openxmlformats.org/officeDocument/2006/relationships" xmlns:p="http://schemas.openxmlformats.org/presentationml/2006/main" showMasterSp="0" showMasterPhAnim="0">
   <p:cSld>
     <p:spTree>
       <p:nvGrpSpPr>
-        <p:cNvPr id="130" name="Shape 130"/>
+        <p:cNvPr id="1" name="Shape 130"/>
         <p:cNvGrpSpPr/>
         <p:nvPr/>
       </p:nvGrpSpPr>
@@ -727,20 +742,26 @@
       <p:sp>
         <p:nvSpPr>
           <p:cNvPr id="131" name="Google Shape;131;p:notes"/>
-          <p:cNvSpPr/>
+          <p:cNvSpPr>
+            <a:spLocks noGrp="1" noRot="1" noChangeAspect="1"/>
+          </p:cNvSpPr>
           <p:nvPr>
-            <p:ph idx="2" type="sldImg"/>
+            <p:ph type="sldImg" idx="2"/>
           </p:nvPr>
         </p:nvSpPr>
         <p:spPr>
           <a:xfrm>
-            <a:off x="381300" y="685800"/>
-            <a:ext cx="6096075" cy="3429000"/>
+            <a:off x="381000" y="685800"/>
+            <a:ext cx="6096000" cy="3429000"/>
           </a:xfrm>
           <a:custGeom>
-            <a:rect b="b" l="l" r="r" t="t"/>
+            <a:avLst/>
+            <a:gdLst/>
+            <a:ahLst/>
+            <a:cxnLst/>
+            <a:rect l="l" t="t" r="r" b="b"/>
             <a:pathLst>
-              <a:path extrusionOk="0" h="120000" w="120000">
+              <a:path w="120000" h="120000" extrusionOk="0">
                 <a:moveTo>
                   <a:pt x="0" y="0"/>
                 </a:moveTo>
@@ -762,9 +783,11 @@
       <p:sp>
         <p:nvSpPr>
           <p:cNvPr id="132" name="Google Shape;132;p:notes"/>
-          <p:cNvSpPr txBox="1"/>
+          <p:cNvSpPr txBox="1">
+            <a:spLocks noGrp="1"/>
+          </p:cNvSpPr>
           <p:nvPr>
-            <p:ph idx="1" type="body"/>
+            <p:ph type="body" idx="1"/>
           </p:nvPr>
         </p:nvSpPr>
         <p:spPr>
@@ -777,12 +800,12 @@
           </a:prstGeom>
         </p:spPr>
         <p:txBody>
-          <a:bodyPr anchorCtr="0" anchor="t" bIns="91425" lIns="91425" spcFirstLastPara="1" rIns="91425" wrap="square" tIns="91425">
+          <a:bodyPr spcFirstLastPara="1" wrap="square" lIns="91425" tIns="91425" rIns="91425" bIns="91425" anchor="t" anchorCtr="0">
             <a:noAutofit/>
           </a:bodyPr>
           <a:lstStyle/>
           <a:p>
-            <a:pPr indent="0" lvl="0" marL="0" rtl="0" algn="l">
+            <a:pPr marL="0" lvl="0" indent="0" algn="l" rtl="0">
               <a:spcBef>
                 <a:spcPts val="0"/>
               </a:spcBef>
@@ -791,9 +814,6 @@
               </a:spcAft>
               <a:buNone/>
             </a:pPr>
-            <a:r>
-              <a:t/>
-            </a:r>
             <a:endParaRPr/>
           </a:p>
         </p:txBody>
@@ -807,11 +827,11 @@
 </file>
 
 <file path=ppt/notesSlides/notesSlide2.xml><?xml version="1.0" encoding="utf-8"?>
-<p:notes xmlns:a="http://schemas.openxmlformats.org/drawingml/2006/main" xmlns:r="http://schemas.openxmlformats.org/officeDocument/2006/relationships" xmlns:mc="http://schemas.openxmlformats.org/markup-compatibility/2006" xmlns:mv="urn:schemas-microsoft-com:mac:vml" xmlns:p="http://schemas.openxmlformats.org/presentationml/2006/main" xmlns:c="http://schemas.openxmlformats.org/drawingml/2006/chart" xmlns:dgm="http://schemas.openxmlformats.org/drawingml/2006/diagram" xmlns:o="urn:schemas-microsoft-com:office:office" xmlns:v="urn:schemas-microsoft-com:vml" xmlns:pvml="urn:schemas-microsoft-com:office:powerpoint" xmlns:com="http://schemas.openxmlformats.org/drawingml/2006/compatibility" xmlns:p14="http://schemas.microsoft.com/office/powerpoint/2010/main" xmlns:p15="http://schemas.microsoft.com/office/powerpoint/2012/main" xmlns:ahyp="http://schemas.microsoft.com/office/drawing/2018/hyperlinkcolor" showMasterPhAnim="0" showMasterSp="0">
+<p:notes xmlns:a="http://schemas.openxmlformats.org/drawingml/2006/main" xmlns:r="http://schemas.openxmlformats.org/officeDocument/2006/relationships" xmlns:p="http://schemas.openxmlformats.org/presentationml/2006/main" showMasterSp="0" showMasterPhAnim="0">
   <p:cSld>
     <p:spTree>
       <p:nvGrpSpPr>
-        <p:cNvPr id="136" name="Shape 136"/>
+        <p:cNvPr id="1" name="Shape 136"/>
         <p:cNvGrpSpPr/>
         <p:nvPr/>
       </p:nvGrpSpPr>
@@ -826,9 +846,11 @@
       <p:sp>
         <p:nvSpPr>
           <p:cNvPr id="137" name="Google Shape;137;g278a62d2e1c_0_125:notes"/>
-          <p:cNvSpPr/>
+          <p:cNvSpPr>
+            <a:spLocks noGrp="1" noRot="1" noChangeAspect="1"/>
+          </p:cNvSpPr>
           <p:nvPr>
-            <p:ph idx="2" type="sldImg"/>
+            <p:ph type="sldImg" idx="2"/>
           </p:nvPr>
         </p:nvSpPr>
         <p:spPr>
@@ -837,9 +859,13 @@
             <a:ext cx="6096000" cy="3429000"/>
           </a:xfrm>
           <a:custGeom>
-            <a:rect b="b" l="l" r="r" t="t"/>
+            <a:avLst/>
+            <a:gdLst/>
+            <a:ahLst/>
+            <a:cxnLst/>
+            <a:rect l="l" t="t" r="r" b="b"/>
             <a:pathLst>
-              <a:path extrusionOk="0" h="120000" w="120000">
+              <a:path w="120000" h="120000" extrusionOk="0">
                 <a:moveTo>
                   <a:pt x="0" y="0"/>
                 </a:moveTo>
@@ -861,9 +887,11 @@
       <p:sp>
         <p:nvSpPr>
           <p:cNvPr id="138" name="Google Shape;138;g278a62d2e1c_0_125:notes"/>
-          <p:cNvSpPr txBox="1"/>
+          <p:cNvSpPr txBox="1">
+            <a:spLocks noGrp="1"/>
+          </p:cNvSpPr>
           <p:nvPr>
-            <p:ph idx="1" type="body"/>
+            <p:ph type="body" idx="1"/>
           </p:nvPr>
         </p:nvSpPr>
         <p:spPr>
@@ -876,12 +904,12 @@
           </a:prstGeom>
         </p:spPr>
         <p:txBody>
-          <a:bodyPr anchorCtr="0" anchor="t" bIns="91425" lIns="91425" spcFirstLastPara="1" rIns="91425" wrap="square" tIns="91425">
+          <a:bodyPr spcFirstLastPara="1" wrap="square" lIns="91425" tIns="91425" rIns="91425" bIns="91425" anchor="t" anchorCtr="0">
             <a:noAutofit/>
           </a:bodyPr>
           <a:lstStyle/>
           <a:p>
-            <a:pPr indent="0" lvl="0" marL="0" rtl="0" algn="l">
+            <a:pPr marL="0" lvl="0" indent="0" algn="l" rtl="0">
               <a:spcBef>
                 <a:spcPts val="0"/>
               </a:spcBef>
@@ -890,9 +918,6 @@
               </a:spcAft>
               <a:buNone/>
             </a:pPr>
-            <a:r>
-              <a:t/>
-            </a:r>
             <a:endParaRPr/>
           </a:p>
         </p:txBody>
@@ -906,11 +931,11 @@
 </file>
 
 <file path=ppt/notesSlides/notesSlide3.xml><?xml version="1.0" encoding="utf-8"?>
-<p:notes xmlns:a="http://schemas.openxmlformats.org/drawingml/2006/main" xmlns:r="http://schemas.openxmlformats.org/officeDocument/2006/relationships" xmlns:mc="http://schemas.openxmlformats.org/markup-compatibility/2006" xmlns:mv="urn:schemas-microsoft-com:mac:vml" xmlns:p="http://schemas.openxmlformats.org/presentationml/2006/main" xmlns:c="http://schemas.openxmlformats.org/drawingml/2006/chart" xmlns:dgm="http://schemas.openxmlformats.org/drawingml/2006/diagram" xmlns:o="urn:schemas-microsoft-com:office:office" xmlns:v="urn:schemas-microsoft-com:vml" xmlns:pvml="urn:schemas-microsoft-com:office:powerpoint" xmlns:com="http://schemas.openxmlformats.org/drawingml/2006/compatibility" xmlns:p14="http://schemas.microsoft.com/office/powerpoint/2010/main" xmlns:p15="http://schemas.microsoft.com/office/powerpoint/2012/main" xmlns:ahyp="http://schemas.microsoft.com/office/drawing/2018/hyperlinkcolor" showMasterPhAnim="0" showMasterSp="0">
+<p:notes xmlns:a="http://schemas.openxmlformats.org/drawingml/2006/main" xmlns:r="http://schemas.openxmlformats.org/officeDocument/2006/relationships" xmlns:p="http://schemas.openxmlformats.org/presentationml/2006/main" showMasterSp="0" showMasterPhAnim="0">
   <p:cSld>
     <p:spTree>
       <p:nvGrpSpPr>
-        <p:cNvPr id="142" name="Shape 142"/>
+        <p:cNvPr id="1" name="Shape 142"/>
         <p:cNvGrpSpPr/>
         <p:nvPr/>
       </p:nvGrpSpPr>
@@ -925,9 +950,11 @@
       <p:sp>
         <p:nvSpPr>
           <p:cNvPr id="143" name="Google Shape;143;g278a62d2e1c_0_130:notes"/>
-          <p:cNvSpPr/>
+          <p:cNvSpPr>
+            <a:spLocks noGrp="1" noRot="1" noChangeAspect="1"/>
+          </p:cNvSpPr>
           <p:nvPr>
-            <p:ph idx="2" type="sldImg"/>
+            <p:ph type="sldImg" idx="2"/>
           </p:nvPr>
         </p:nvSpPr>
         <p:spPr>
@@ -936,9 +963,13 @@
             <a:ext cx="6096000" cy="3429000"/>
           </a:xfrm>
           <a:custGeom>
-            <a:rect b="b" l="l" r="r" t="t"/>
+            <a:avLst/>
+            <a:gdLst/>
+            <a:ahLst/>
+            <a:cxnLst/>
+            <a:rect l="l" t="t" r="r" b="b"/>
             <a:pathLst>
-              <a:path extrusionOk="0" h="120000" w="120000">
+              <a:path w="120000" h="120000" extrusionOk="0">
                 <a:moveTo>
                   <a:pt x="0" y="0"/>
                 </a:moveTo>
@@ -960,9 +991,11 @@
       <p:sp>
         <p:nvSpPr>
           <p:cNvPr id="144" name="Google Shape;144;g278a62d2e1c_0_130:notes"/>
-          <p:cNvSpPr txBox="1"/>
+          <p:cNvSpPr txBox="1">
+            <a:spLocks noGrp="1"/>
+          </p:cNvSpPr>
           <p:nvPr>
-            <p:ph idx="1" type="body"/>
+            <p:ph type="body" idx="1"/>
           </p:nvPr>
         </p:nvSpPr>
         <p:spPr>
@@ -975,12 +1008,12 @@
           </a:prstGeom>
         </p:spPr>
         <p:txBody>
-          <a:bodyPr anchorCtr="0" anchor="t" bIns="91425" lIns="91425" spcFirstLastPara="1" rIns="91425" wrap="square" tIns="91425">
+          <a:bodyPr spcFirstLastPara="1" wrap="square" lIns="91425" tIns="91425" rIns="91425" bIns="91425" anchor="t" anchorCtr="0">
             <a:noAutofit/>
           </a:bodyPr>
           <a:lstStyle/>
           <a:p>
-            <a:pPr indent="0" lvl="0" marL="0" rtl="0" algn="l">
+            <a:pPr marL="0" lvl="0" indent="0" algn="l" rtl="0">
               <a:spcBef>
                 <a:spcPts val="0"/>
               </a:spcBef>
@@ -989,9 +1022,6 @@
               </a:spcAft>
               <a:buNone/>
             </a:pPr>
-            <a:r>
-              <a:t/>
-            </a:r>
             <a:endParaRPr/>
           </a:p>
         </p:txBody>
@@ -1005,11 +1035,11 @@
 </file>
 
 <file path=ppt/notesSlides/notesSlide4.xml><?xml version="1.0" encoding="utf-8"?>
-<p:notes xmlns:a="http://schemas.openxmlformats.org/drawingml/2006/main" xmlns:r="http://schemas.openxmlformats.org/officeDocument/2006/relationships" xmlns:mc="http://schemas.openxmlformats.org/markup-compatibility/2006" xmlns:mv="urn:schemas-microsoft-com:mac:vml" xmlns:p="http://schemas.openxmlformats.org/presentationml/2006/main" xmlns:c="http://schemas.openxmlformats.org/drawingml/2006/chart" xmlns:dgm="http://schemas.openxmlformats.org/drawingml/2006/diagram" xmlns:o="urn:schemas-microsoft-com:office:office" xmlns:v="urn:schemas-microsoft-com:vml" xmlns:pvml="urn:schemas-microsoft-com:office:powerpoint" xmlns:com="http://schemas.openxmlformats.org/drawingml/2006/compatibility" xmlns:p14="http://schemas.microsoft.com/office/powerpoint/2010/main" xmlns:p15="http://schemas.microsoft.com/office/powerpoint/2012/main" xmlns:ahyp="http://schemas.microsoft.com/office/drawing/2018/hyperlinkcolor" showMasterPhAnim="0" showMasterSp="0">
+<p:notes xmlns:a="http://schemas.openxmlformats.org/drawingml/2006/main" xmlns:r="http://schemas.openxmlformats.org/officeDocument/2006/relationships" xmlns:p="http://schemas.openxmlformats.org/presentationml/2006/main" showMasterSp="0" showMasterPhAnim="0">
   <p:cSld>
     <p:spTree>
       <p:nvGrpSpPr>
-        <p:cNvPr id="148" name="Shape 148"/>
+        <p:cNvPr id="1" name="Shape 148"/>
         <p:cNvGrpSpPr/>
         <p:nvPr/>
       </p:nvGrpSpPr>
@@ -1024,9 +1054,11 @@
       <p:sp>
         <p:nvSpPr>
           <p:cNvPr id="149" name="Google Shape;149;g278a62d2e1c_0_137:notes"/>
-          <p:cNvSpPr/>
+          <p:cNvSpPr>
+            <a:spLocks noGrp="1" noRot="1" noChangeAspect="1"/>
+          </p:cNvSpPr>
           <p:nvPr>
-            <p:ph idx="2" type="sldImg"/>
+            <p:ph type="sldImg" idx="2"/>
           </p:nvPr>
         </p:nvSpPr>
         <p:spPr>
@@ -1035,9 +1067,13 @@
             <a:ext cx="6096000" cy="3429000"/>
           </a:xfrm>
           <a:custGeom>
-            <a:rect b="b" l="l" r="r" t="t"/>
+            <a:avLst/>
+            <a:gdLst/>
+            <a:ahLst/>
+            <a:cxnLst/>
+            <a:rect l="l" t="t" r="r" b="b"/>
             <a:pathLst>
-              <a:path extrusionOk="0" h="120000" w="120000">
+              <a:path w="120000" h="120000" extrusionOk="0">
                 <a:moveTo>
                   <a:pt x="0" y="0"/>
                 </a:moveTo>
@@ -1059,9 +1095,11 @@
       <p:sp>
         <p:nvSpPr>
           <p:cNvPr id="150" name="Google Shape;150;g278a62d2e1c_0_137:notes"/>
-          <p:cNvSpPr txBox="1"/>
+          <p:cNvSpPr txBox="1">
+            <a:spLocks noGrp="1"/>
+          </p:cNvSpPr>
           <p:nvPr>
-            <p:ph idx="1" type="body"/>
+            <p:ph type="body" idx="1"/>
           </p:nvPr>
         </p:nvSpPr>
         <p:spPr>
@@ -1074,12 +1112,12 @@
           </a:prstGeom>
         </p:spPr>
         <p:txBody>
-          <a:bodyPr anchorCtr="0" anchor="t" bIns="91425" lIns="91425" spcFirstLastPara="1" rIns="91425" wrap="square" tIns="91425">
+          <a:bodyPr spcFirstLastPara="1" wrap="square" lIns="91425" tIns="91425" rIns="91425" bIns="91425" anchor="t" anchorCtr="0">
             <a:noAutofit/>
           </a:bodyPr>
           <a:lstStyle/>
           <a:p>
-            <a:pPr indent="0" lvl="0" marL="0" rtl="0" algn="l">
+            <a:pPr marL="0" lvl="0" indent="0" algn="l" rtl="0">
               <a:spcBef>
                 <a:spcPts val="0"/>
               </a:spcBef>
@@ -1088,9 +1126,6 @@
               </a:spcAft>
               <a:buNone/>
             </a:pPr>
-            <a:r>
-              <a:t/>
-            </a:r>
             <a:endParaRPr/>
           </a:p>
         </p:txBody>
@@ -1104,11 +1139,11 @@
 </file>
 
 <file path=ppt/notesSlides/notesSlide5.xml><?xml version="1.0" encoding="utf-8"?>
-<p:notes xmlns:a="http://schemas.openxmlformats.org/drawingml/2006/main" xmlns:r="http://schemas.openxmlformats.org/officeDocument/2006/relationships" xmlns:mc="http://schemas.openxmlformats.org/markup-compatibility/2006" xmlns:mv="urn:schemas-microsoft-com:mac:vml" xmlns:p="http://schemas.openxmlformats.org/presentationml/2006/main" xmlns:c="http://schemas.openxmlformats.org/drawingml/2006/chart" xmlns:dgm="http://schemas.openxmlformats.org/drawingml/2006/diagram" xmlns:o="urn:schemas-microsoft-com:office:office" xmlns:v="urn:schemas-microsoft-com:vml" xmlns:pvml="urn:schemas-microsoft-com:office:powerpoint" xmlns:com="http://schemas.openxmlformats.org/drawingml/2006/compatibility" xmlns:p14="http://schemas.microsoft.com/office/powerpoint/2010/main" xmlns:p15="http://schemas.microsoft.com/office/powerpoint/2012/main" xmlns:ahyp="http://schemas.microsoft.com/office/drawing/2018/hyperlinkcolor" showMasterPhAnim="0" showMasterSp="0">
+<p:notes xmlns:a="http://schemas.openxmlformats.org/drawingml/2006/main" xmlns:r="http://schemas.openxmlformats.org/officeDocument/2006/relationships" xmlns:p="http://schemas.openxmlformats.org/presentationml/2006/main" showMasterSp="0" showMasterPhAnim="0">
   <p:cSld>
     <p:spTree>
       <p:nvGrpSpPr>
-        <p:cNvPr id="154" name="Shape 154"/>
+        <p:cNvPr id="1" name="Shape 154"/>
         <p:cNvGrpSpPr/>
         <p:nvPr/>
       </p:nvGrpSpPr>
@@ -1123,9 +1158,11 @@
       <p:sp>
         <p:nvSpPr>
           <p:cNvPr id="155" name="Google Shape;155;g278a62d2e1c_0_146:notes"/>
-          <p:cNvSpPr/>
+          <p:cNvSpPr>
+            <a:spLocks noGrp="1" noRot="1" noChangeAspect="1"/>
+          </p:cNvSpPr>
           <p:nvPr>
-            <p:ph idx="2" type="sldImg"/>
+            <p:ph type="sldImg" idx="2"/>
           </p:nvPr>
         </p:nvSpPr>
         <p:spPr>
@@ -1134,9 +1171,13 @@
             <a:ext cx="6096000" cy="3429000"/>
           </a:xfrm>
           <a:custGeom>
-            <a:rect b="b" l="l" r="r" t="t"/>
+            <a:avLst/>
+            <a:gdLst/>
+            <a:ahLst/>
+            <a:cxnLst/>
+            <a:rect l="l" t="t" r="r" b="b"/>
             <a:pathLst>
-              <a:path extrusionOk="0" h="120000" w="120000">
+              <a:path w="120000" h="120000" extrusionOk="0">
                 <a:moveTo>
                   <a:pt x="0" y="0"/>
                 </a:moveTo>
@@ -1158,9 +1199,11 @@
       <p:sp>
         <p:nvSpPr>
           <p:cNvPr id="156" name="Google Shape;156;g278a62d2e1c_0_146:notes"/>
-          <p:cNvSpPr txBox="1"/>
+          <p:cNvSpPr txBox="1">
+            <a:spLocks noGrp="1"/>
+          </p:cNvSpPr>
           <p:nvPr>
-            <p:ph idx="1" type="body"/>
+            <p:ph type="body" idx="1"/>
           </p:nvPr>
         </p:nvSpPr>
         <p:spPr>
@@ -1173,12 +1216,12 @@
           </a:prstGeom>
         </p:spPr>
         <p:txBody>
-          <a:bodyPr anchorCtr="0" anchor="t" bIns="91425" lIns="91425" spcFirstLastPara="1" rIns="91425" wrap="square" tIns="91425">
+          <a:bodyPr spcFirstLastPara="1" wrap="square" lIns="91425" tIns="91425" rIns="91425" bIns="91425" anchor="t" anchorCtr="0">
             <a:noAutofit/>
           </a:bodyPr>
           <a:lstStyle/>
           <a:p>
-            <a:pPr indent="0" lvl="0" marL="0" rtl="0" algn="l">
+            <a:pPr marL="0" lvl="0" indent="0" algn="l" rtl="0">
               <a:spcBef>
                 <a:spcPts val="0"/>
               </a:spcBef>
@@ -1187,9 +1230,6 @@
               </a:spcAft>
               <a:buNone/>
             </a:pPr>
-            <a:r>
-              <a:t/>
-            </a:r>
             <a:endParaRPr/>
           </a:p>
         </p:txBody>
@@ -1203,11 +1243,11 @@
 </file>
 
 <file path=ppt/notesSlides/notesSlide6.xml><?xml version="1.0" encoding="utf-8"?>
-<p:notes xmlns:a="http://schemas.openxmlformats.org/drawingml/2006/main" xmlns:r="http://schemas.openxmlformats.org/officeDocument/2006/relationships" xmlns:mc="http://schemas.openxmlformats.org/markup-compatibility/2006" xmlns:mv="urn:schemas-microsoft-com:mac:vml" xmlns:p="http://schemas.openxmlformats.org/presentationml/2006/main" xmlns:c="http://schemas.openxmlformats.org/drawingml/2006/chart" xmlns:dgm="http://schemas.openxmlformats.org/drawingml/2006/diagram" xmlns:o="urn:schemas-microsoft-com:office:office" xmlns:v="urn:schemas-microsoft-com:vml" xmlns:pvml="urn:schemas-microsoft-com:office:powerpoint" xmlns:com="http://schemas.openxmlformats.org/drawingml/2006/compatibility" xmlns:p14="http://schemas.microsoft.com/office/powerpoint/2010/main" xmlns:p15="http://schemas.microsoft.com/office/powerpoint/2012/main" xmlns:ahyp="http://schemas.microsoft.com/office/drawing/2018/hyperlinkcolor" showMasterPhAnim="0" showMasterSp="0">
+<p:notes xmlns:a="http://schemas.openxmlformats.org/drawingml/2006/main" xmlns:r="http://schemas.openxmlformats.org/officeDocument/2006/relationships" xmlns:p="http://schemas.openxmlformats.org/presentationml/2006/main" showMasterSp="0" showMasterPhAnim="0">
   <p:cSld>
     <p:spTree>
       <p:nvGrpSpPr>
-        <p:cNvPr id="162" name="Shape 162"/>
+        <p:cNvPr id="1" name="Shape 162"/>
         <p:cNvGrpSpPr/>
         <p:nvPr/>
       </p:nvGrpSpPr>
@@ -1222,9 +1262,11 @@
       <p:sp>
         <p:nvSpPr>
           <p:cNvPr id="163" name="Google Shape;163;g278a62d2e1c_0_157:notes"/>
-          <p:cNvSpPr/>
+          <p:cNvSpPr>
+            <a:spLocks noGrp="1" noRot="1" noChangeAspect="1"/>
+          </p:cNvSpPr>
           <p:nvPr>
-            <p:ph idx="2" type="sldImg"/>
+            <p:ph type="sldImg" idx="2"/>
           </p:nvPr>
         </p:nvSpPr>
         <p:spPr>
@@ -1233,9 +1275,13 @@
             <a:ext cx="6096000" cy="3429000"/>
           </a:xfrm>
           <a:custGeom>
-            <a:rect b="b" l="l" r="r" t="t"/>
+            <a:avLst/>
+            <a:gdLst/>
+            <a:ahLst/>
+            <a:cxnLst/>
+            <a:rect l="l" t="t" r="r" b="b"/>
             <a:pathLst>
-              <a:path extrusionOk="0" h="120000" w="120000">
+              <a:path w="120000" h="120000" extrusionOk="0">
                 <a:moveTo>
                   <a:pt x="0" y="0"/>
                 </a:moveTo>
@@ -1257,9 +1303,11 @@
       <p:sp>
         <p:nvSpPr>
           <p:cNvPr id="164" name="Google Shape;164;g278a62d2e1c_0_157:notes"/>
-          <p:cNvSpPr txBox="1"/>
+          <p:cNvSpPr txBox="1">
+            <a:spLocks noGrp="1"/>
+          </p:cNvSpPr>
           <p:nvPr>
-            <p:ph idx="1" type="body"/>
+            <p:ph type="body" idx="1"/>
           </p:nvPr>
         </p:nvSpPr>
         <p:spPr>
@@ -1272,12 +1320,12 @@
           </a:prstGeom>
         </p:spPr>
         <p:txBody>
-          <a:bodyPr anchorCtr="0" anchor="t" bIns="91425" lIns="91425" spcFirstLastPara="1" rIns="91425" wrap="square" tIns="91425">
+          <a:bodyPr spcFirstLastPara="1" wrap="square" lIns="91425" tIns="91425" rIns="91425" bIns="91425" anchor="t" anchorCtr="0">
             <a:noAutofit/>
           </a:bodyPr>
           <a:lstStyle/>
           <a:p>
-            <a:pPr indent="0" lvl="0" marL="0" rtl="0" algn="l">
+            <a:pPr marL="0" lvl="0" indent="0" algn="l" rtl="0">
               <a:spcBef>
                 <a:spcPts val="0"/>
               </a:spcBef>
@@ -1286,9 +1334,6 @@
               </a:spcAft>
               <a:buNone/>
             </a:pPr>
-            <a:r>
-              <a:t/>
-            </a:r>
             <a:endParaRPr/>
           </a:p>
         </p:txBody>
@@ -1302,11 +1347,11 @@
 </file>
 
 <file path=ppt/slideLayouts/slideLayout1.xml><?xml version="1.0" encoding="utf-8"?>
-<p:sldLayout xmlns:a="http://schemas.openxmlformats.org/drawingml/2006/main" xmlns:r="http://schemas.openxmlformats.org/officeDocument/2006/relationships" xmlns:mc="http://schemas.openxmlformats.org/markup-compatibility/2006" xmlns:mv="urn:schemas-microsoft-com:mac:vml" xmlns:p="http://schemas.openxmlformats.org/presentationml/2006/main" xmlns:c="http://schemas.openxmlformats.org/drawingml/2006/chart" xmlns:dgm="http://schemas.openxmlformats.org/drawingml/2006/diagram" xmlns:o="urn:schemas-microsoft-com:office:office" xmlns:v="urn:schemas-microsoft-com:vml" xmlns:pvml="urn:schemas-microsoft-com:office:powerpoint" xmlns:com="http://schemas.openxmlformats.org/drawingml/2006/compatibility" xmlns:p14="http://schemas.microsoft.com/office/powerpoint/2010/main" xmlns:p15="http://schemas.microsoft.com/office/powerpoint/2012/main" xmlns:ahyp="http://schemas.microsoft.com/office/drawing/2018/hyperlinkcolor" matchingName="Title slide" type="title">
+<p:sldLayout xmlns:a="http://schemas.openxmlformats.org/drawingml/2006/main" xmlns:r="http://schemas.openxmlformats.org/officeDocument/2006/relationships" xmlns:p="http://schemas.openxmlformats.org/presentationml/2006/main" matchingName="Title slide" type="title">
   <p:cSld name="TITLE">
     <p:spTree>
       <p:nvGrpSpPr>
-        <p:cNvPr id="9" name="Shape 9"/>
+        <p:cNvPr id="1" name="Shape 9"/>
         <p:cNvGrpSpPr/>
         <p:nvPr/>
       </p:nvGrpSpPr>
@@ -1331,7 +1376,7 @@
           </a:xfrm>
           <a:prstGeom prst="diagStripe">
             <a:avLst>
-              <a:gd fmla="val 0" name="adj"/>
+              <a:gd name="adj" fmla="val 0"/>
             </a:avLst>
           </a:prstGeom>
           <a:solidFill>
@@ -1344,12 +1389,12 @@
           </a:ln>
         </p:spPr>
         <p:txBody>
-          <a:bodyPr anchorCtr="0" anchor="ctr" bIns="91425" lIns="91425" spcFirstLastPara="1" rIns="91425" wrap="square" tIns="91425">
+          <a:bodyPr spcFirstLastPara="1" wrap="square" lIns="91425" tIns="91425" rIns="91425" bIns="91425" anchor="ctr" anchorCtr="0">
             <a:noAutofit/>
           </a:bodyPr>
           <a:lstStyle/>
           <a:p>
-            <a:pPr indent="0" lvl="0" marL="0" rtl="0" algn="l">
+            <a:pPr marL="0" lvl="0" indent="0" algn="l" rtl="0">
               <a:spcBef>
                 <a:spcPts val="0"/>
               </a:spcBef>
@@ -1358,9 +1403,6 @@
               </a:spcAft>
               <a:buNone/>
             </a:pPr>
-            <a:r>
-              <a:t/>
-            </a:r>
             <a:endParaRPr/>
           </a:p>
         </p:txBody>
@@ -1392,7 +1434,7 @@
             </a:xfrm>
             <a:prstGeom prst="diagStripe">
               <a:avLst>
-                <a:gd fmla="val 50000" name="adj"/>
+                <a:gd name="adj" fmla="val 50000"/>
               </a:avLst>
             </a:prstGeom>
             <a:solidFill>
@@ -1405,12 +1447,12 @@
             </a:ln>
           </p:spPr>
           <p:txBody>
-            <a:bodyPr anchorCtr="0" anchor="ctr" bIns="91425" lIns="91425" spcFirstLastPara="1" rIns="91425" wrap="square" tIns="91425">
+            <a:bodyPr spcFirstLastPara="1" wrap="square" lIns="91425" tIns="91425" rIns="91425" bIns="91425" anchor="ctr" anchorCtr="0">
               <a:noAutofit/>
             </a:bodyPr>
             <a:lstStyle/>
             <a:p>
-              <a:pPr indent="0" lvl="0" marL="0" rtl="0" algn="l">
+              <a:pPr marL="0" lvl="0" indent="0" algn="l" rtl="0">
                 <a:spcBef>
                   <a:spcPts val="0"/>
                 </a:spcBef>
@@ -1419,9 +1461,6 @@
                 </a:spcAft>
                 <a:buNone/>
               </a:pPr>
-              <a:r>
-                <a:t/>
-              </a:r>
               <a:endParaRPr/>
             </a:p>
           </p:txBody>
@@ -1439,7 +1478,7 @@
             </a:xfrm>
             <a:prstGeom prst="diagStripe">
               <a:avLst>
-                <a:gd fmla="val 58774" name="adj"/>
+                <a:gd name="adj" fmla="val 58774"/>
               </a:avLst>
             </a:prstGeom>
             <a:solidFill>
@@ -1452,12 +1491,12 @@
             </a:ln>
           </p:spPr>
           <p:txBody>
-            <a:bodyPr anchorCtr="0" anchor="ctr" bIns="91425" lIns="91425" spcFirstLastPara="1" rIns="91425" wrap="square" tIns="91425">
+            <a:bodyPr spcFirstLastPara="1" wrap="square" lIns="91425" tIns="91425" rIns="91425" bIns="91425" anchor="ctr" anchorCtr="0">
               <a:noAutofit/>
             </a:bodyPr>
             <a:lstStyle/>
             <a:p>
-              <a:pPr indent="0" lvl="0" marL="0" rtl="0" algn="l">
+              <a:pPr marL="0" lvl="0" indent="0" algn="l" rtl="0">
                 <a:spcBef>
                   <a:spcPts val="0"/>
                 </a:spcBef>
@@ -1466,9 +1505,6 @@
                 </a:spcAft>
                 <a:buNone/>
               </a:pPr>
-              <a:r>
-                <a:t/>
-              </a:r>
               <a:endParaRPr/>
             </a:p>
           </p:txBody>
@@ -1486,7 +1522,7 @@
             </a:xfrm>
             <a:prstGeom prst="diagStripe">
               <a:avLst>
-                <a:gd fmla="val 50000" name="adj"/>
+                <a:gd name="adj" fmla="val 50000"/>
               </a:avLst>
             </a:prstGeom>
             <a:solidFill>
@@ -1497,12 +1533,12 @@
             </a:ln>
           </p:spPr>
           <p:txBody>
-            <a:bodyPr anchorCtr="0" anchor="ctr" bIns="91425" lIns="91425" spcFirstLastPara="1" rIns="91425" wrap="square" tIns="91425">
+            <a:bodyPr spcFirstLastPara="1" wrap="square" lIns="91425" tIns="91425" rIns="91425" bIns="91425" anchor="ctr" anchorCtr="0">
               <a:noAutofit/>
             </a:bodyPr>
             <a:lstStyle/>
             <a:p>
-              <a:pPr indent="0" lvl="0" marL="0" rtl="0" algn="l">
+              <a:pPr marL="0" lvl="0" indent="0" algn="l" rtl="0">
                 <a:spcBef>
                   <a:spcPts val="0"/>
                 </a:spcBef>
@@ -1511,9 +1547,6 @@
                 </a:spcAft>
                 <a:buNone/>
               </a:pPr>
-              <a:r>
-                <a:t/>
-              </a:r>
               <a:endParaRPr/>
             </a:p>
           </p:txBody>
@@ -1531,7 +1564,7 @@
             </a:xfrm>
             <a:prstGeom prst="diagStripe">
               <a:avLst>
-                <a:gd fmla="val 50000" name="adj"/>
+                <a:gd name="adj" fmla="val 50000"/>
               </a:avLst>
             </a:prstGeom>
             <a:solidFill>
@@ -1542,12 +1575,12 @@
             </a:ln>
           </p:spPr>
           <p:txBody>
-            <a:bodyPr anchorCtr="0" anchor="ctr" bIns="91425" lIns="91425" spcFirstLastPara="1" rIns="91425" wrap="square" tIns="91425">
+            <a:bodyPr spcFirstLastPara="1" wrap="square" lIns="91425" tIns="91425" rIns="91425" bIns="91425" anchor="ctr" anchorCtr="0">
               <a:noAutofit/>
             </a:bodyPr>
             <a:lstStyle/>
             <a:p>
-              <a:pPr indent="0" lvl="0" marL="0" rtl="0" algn="l">
+              <a:pPr marL="0" lvl="0" indent="0" algn="l" rtl="0">
                 <a:spcBef>
                   <a:spcPts val="0"/>
                 </a:spcBef>
@@ -1556,9 +1589,6 @@
                 </a:spcAft>
                 <a:buNone/>
               </a:pPr>
-              <a:r>
-                <a:t/>
-              </a:r>
               <a:endParaRPr/>
             </a:p>
           </p:txBody>
@@ -1567,7 +1597,9 @@
       <p:sp>
         <p:nvSpPr>
           <p:cNvPr id="16" name="Google Shape;16;p2"/>
-          <p:cNvSpPr txBox="1"/>
+          <p:cNvSpPr txBox="1">
+            <a:spLocks noGrp="1"/>
+          </p:cNvSpPr>
           <p:nvPr>
             <p:ph type="ctrTitle"/>
           </p:nvPr>
@@ -1582,7 +1614,7 @@
           </a:prstGeom>
         </p:spPr>
         <p:txBody>
-          <a:bodyPr anchorCtr="0" anchor="t" bIns="91425" lIns="91425" spcFirstLastPara="1" rIns="91425" wrap="square" tIns="91425">
+          <a:bodyPr spcFirstLastPara="1" wrap="square" lIns="91425" tIns="91425" rIns="91425" bIns="91425" anchor="t" anchorCtr="0">
             <a:normAutofit/>
           </a:bodyPr>
           <a:lstStyle>
@@ -1686,15 +1718,19 @@
               <a:defRPr sz="4000"/>
             </a:lvl9pPr>
           </a:lstStyle>
-          <a:p/>
+          <a:p>
+            <a:endParaRPr/>
+          </a:p>
         </p:txBody>
       </p:sp>
       <p:sp>
         <p:nvSpPr>
           <p:cNvPr id="17" name="Google Shape;17;p2"/>
-          <p:cNvSpPr txBox="1"/>
+          <p:cNvSpPr txBox="1">
+            <a:spLocks noGrp="1"/>
+          </p:cNvSpPr>
           <p:nvPr>
-            <p:ph idx="1" type="subTitle"/>
+            <p:ph type="subTitle" idx="1"/>
           </p:nvPr>
         </p:nvSpPr>
         <p:spPr>
@@ -1707,7 +1743,7 @@
           </a:prstGeom>
         </p:spPr>
         <p:txBody>
-          <a:bodyPr anchorCtr="0" anchor="t" bIns="91425" lIns="91425" spcFirstLastPara="1" rIns="91425" wrap="square" tIns="91425">
+          <a:bodyPr spcFirstLastPara="1" wrap="square" lIns="91425" tIns="91425" rIns="91425" bIns="91425" anchor="t" anchorCtr="0">
             <a:normAutofit/>
           </a:bodyPr>
           <a:lstStyle>
@@ -1838,15 +1874,19 @@
               <a:defRPr sz="1300"/>
             </a:lvl9pPr>
           </a:lstStyle>
-          <a:p/>
+          <a:p>
+            <a:endParaRPr/>
+          </a:p>
         </p:txBody>
       </p:sp>
       <p:sp>
         <p:nvSpPr>
           <p:cNvPr id="18" name="Google Shape;18;p2"/>
-          <p:cNvSpPr txBox="1"/>
+          <p:cNvSpPr txBox="1">
+            <a:spLocks noGrp="1"/>
+          </p:cNvSpPr>
           <p:nvPr>
-            <p:ph idx="12" type="sldNum"/>
+            <p:ph type="sldNum" idx="12"/>
           </p:nvPr>
         </p:nvSpPr>
         <p:spPr>
@@ -1859,7 +1899,7 @@
           </a:prstGeom>
         </p:spPr>
         <p:txBody>
-          <a:bodyPr anchorCtr="0" anchor="ctr" bIns="91425" lIns="91425" spcFirstLastPara="1" rIns="91425" wrap="square" tIns="91425">
+          <a:bodyPr spcFirstLastPara="1" wrap="square" lIns="91425" tIns="91425" rIns="91425" bIns="91425" anchor="ctr" anchorCtr="0">
             <a:normAutofit/>
           </a:bodyPr>
           <a:lstStyle>
@@ -1901,7 +1941,7 @@
             </a:lvl9pPr>
           </a:lstStyle>
           <a:p>
-            <a:pPr indent="0" lvl="0" marL="0" rtl="0" algn="r">
+            <a:pPr marL="0" lvl="0" indent="0" algn="r" rtl="0">
               <a:spcBef>
                 <a:spcPts val="0"/>
               </a:spcBef>
@@ -1927,11 +1967,11 @@
 </file>
 
 <file path=ppt/slideLayouts/slideLayout10.xml><?xml version="1.0" encoding="utf-8"?>
-<p:sldLayout xmlns:a="http://schemas.openxmlformats.org/drawingml/2006/main" xmlns:r="http://schemas.openxmlformats.org/officeDocument/2006/relationships" xmlns:mc="http://schemas.openxmlformats.org/markup-compatibility/2006" xmlns:mv="urn:schemas-microsoft-com:mac:vml" xmlns:p="http://schemas.openxmlformats.org/presentationml/2006/main" xmlns:c="http://schemas.openxmlformats.org/drawingml/2006/chart" xmlns:dgm="http://schemas.openxmlformats.org/drawingml/2006/diagram" xmlns:o="urn:schemas-microsoft-com:office:office" xmlns:v="urn:schemas-microsoft-com:vml" xmlns:pvml="urn:schemas-microsoft-com:office:powerpoint" xmlns:com="http://schemas.openxmlformats.org/drawingml/2006/compatibility" xmlns:p14="http://schemas.microsoft.com/office/powerpoint/2010/main" xmlns:p15="http://schemas.microsoft.com/office/powerpoint/2012/main" xmlns:ahyp="http://schemas.microsoft.com/office/drawing/2018/hyperlinkcolor" matchingName="Big number">
+<p:sldLayout xmlns:a="http://schemas.openxmlformats.org/drawingml/2006/main" xmlns:r="http://schemas.openxmlformats.org/officeDocument/2006/relationships" xmlns:p="http://schemas.openxmlformats.org/presentationml/2006/main" matchingName="Big number">
   <p:cSld name="BIG_NUMBER">
     <p:spTree>
       <p:nvGrpSpPr>
-        <p:cNvPr id="105" name="Shape 105"/>
+        <p:cNvPr id="1" name="Shape 105"/>
         <p:cNvGrpSpPr/>
         <p:nvPr/>
       </p:nvGrpSpPr>
@@ -1970,7 +2010,7 @@
             </a:xfrm>
             <a:prstGeom prst="diagStripe">
               <a:avLst>
-                <a:gd fmla="val 49469" name="adj"/>
+                <a:gd name="adj" fmla="val 49469"/>
               </a:avLst>
             </a:prstGeom>
             <a:solidFill>
@@ -1983,12 +2023,12 @@
             </a:ln>
           </p:spPr>
           <p:txBody>
-            <a:bodyPr anchorCtr="0" anchor="ctr" bIns="91425" lIns="91425" spcFirstLastPara="1" rIns="91425" wrap="square" tIns="91425">
+            <a:bodyPr spcFirstLastPara="1" wrap="square" lIns="91425" tIns="91425" rIns="91425" bIns="91425" anchor="ctr" anchorCtr="0">
               <a:noAutofit/>
             </a:bodyPr>
             <a:lstStyle/>
             <a:p>
-              <a:pPr indent="0" lvl="0" marL="0" rtl="0" algn="l">
+              <a:pPr marL="0" lvl="0" indent="0" algn="l" rtl="0">
                 <a:spcBef>
                   <a:spcPts val="0"/>
                 </a:spcBef>
@@ -1997,9 +2037,6 @@
                 </a:spcAft>
                 <a:buNone/>
               </a:pPr>
-              <a:r>
-                <a:t/>
-              </a:r>
               <a:endParaRPr/>
             </a:p>
           </p:txBody>
@@ -2017,7 +2054,7 @@
             </a:xfrm>
             <a:prstGeom prst="diagStripe">
               <a:avLst>
-                <a:gd fmla="val 0" name="adj"/>
+                <a:gd name="adj" fmla="val 0"/>
               </a:avLst>
             </a:prstGeom>
             <a:solidFill>
@@ -2030,12 +2067,12 @@
             </a:ln>
           </p:spPr>
           <p:txBody>
-            <a:bodyPr anchorCtr="0" anchor="ctr" bIns="91425" lIns="91425" spcFirstLastPara="1" rIns="91425" wrap="square" tIns="91425">
+            <a:bodyPr spcFirstLastPara="1" wrap="square" lIns="91425" tIns="91425" rIns="91425" bIns="91425" anchor="ctr" anchorCtr="0">
               <a:noAutofit/>
             </a:bodyPr>
             <a:lstStyle/>
             <a:p>
-              <a:pPr indent="0" lvl="0" marL="0" rtl="0" algn="l">
+              <a:pPr marL="0" lvl="0" indent="0" algn="l" rtl="0">
                 <a:spcBef>
                   <a:spcPts val="0"/>
                 </a:spcBef>
@@ -2044,9 +2081,6 @@
                 </a:spcAft>
                 <a:buNone/>
               </a:pPr>
-              <a:r>
-                <a:t/>
-              </a:r>
               <a:endParaRPr/>
             </a:p>
           </p:txBody>
@@ -2064,7 +2098,7 @@
             </a:xfrm>
             <a:prstGeom prst="diagStripe">
               <a:avLst>
-                <a:gd fmla="val 50000" name="adj"/>
+                <a:gd name="adj" fmla="val 50000"/>
               </a:avLst>
             </a:prstGeom>
             <a:solidFill>
@@ -2077,12 +2111,12 @@
             </a:ln>
           </p:spPr>
           <p:txBody>
-            <a:bodyPr anchorCtr="0" anchor="ctr" bIns="91425" lIns="91425" spcFirstLastPara="1" rIns="91425" wrap="square" tIns="91425">
+            <a:bodyPr spcFirstLastPara="1" wrap="square" lIns="91425" tIns="91425" rIns="91425" bIns="91425" anchor="ctr" anchorCtr="0">
               <a:noAutofit/>
             </a:bodyPr>
             <a:lstStyle/>
             <a:p>
-              <a:pPr indent="0" lvl="0" marL="0" rtl="0" algn="l">
+              <a:pPr marL="0" lvl="0" indent="0" algn="l" rtl="0">
                 <a:spcBef>
                   <a:spcPts val="0"/>
                 </a:spcBef>
@@ -2091,9 +2125,6 @@
                 </a:spcAft>
                 <a:buNone/>
               </a:pPr>
-              <a:r>
-                <a:t/>
-              </a:r>
               <a:endParaRPr/>
             </a:p>
           </p:txBody>
@@ -2111,7 +2142,7 @@
             </a:xfrm>
             <a:prstGeom prst="diagStripe">
               <a:avLst>
-                <a:gd fmla="val 50000" name="adj"/>
+                <a:gd name="adj" fmla="val 50000"/>
               </a:avLst>
             </a:prstGeom>
             <a:solidFill>
@@ -2124,12 +2155,12 @@
             </a:ln>
           </p:spPr>
           <p:txBody>
-            <a:bodyPr anchorCtr="0" anchor="ctr" bIns="91425" lIns="91425" spcFirstLastPara="1" rIns="91425" wrap="square" tIns="91425">
+            <a:bodyPr spcFirstLastPara="1" wrap="square" lIns="91425" tIns="91425" rIns="91425" bIns="91425" anchor="ctr" anchorCtr="0">
               <a:noAutofit/>
             </a:bodyPr>
             <a:lstStyle/>
             <a:p>
-              <a:pPr indent="0" lvl="0" marL="0" rtl="0" algn="l">
+              <a:pPr marL="0" lvl="0" indent="0" algn="l" rtl="0">
                 <a:spcBef>
                   <a:spcPts val="0"/>
                 </a:spcBef>
@@ -2138,9 +2169,6 @@
                 </a:spcAft>
                 <a:buNone/>
               </a:pPr>
-              <a:r>
-                <a:t/>
-              </a:r>
               <a:endParaRPr/>
             </a:p>
           </p:txBody>
@@ -2158,7 +2186,7 @@
             </a:xfrm>
             <a:prstGeom prst="diagStripe">
               <a:avLst>
-                <a:gd fmla="val 50000" name="adj"/>
+                <a:gd name="adj" fmla="val 50000"/>
               </a:avLst>
             </a:prstGeom>
             <a:solidFill>
@@ -2171,12 +2199,12 @@
             </a:ln>
           </p:spPr>
           <p:txBody>
-            <a:bodyPr anchorCtr="0" anchor="ctr" bIns="91425" lIns="91425" spcFirstLastPara="1" rIns="91425" wrap="square" tIns="91425">
+            <a:bodyPr spcFirstLastPara="1" wrap="square" lIns="91425" tIns="91425" rIns="91425" bIns="91425" anchor="ctr" anchorCtr="0">
               <a:noAutofit/>
             </a:bodyPr>
             <a:lstStyle/>
             <a:p>
-              <a:pPr indent="0" lvl="0" marL="0" rtl="0" algn="l">
+              <a:pPr marL="0" lvl="0" indent="0" algn="l" rtl="0">
                 <a:spcBef>
                   <a:spcPts val="0"/>
                 </a:spcBef>
@@ -2185,9 +2213,6 @@
                 </a:spcAft>
                 <a:buNone/>
               </a:pPr>
-              <a:r>
-                <a:t/>
-              </a:r>
               <a:endParaRPr/>
             </a:p>
           </p:txBody>
@@ -2205,7 +2230,7 @@
             </a:xfrm>
             <a:prstGeom prst="diagStripe">
               <a:avLst>
-                <a:gd fmla="val 50000" name="adj"/>
+                <a:gd name="adj" fmla="val 50000"/>
               </a:avLst>
             </a:prstGeom>
             <a:solidFill>
@@ -2218,12 +2243,12 @@
             </a:ln>
           </p:spPr>
           <p:txBody>
-            <a:bodyPr anchorCtr="0" anchor="ctr" bIns="91425" lIns="91425" spcFirstLastPara="1" rIns="91425" wrap="square" tIns="91425">
+            <a:bodyPr spcFirstLastPara="1" wrap="square" lIns="91425" tIns="91425" rIns="91425" bIns="91425" anchor="ctr" anchorCtr="0">
               <a:noAutofit/>
             </a:bodyPr>
             <a:lstStyle/>
             <a:p>
-              <a:pPr indent="0" lvl="0" marL="0" rtl="0" algn="l">
+              <a:pPr marL="0" lvl="0" indent="0" algn="l" rtl="0">
                 <a:spcBef>
                   <a:spcPts val="0"/>
                 </a:spcBef>
@@ -2232,9 +2257,6 @@
                 </a:spcAft>
                 <a:buNone/>
               </a:pPr>
-              <a:r>
-                <a:t/>
-              </a:r>
               <a:endParaRPr/>
             </a:p>
           </p:txBody>
@@ -2252,7 +2274,7 @@
             </a:xfrm>
             <a:prstGeom prst="diagStripe">
               <a:avLst>
-                <a:gd fmla="val 50000" name="adj"/>
+                <a:gd name="adj" fmla="val 50000"/>
               </a:avLst>
             </a:prstGeom>
             <a:solidFill>
@@ -2265,12 +2287,12 @@
             </a:ln>
           </p:spPr>
           <p:txBody>
-            <a:bodyPr anchorCtr="0" anchor="ctr" bIns="91425" lIns="91425" spcFirstLastPara="1" rIns="91425" wrap="square" tIns="91425">
+            <a:bodyPr spcFirstLastPara="1" wrap="square" lIns="91425" tIns="91425" rIns="91425" bIns="91425" anchor="ctr" anchorCtr="0">
               <a:noAutofit/>
             </a:bodyPr>
             <a:lstStyle/>
             <a:p>
-              <a:pPr indent="0" lvl="0" marL="0" rtl="0" algn="l">
+              <a:pPr marL="0" lvl="0" indent="0" algn="l" rtl="0">
                 <a:spcBef>
                   <a:spcPts val="0"/>
                 </a:spcBef>
@@ -2279,9 +2301,6 @@
                 </a:spcAft>
                 <a:buNone/>
               </a:pPr>
-              <a:r>
-                <a:t/>
-              </a:r>
               <a:endParaRPr/>
             </a:p>
           </p:txBody>
@@ -2299,7 +2318,7 @@
             </a:xfrm>
             <a:prstGeom prst="diagStripe">
               <a:avLst>
-                <a:gd fmla="val 50000" name="adj"/>
+                <a:gd name="adj" fmla="val 50000"/>
               </a:avLst>
             </a:prstGeom>
             <a:solidFill>
@@ -2310,12 +2329,12 @@
             </a:ln>
           </p:spPr>
           <p:txBody>
-            <a:bodyPr anchorCtr="0" anchor="ctr" bIns="91425" lIns="91425" spcFirstLastPara="1" rIns="91425" wrap="square" tIns="91425">
+            <a:bodyPr spcFirstLastPara="1" wrap="square" lIns="91425" tIns="91425" rIns="91425" bIns="91425" anchor="ctr" anchorCtr="0">
               <a:noAutofit/>
             </a:bodyPr>
             <a:lstStyle/>
             <a:p>
-              <a:pPr indent="0" lvl="0" marL="0" rtl="0" algn="l">
+              <a:pPr marL="0" lvl="0" indent="0" algn="l" rtl="0">
                 <a:spcBef>
                   <a:spcPts val="0"/>
                 </a:spcBef>
@@ -2324,9 +2343,6 @@
                 </a:spcAft>
                 <a:buNone/>
               </a:pPr>
-              <a:r>
-                <a:t/>
-              </a:r>
               <a:endParaRPr/>
             </a:p>
           </p:txBody>
@@ -2344,7 +2360,7 @@
             </a:xfrm>
             <a:prstGeom prst="diagStripe">
               <a:avLst>
-                <a:gd fmla="val 50000" name="adj"/>
+                <a:gd name="adj" fmla="val 50000"/>
               </a:avLst>
             </a:prstGeom>
             <a:solidFill>
@@ -2357,12 +2373,12 @@
             </a:ln>
           </p:spPr>
           <p:txBody>
-            <a:bodyPr anchorCtr="0" anchor="ctr" bIns="91425" lIns="91425" spcFirstLastPara="1" rIns="91425" wrap="square" tIns="91425">
+            <a:bodyPr spcFirstLastPara="1" wrap="square" lIns="91425" tIns="91425" rIns="91425" bIns="91425" anchor="ctr" anchorCtr="0">
               <a:noAutofit/>
             </a:bodyPr>
             <a:lstStyle/>
             <a:p>
-              <a:pPr indent="0" lvl="0" marL="0" rtl="0" algn="l">
+              <a:pPr marL="0" lvl="0" indent="0" algn="l" rtl="0">
                 <a:spcBef>
                   <a:spcPts val="0"/>
                 </a:spcBef>
@@ -2371,9 +2387,6 @@
                 </a:spcAft>
                 <a:buNone/>
               </a:pPr>
-              <a:r>
-                <a:t/>
-              </a:r>
               <a:endParaRPr/>
             </a:p>
           </p:txBody>
@@ -2391,7 +2404,7 @@
             </a:xfrm>
             <a:prstGeom prst="diagStripe">
               <a:avLst>
-                <a:gd fmla="val 50000" name="adj"/>
+                <a:gd name="adj" fmla="val 50000"/>
               </a:avLst>
             </a:prstGeom>
             <a:solidFill>
@@ -2404,12 +2417,12 @@
             </a:ln>
           </p:spPr>
           <p:txBody>
-            <a:bodyPr anchorCtr="0" anchor="ctr" bIns="91425" lIns="91425" spcFirstLastPara="1" rIns="91425" wrap="square" tIns="91425">
+            <a:bodyPr spcFirstLastPara="1" wrap="square" lIns="91425" tIns="91425" rIns="91425" bIns="91425" anchor="ctr" anchorCtr="0">
               <a:noAutofit/>
             </a:bodyPr>
             <a:lstStyle/>
             <a:p>
-              <a:pPr indent="0" lvl="0" marL="0" rtl="0" algn="l">
+              <a:pPr marL="0" lvl="0" indent="0" algn="l" rtl="0">
                 <a:spcBef>
                   <a:spcPts val="0"/>
                 </a:spcBef>
@@ -2418,9 +2431,6 @@
                 </a:spcAft>
                 <a:buNone/>
               </a:pPr>
-              <a:r>
-                <a:t/>
-              </a:r>
               <a:endParaRPr/>
             </a:p>
           </p:txBody>
@@ -2438,7 +2448,7 @@
             </a:xfrm>
             <a:prstGeom prst="diagStripe">
               <a:avLst>
-                <a:gd fmla="val 50000" name="adj"/>
+                <a:gd name="adj" fmla="val 50000"/>
               </a:avLst>
             </a:prstGeom>
             <a:solidFill>
@@ -2451,12 +2461,12 @@
             </a:ln>
           </p:spPr>
           <p:txBody>
-            <a:bodyPr anchorCtr="0" anchor="ctr" bIns="91425" lIns="91425" spcFirstLastPara="1" rIns="91425" wrap="square" tIns="91425">
+            <a:bodyPr spcFirstLastPara="1" wrap="square" lIns="91425" tIns="91425" rIns="91425" bIns="91425" anchor="ctr" anchorCtr="0">
               <a:noAutofit/>
             </a:bodyPr>
             <a:lstStyle/>
             <a:p>
-              <a:pPr indent="0" lvl="0" marL="0" rtl="0" algn="l">
+              <a:pPr marL="0" lvl="0" indent="0" algn="l" rtl="0">
                 <a:spcBef>
                   <a:spcPts val="0"/>
                 </a:spcBef>
@@ -2465,9 +2475,6 @@
                 </a:spcAft>
                 <a:buNone/>
               </a:pPr>
-              <a:r>
-                <a:t/>
-              </a:r>
               <a:endParaRPr/>
             </a:p>
           </p:txBody>
@@ -2485,7 +2492,7 @@
             </a:xfrm>
             <a:prstGeom prst="diagStripe">
               <a:avLst>
-                <a:gd fmla="val 50000" name="adj"/>
+                <a:gd name="adj" fmla="val 50000"/>
               </a:avLst>
             </a:prstGeom>
             <a:solidFill>
@@ -2498,12 +2505,12 @@
             </a:ln>
           </p:spPr>
           <p:txBody>
-            <a:bodyPr anchorCtr="0" anchor="ctr" bIns="91425" lIns="91425" spcFirstLastPara="1" rIns="91425" wrap="square" tIns="91425">
+            <a:bodyPr spcFirstLastPara="1" wrap="square" lIns="91425" tIns="91425" rIns="91425" bIns="91425" anchor="ctr" anchorCtr="0">
               <a:noAutofit/>
             </a:bodyPr>
             <a:lstStyle/>
             <a:p>
-              <a:pPr indent="0" lvl="0" marL="0" rtl="0" algn="l">
+              <a:pPr marL="0" lvl="0" indent="0" algn="l" rtl="0">
                 <a:spcBef>
                   <a:spcPts val="0"/>
                 </a:spcBef>
@@ -2512,9 +2519,6 @@
                 </a:spcAft>
                 <a:buNone/>
               </a:pPr>
-              <a:r>
-                <a:t/>
-              </a:r>
               <a:endParaRPr/>
             </a:p>
           </p:txBody>
@@ -2532,7 +2536,7 @@
             </a:xfrm>
             <a:prstGeom prst="diagStripe">
               <a:avLst>
-                <a:gd fmla="val 50000" name="adj"/>
+                <a:gd name="adj" fmla="val 50000"/>
               </a:avLst>
             </a:prstGeom>
             <a:solidFill>
@@ -2545,12 +2549,12 @@
             </a:ln>
           </p:spPr>
           <p:txBody>
-            <a:bodyPr anchorCtr="0" anchor="ctr" bIns="91425" lIns="91425" spcFirstLastPara="1" rIns="91425" wrap="square" tIns="91425">
+            <a:bodyPr spcFirstLastPara="1" wrap="square" lIns="91425" tIns="91425" rIns="91425" bIns="91425" anchor="ctr" anchorCtr="0">
               <a:noAutofit/>
             </a:bodyPr>
             <a:lstStyle/>
             <a:p>
-              <a:pPr indent="0" lvl="0" marL="0" rtl="0" algn="l">
+              <a:pPr marL="0" lvl="0" indent="0" algn="l" rtl="0">
                 <a:spcBef>
                   <a:spcPts val="0"/>
                 </a:spcBef>
@@ -2559,9 +2563,6 @@
                 </a:spcAft>
                 <a:buNone/>
               </a:pPr>
-              <a:r>
-                <a:t/>
-              </a:r>
               <a:endParaRPr/>
             </a:p>
           </p:txBody>
@@ -2579,7 +2580,7 @@
             </a:xfrm>
             <a:prstGeom prst="diagStripe">
               <a:avLst>
-                <a:gd fmla="val 50000" name="adj"/>
+                <a:gd name="adj" fmla="val 50000"/>
               </a:avLst>
             </a:prstGeom>
             <a:solidFill>
@@ -2590,12 +2591,12 @@
             </a:ln>
           </p:spPr>
           <p:txBody>
-            <a:bodyPr anchorCtr="0" anchor="ctr" bIns="91425" lIns="91425" spcFirstLastPara="1" rIns="91425" wrap="square" tIns="91425">
+            <a:bodyPr spcFirstLastPara="1" wrap="square" lIns="91425" tIns="91425" rIns="91425" bIns="91425" anchor="ctr" anchorCtr="0">
               <a:noAutofit/>
             </a:bodyPr>
             <a:lstStyle/>
             <a:p>
-              <a:pPr indent="0" lvl="0" marL="0" rtl="0" algn="l">
+              <a:pPr marL="0" lvl="0" indent="0" algn="l" rtl="0">
                 <a:spcBef>
                   <a:spcPts val="0"/>
                 </a:spcBef>
@@ -2604,9 +2605,6 @@
                 </a:spcAft>
                 <a:buNone/>
               </a:pPr>
-              <a:r>
-                <a:t/>
-              </a:r>
               <a:endParaRPr/>
             </a:p>
           </p:txBody>
@@ -2624,7 +2622,7 @@
             </a:xfrm>
             <a:prstGeom prst="diagStripe">
               <a:avLst>
-                <a:gd fmla="val 50000" name="adj"/>
+                <a:gd name="adj" fmla="val 50000"/>
               </a:avLst>
             </a:prstGeom>
             <a:solidFill>
@@ -2637,12 +2635,12 @@
             </a:ln>
           </p:spPr>
           <p:txBody>
-            <a:bodyPr anchorCtr="0" anchor="ctr" bIns="91425" lIns="91425" spcFirstLastPara="1" rIns="91425" wrap="square" tIns="91425">
+            <a:bodyPr spcFirstLastPara="1" wrap="square" lIns="91425" tIns="91425" rIns="91425" bIns="91425" anchor="ctr" anchorCtr="0">
               <a:noAutofit/>
             </a:bodyPr>
             <a:lstStyle/>
             <a:p>
-              <a:pPr indent="0" lvl="0" marL="0" rtl="0" algn="l">
+              <a:pPr marL="0" lvl="0" indent="0" algn="l" rtl="0">
                 <a:spcBef>
                   <a:spcPts val="0"/>
                 </a:spcBef>
@@ -2651,9 +2649,6 @@
                 </a:spcAft>
                 <a:buNone/>
               </a:pPr>
-              <a:r>
-                <a:t/>
-              </a:r>
               <a:endParaRPr/>
             </a:p>
           </p:txBody>
@@ -2671,7 +2666,7 @@
             </a:xfrm>
             <a:prstGeom prst="diagStripe">
               <a:avLst>
-                <a:gd fmla="val 50000" name="adj"/>
+                <a:gd name="adj" fmla="val 50000"/>
               </a:avLst>
             </a:prstGeom>
             <a:solidFill>
@@ -2684,12 +2679,12 @@
             </a:ln>
           </p:spPr>
           <p:txBody>
-            <a:bodyPr anchorCtr="0" anchor="ctr" bIns="91425" lIns="91425" spcFirstLastPara="1" rIns="91425" wrap="square" tIns="91425">
+            <a:bodyPr spcFirstLastPara="1" wrap="square" lIns="91425" tIns="91425" rIns="91425" bIns="91425" anchor="ctr" anchorCtr="0">
               <a:noAutofit/>
             </a:bodyPr>
             <a:lstStyle/>
             <a:p>
-              <a:pPr indent="0" lvl="0" marL="0" rtl="0" algn="l">
+              <a:pPr marL="0" lvl="0" indent="0" algn="l" rtl="0">
                 <a:spcBef>
                   <a:spcPts val="0"/>
                 </a:spcBef>
@@ -2698,9 +2693,6 @@
                 </a:spcAft>
                 <a:buNone/>
               </a:pPr>
-              <a:r>
-                <a:t/>
-              </a:r>
               <a:endParaRPr/>
             </a:p>
           </p:txBody>
@@ -2718,7 +2710,7 @@
             </a:xfrm>
             <a:prstGeom prst="diagStripe">
               <a:avLst>
-                <a:gd fmla="val 50000" name="adj"/>
+                <a:gd name="adj" fmla="val 50000"/>
               </a:avLst>
             </a:prstGeom>
             <a:solidFill>
@@ -2731,12 +2723,12 @@
             </a:ln>
           </p:spPr>
           <p:txBody>
-            <a:bodyPr anchorCtr="0" anchor="ctr" bIns="91425" lIns="91425" spcFirstLastPara="1" rIns="91425" wrap="square" tIns="91425">
+            <a:bodyPr spcFirstLastPara="1" wrap="square" lIns="91425" tIns="91425" rIns="91425" bIns="91425" anchor="ctr" anchorCtr="0">
               <a:noAutofit/>
             </a:bodyPr>
             <a:lstStyle/>
             <a:p>
-              <a:pPr indent="0" lvl="0" marL="0" rtl="0" algn="l">
+              <a:pPr marL="0" lvl="0" indent="0" algn="l" rtl="0">
                 <a:spcBef>
                   <a:spcPts val="0"/>
                 </a:spcBef>
@@ -2745,9 +2737,6 @@
                 </a:spcAft>
                 <a:buNone/>
               </a:pPr>
-              <a:r>
-                <a:t/>
-              </a:r>
               <a:endParaRPr/>
             </a:p>
           </p:txBody>
@@ -2765,7 +2754,7 @@
             </a:xfrm>
             <a:prstGeom prst="diagStripe">
               <a:avLst>
-                <a:gd fmla="val 50000" name="adj"/>
+                <a:gd name="adj" fmla="val 50000"/>
               </a:avLst>
             </a:prstGeom>
             <a:solidFill>
@@ -2778,12 +2767,12 @@
             </a:ln>
           </p:spPr>
           <p:txBody>
-            <a:bodyPr anchorCtr="0" anchor="ctr" bIns="91425" lIns="91425" spcFirstLastPara="1" rIns="91425" wrap="square" tIns="91425">
+            <a:bodyPr spcFirstLastPara="1" wrap="square" lIns="91425" tIns="91425" rIns="91425" bIns="91425" anchor="ctr" anchorCtr="0">
               <a:noAutofit/>
             </a:bodyPr>
             <a:lstStyle/>
             <a:p>
-              <a:pPr indent="0" lvl="0" marL="0" rtl="0" algn="l">
+              <a:pPr marL="0" lvl="0" indent="0" algn="l" rtl="0">
                 <a:spcBef>
                   <a:spcPts val="0"/>
                 </a:spcBef>
@@ -2792,9 +2781,6 @@
                 </a:spcAft>
                 <a:buNone/>
               </a:pPr>
-              <a:r>
-                <a:t/>
-              </a:r>
               <a:endParaRPr/>
             </a:p>
           </p:txBody>
@@ -2803,9 +2789,11 @@
       <p:sp>
         <p:nvSpPr>
           <p:cNvPr id="125" name="Google Shape;125;p11"/>
-          <p:cNvSpPr txBox="1"/>
+          <p:cNvSpPr txBox="1">
+            <a:spLocks noGrp="1"/>
+          </p:cNvSpPr>
           <p:nvPr>
-            <p:ph hasCustomPrompt="1" type="title"/>
+            <p:ph type="title" hasCustomPrompt="1"/>
           </p:nvPr>
         </p:nvSpPr>
         <p:spPr>
@@ -2818,7 +2806,7 @@
           </a:prstGeom>
         </p:spPr>
         <p:txBody>
-          <a:bodyPr anchorCtr="0" anchor="t" bIns="91425" lIns="91425" spcFirstLastPara="1" rIns="91425" wrap="square" tIns="91425">
+          <a:bodyPr spcFirstLastPara="1" wrap="square" lIns="91425" tIns="91425" rIns="91425" bIns="91425" anchor="t" anchorCtr="0">
             <a:normAutofit/>
           </a:bodyPr>
           <a:lstStyle>
@@ -2932,9 +2920,11 @@
       <p:sp>
         <p:nvSpPr>
           <p:cNvPr id="126" name="Google Shape;126;p11"/>
-          <p:cNvSpPr txBox="1"/>
+          <p:cNvSpPr txBox="1">
+            <a:spLocks noGrp="1"/>
+          </p:cNvSpPr>
           <p:nvPr>
-            <p:ph idx="1" type="body"/>
+            <p:ph type="body" idx="1"/>
           </p:nvPr>
         </p:nvSpPr>
         <p:spPr>
@@ -2947,11 +2937,11 @@
           </a:prstGeom>
         </p:spPr>
         <p:txBody>
-          <a:bodyPr anchorCtr="0" anchor="t" bIns="91425" lIns="91425" spcFirstLastPara="1" rIns="91425" wrap="square" tIns="91425">
+          <a:bodyPr spcFirstLastPara="1" wrap="square" lIns="91425" tIns="91425" rIns="91425" bIns="91425" anchor="t" anchorCtr="0">
             <a:normAutofit/>
           </a:bodyPr>
           <a:lstStyle>
-            <a:lvl1pPr indent="-311150" lvl="0" marL="457200">
+            <a:lvl1pPr marL="457200" lvl="0" indent="-311150">
               <a:spcBef>
                 <a:spcPts val="0"/>
               </a:spcBef>
@@ -2962,7 +2952,7 @@
               <a:buChar char="●"/>
               <a:defRPr/>
             </a:lvl1pPr>
-            <a:lvl2pPr indent="-298450" lvl="1" marL="914400">
+            <a:lvl2pPr marL="914400" lvl="1" indent="-298450">
               <a:spcBef>
                 <a:spcPts val="0"/>
               </a:spcBef>
@@ -2973,7 +2963,7 @@
               <a:buChar char="○"/>
               <a:defRPr/>
             </a:lvl2pPr>
-            <a:lvl3pPr indent="-298450" lvl="2" marL="1371600">
+            <a:lvl3pPr marL="1371600" lvl="2" indent="-298450">
               <a:spcBef>
                 <a:spcPts val="0"/>
               </a:spcBef>
@@ -2984,7 +2974,7 @@
               <a:buChar char="■"/>
               <a:defRPr/>
             </a:lvl3pPr>
-            <a:lvl4pPr indent="-298450" lvl="3" marL="1828800">
+            <a:lvl4pPr marL="1828800" lvl="3" indent="-298450">
               <a:spcBef>
                 <a:spcPts val="0"/>
               </a:spcBef>
@@ -2995,7 +2985,7 @@
               <a:buChar char="●"/>
               <a:defRPr/>
             </a:lvl4pPr>
-            <a:lvl5pPr indent="-298450" lvl="4" marL="2286000">
+            <a:lvl5pPr marL="2286000" lvl="4" indent="-298450">
               <a:spcBef>
                 <a:spcPts val="0"/>
               </a:spcBef>
@@ -3006,7 +2996,7 @@
               <a:buChar char="○"/>
               <a:defRPr/>
             </a:lvl5pPr>
-            <a:lvl6pPr indent="-298450" lvl="5" marL="2743200">
+            <a:lvl6pPr marL="2743200" lvl="5" indent="-298450">
               <a:spcBef>
                 <a:spcPts val="0"/>
               </a:spcBef>
@@ -3017,7 +3007,7 @@
               <a:buChar char="■"/>
               <a:defRPr/>
             </a:lvl6pPr>
-            <a:lvl7pPr indent="-298450" lvl="6" marL="3200400">
+            <a:lvl7pPr marL="3200400" lvl="6" indent="-298450">
               <a:spcBef>
                 <a:spcPts val="0"/>
               </a:spcBef>
@@ -3028,7 +3018,7 @@
               <a:buChar char="●"/>
               <a:defRPr/>
             </a:lvl7pPr>
-            <a:lvl8pPr indent="-298450" lvl="7" marL="3657600">
+            <a:lvl8pPr marL="3657600" lvl="7" indent="-298450">
               <a:spcBef>
                 <a:spcPts val="0"/>
               </a:spcBef>
@@ -3039,7 +3029,7 @@
               <a:buChar char="○"/>
               <a:defRPr/>
             </a:lvl8pPr>
-            <a:lvl9pPr indent="-298450" lvl="8" marL="4114800">
+            <a:lvl9pPr marL="4114800" lvl="8" indent="-298450">
               <a:spcBef>
                 <a:spcPts val="0"/>
               </a:spcBef>
@@ -3051,15 +3041,19 @@
               <a:defRPr/>
             </a:lvl9pPr>
           </a:lstStyle>
-          <a:p/>
+          <a:p>
+            <a:endParaRPr/>
+          </a:p>
         </p:txBody>
       </p:sp>
       <p:sp>
         <p:nvSpPr>
           <p:cNvPr id="127" name="Google Shape;127;p11"/>
-          <p:cNvSpPr txBox="1"/>
+          <p:cNvSpPr txBox="1">
+            <a:spLocks noGrp="1"/>
+          </p:cNvSpPr>
           <p:nvPr>
-            <p:ph idx="12" type="sldNum"/>
+            <p:ph type="sldNum" idx="12"/>
           </p:nvPr>
         </p:nvSpPr>
         <p:spPr>
@@ -3072,7 +3066,7 @@
           </a:prstGeom>
         </p:spPr>
         <p:txBody>
-          <a:bodyPr anchorCtr="0" anchor="ctr" bIns="91425" lIns="91425" spcFirstLastPara="1" rIns="91425" wrap="square" tIns="91425">
+          <a:bodyPr spcFirstLastPara="1" wrap="square" lIns="91425" tIns="91425" rIns="91425" bIns="91425" anchor="ctr" anchorCtr="0">
             <a:normAutofit/>
           </a:bodyPr>
           <a:lstStyle>
@@ -3114,7 +3108,7 @@
             </a:lvl9pPr>
           </a:lstStyle>
           <a:p>
-            <a:pPr indent="0" lvl="0" marL="0" rtl="0" algn="r">
+            <a:pPr marL="0" lvl="0" indent="0" algn="r" rtl="0">
               <a:spcBef>
                 <a:spcPts val="0"/>
               </a:spcBef>
@@ -3140,11 +3134,11 @@
 </file>
 
 <file path=ppt/slideLayouts/slideLayout11.xml><?xml version="1.0" encoding="utf-8"?>
-<p:sldLayout xmlns:a="http://schemas.openxmlformats.org/drawingml/2006/main" xmlns:r="http://schemas.openxmlformats.org/officeDocument/2006/relationships" xmlns:mc="http://schemas.openxmlformats.org/markup-compatibility/2006" xmlns:mv="urn:schemas-microsoft-com:mac:vml" xmlns:p="http://schemas.openxmlformats.org/presentationml/2006/main" xmlns:c="http://schemas.openxmlformats.org/drawingml/2006/chart" xmlns:dgm="http://schemas.openxmlformats.org/drawingml/2006/diagram" xmlns:o="urn:schemas-microsoft-com:office:office" xmlns:v="urn:schemas-microsoft-com:vml" xmlns:pvml="urn:schemas-microsoft-com:office:powerpoint" xmlns:com="http://schemas.openxmlformats.org/drawingml/2006/compatibility" xmlns:p14="http://schemas.microsoft.com/office/powerpoint/2010/main" xmlns:p15="http://schemas.microsoft.com/office/powerpoint/2012/main" xmlns:ahyp="http://schemas.microsoft.com/office/drawing/2018/hyperlinkcolor" matchingName="Blank" type="blank">
+<p:sldLayout xmlns:a="http://schemas.openxmlformats.org/drawingml/2006/main" xmlns:r="http://schemas.openxmlformats.org/officeDocument/2006/relationships" xmlns:p="http://schemas.openxmlformats.org/presentationml/2006/main" matchingName="Blank" type="blank">
   <p:cSld name="BLANK">
     <p:spTree>
       <p:nvGrpSpPr>
-        <p:cNvPr id="128" name="Shape 128"/>
+        <p:cNvPr id="1" name="Shape 128"/>
         <p:cNvGrpSpPr/>
         <p:nvPr/>
       </p:nvGrpSpPr>
@@ -3159,9 +3153,11 @@
       <p:sp>
         <p:nvSpPr>
           <p:cNvPr id="129" name="Google Shape;129;p12"/>
-          <p:cNvSpPr txBox="1"/>
+          <p:cNvSpPr txBox="1">
+            <a:spLocks noGrp="1"/>
+          </p:cNvSpPr>
           <p:nvPr>
-            <p:ph idx="12" type="sldNum"/>
+            <p:ph type="sldNum" idx="12"/>
           </p:nvPr>
         </p:nvSpPr>
         <p:spPr>
@@ -3174,7 +3170,7 @@
           </a:prstGeom>
         </p:spPr>
         <p:txBody>
-          <a:bodyPr anchorCtr="0" anchor="ctr" bIns="91425" lIns="91425" spcFirstLastPara="1" rIns="91425" wrap="square" tIns="91425">
+          <a:bodyPr spcFirstLastPara="1" wrap="square" lIns="91425" tIns="91425" rIns="91425" bIns="91425" anchor="ctr" anchorCtr="0">
             <a:normAutofit/>
           </a:bodyPr>
           <a:lstStyle>
@@ -3216,7 +3212,7 @@
             </a:lvl9pPr>
           </a:lstStyle>
           <a:p>
-            <a:pPr indent="0" lvl="0" marL="0" rtl="0" algn="r">
+            <a:pPr marL="0" lvl="0" indent="0" algn="r" rtl="0">
               <a:spcBef>
                 <a:spcPts val="0"/>
               </a:spcBef>
@@ -3242,11 +3238,11 @@
 </file>
 
 <file path=ppt/slideLayouts/slideLayout2.xml><?xml version="1.0" encoding="utf-8"?>
-<p:sldLayout xmlns:a="http://schemas.openxmlformats.org/drawingml/2006/main" xmlns:r="http://schemas.openxmlformats.org/officeDocument/2006/relationships" xmlns:mc="http://schemas.openxmlformats.org/markup-compatibility/2006" xmlns:mv="urn:schemas-microsoft-com:mac:vml" xmlns:p="http://schemas.openxmlformats.org/presentationml/2006/main" xmlns:c="http://schemas.openxmlformats.org/drawingml/2006/chart" xmlns:dgm="http://schemas.openxmlformats.org/drawingml/2006/diagram" xmlns:o="urn:schemas-microsoft-com:office:office" xmlns:v="urn:schemas-microsoft-com:vml" xmlns:pvml="urn:schemas-microsoft-com:office:powerpoint" xmlns:com="http://schemas.openxmlformats.org/drawingml/2006/compatibility" xmlns:p14="http://schemas.microsoft.com/office/powerpoint/2010/main" xmlns:p15="http://schemas.microsoft.com/office/powerpoint/2012/main" xmlns:ahyp="http://schemas.microsoft.com/office/drawing/2018/hyperlinkcolor" matchingName="Section header" type="secHead">
+<p:sldLayout xmlns:a="http://schemas.openxmlformats.org/drawingml/2006/main" xmlns:r="http://schemas.openxmlformats.org/officeDocument/2006/relationships" xmlns:p="http://schemas.openxmlformats.org/presentationml/2006/main" matchingName="Section header" type="secHead">
   <p:cSld name="SECTION_HEADER">
     <p:spTree>
       <p:nvGrpSpPr>
-        <p:cNvPr id="19" name="Shape 19"/>
+        <p:cNvPr id="1" name="Shape 19"/>
         <p:cNvGrpSpPr/>
         <p:nvPr/>
       </p:nvGrpSpPr>
@@ -3285,7 +3281,7 @@
             </a:xfrm>
             <a:prstGeom prst="diagStripe">
               <a:avLst>
-                <a:gd fmla="val 49469" name="adj"/>
+                <a:gd name="adj" fmla="val 49469"/>
               </a:avLst>
             </a:prstGeom>
             <a:solidFill>
@@ -3298,12 +3294,12 @@
             </a:ln>
           </p:spPr>
           <p:txBody>
-            <a:bodyPr anchorCtr="0" anchor="ctr" bIns="91425" lIns="91425" spcFirstLastPara="1" rIns="91425" wrap="square" tIns="91425">
+            <a:bodyPr spcFirstLastPara="1" wrap="square" lIns="91425" tIns="91425" rIns="91425" bIns="91425" anchor="ctr" anchorCtr="0">
               <a:noAutofit/>
             </a:bodyPr>
             <a:lstStyle/>
             <a:p>
-              <a:pPr indent="0" lvl="0" marL="0" rtl="0" algn="l">
+              <a:pPr marL="0" lvl="0" indent="0" algn="l" rtl="0">
                 <a:spcBef>
                   <a:spcPts val="0"/>
                 </a:spcBef>
@@ -3312,9 +3308,6 @@
                 </a:spcAft>
                 <a:buNone/>
               </a:pPr>
-              <a:r>
-                <a:t/>
-              </a:r>
               <a:endParaRPr/>
             </a:p>
           </p:txBody>
@@ -3332,7 +3325,7 @@
             </a:xfrm>
             <a:prstGeom prst="diagStripe">
               <a:avLst>
-                <a:gd fmla="val 0" name="adj"/>
+                <a:gd name="adj" fmla="val 0"/>
               </a:avLst>
             </a:prstGeom>
             <a:solidFill>
@@ -3345,12 +3338,12 @@
             </a:ln>
           </p:spPr>
           <p:txBody>
-            <a:bodyPr anchorCtr="0" anchor="ctr" bIns="91425" lIns="91425" spcFirstLastPara="1" rIns="91425" wrap="square" tIns="91425">
+            <a:bodyPr spcFirstLastPara="1" wrap="square" lIns="91425" tIns="91425" rIns="91425" bIns="91425" anchor="ctr" anchorCtr="0">
               <a:noAutofit/>
             </a:bodyPr>
             <a:lstStyle/>
             <a:p>
-              <a:pPr indent="0" lvl="0" marL="0" rtl="0" algn="l">
+              <a:pPr marL="0" lvl="0" indent="0" algn="l" rtl="0">
                 <a:spcBef>
                   <a:spcPts val="0"/>
                 </a:spcBef>
@@ -3359,9 +3352,6 @@
                 </a:spcAft>
                 <a:buNone/>
               </a:pPr>
-              <a:r>
-                <a:t/>
-              </a:r>
               <a:endParaRPr/>
             </a:p>
           </p:txBody>
@@ -3379,7 +3369,7 @@
             </a:xfrm>
             <a:prstGeom prst="diagStripe">
               <a:avLst>
-                <a:gd fmla="val 50000" name="adj"/>
+                <a:gd name="adj" fmla="val 50000"/>
               </a:avLst>
             </a:prstGeom>
             <a:solidFill>
@@ -3392,12 +3382,12 @@
             </a:ln>
           </p:spPr>
           <p:txBody>
-            <a:bodyPr anchorCtr="0" anchor="ctr" bIns="91425" lIns="91425" spcFirstLastPara="1" rIns="91425" wrap="square" tIns="91425">
+            <a:bodyPr spcFirstLastPara="1" wrap="square" lIns="91425" tIns="91425" rIns="91425" bIns="91425" anchor="ctr" anchorCtr="0">
               <a:noAutofit/>
             </a:bodyPr>
             <a:lstStyle/>
             <a:p>
-              <a:pPr indent="0" lvl="0" marL="0" rtl="0" algn="l">
+              <a:pPr marL="0" lvl="0" indent="0" algn="l" rtl="0">
                 <a:spcBef>
                   <a:spcPts val="0"/>
                 </a:spcBef>
@@ -3406,9 +3396,6 @@
                 </a:spcAft>
                 <a:buNone/>
               </a:pPr>
-              <a:r>
-                <a:t/>
-              </a:r>
               <a:endParaRPr/>
             </a:p>
           </p:txBody>
@@ -3426,7 +3413,7 @@
             </a:xfrm>
             <a:prstGeom prst="diagStripe">
               <a:avLst>
-                <a:gd fmla="val 50000" name="adj"/>
+                <a:gd name="adj" fmla="val 50000"/>
               </a:avLst>
             </a:prstGeom>
             <a:solidFill>
@@ -3439,12 +3426,12 @@
             </a:ln>
           </p:spPr>
           <p:txBody>
-            <a:bodyPr anchorCtr="0" anchor="ctr" bIns="91425" lIns="91425" spcFirstLastPara="1" rIns="91425" wrap="square" tIns="91425">
+            <a:bodyPr spcFirstLastPara="1" wrap="square" lIns="91425" tIns="91425" rIns="91425" bIns="91425" anchor="ctr" anchorCtr="0">
               <a:noAutofit/>
             </a:bodyPr>
             <a:lstStyle/>
             <a:p>
-              <a:pPr indent="0" lvl="0" marL="0" rtl="0" algn="l">
+              <a:pPr marL="0" lvl="0" indent="0" algn="l" rtl="0">
                 <a:spcBef>
                   <a:spcPts val="0"/>
                 </a:spcBef>
@@ -3453,9 +3440,6 @@
                 </a:spcAft>
                 <a:buNone/>
               </a:pPr>
-              <a:r>
-                <a:t/>
-              </a:r>
               <a:endParaRPr/>
             </a:p>
           </p:txBody>
@@ -3473,7 +3457,7 @@
             </a:xfrm>
             <a:prstGeom prst="diagStripe">
               <a:avLst>
-                <a:gd fmla="val 50000" name="adj"/>
+                <a:gd name="adj" fmla="val 50000"/>
               </a:avLst>
             </a:prstGeom>
             <a:solidFill>
@@ -3486,12 +3470,12 @@
             </a:ln>
           </p:spPr>
           <p:txBody>
-            <a:bodyPr anchorCtr="0" anchor="ctr" bIns="91425" lIns="91425" spcFirstLastPara="1" rIns="91425" wrap="square" tIns="91425">
+            <a:bodyPr spcFirstLastPara="1" wrap="square" lIns="91425" tIns="91425" rIns="91425" bIns="91425" anchor="ctr" anchorCtr="0">
               <a:noAutofit/>
             </a:bodyPr>
             <a:lstStyle/>
             <a:p>
-              <a:pPr indent="0" lvl="0" marL="0" rtl="0" algn="l">
+              <a:pPr marL="0" lvl="0" indent="0" algn="l" rtl="0">
                 <a:spcBef>
                   <a:spcPts val="0"/>
                 </a:spcBef>
@@ -3500,9 +3484,6 @@
                 </a:spcAft>
                 <a:buNone/>
               </a:pPr>
-              <a:r>
-                <a:t/>
-              </a:r>
               <a:endParaRPr/>
             </a:p>
           </p:txBody>
@@ -3520,7 +3501,7 @@
             </a:xfrm>
             <a:prstGeom prst="diagStripe">
               <a:avLst>
-                <a:gd fmla="val 50000" name="adj"/>
+                <a:gd name="adj" fmla="val 50000"/>
               </a:avLst>
             </a:prstGeom>
             <a:solidFill>
@@ -3533,12 +3514,12 @@
             </a:ln>
           </p:spPr>
           <p:txBody>
-            <a:bodyPr anchorCtr="0" anchor="ctr" bIns="91425" lIns="91425" spcFirstLastPara="1" rIns="91425" wrap="square" tIns="91425">
+            <a:bodyPr spcFirstLastPara="1" wrap="square" lIns="91425" tIns="91425" rIns="91425" bIns="91425" anchor="ctr" anchorCtr="0">
               <a:noAutofit/>
             </a:bodyPr>
             <a:lstStyle/>
             <a:p>
-              <a:pPr indent="0" lvl="0" marL="0" rtl="0" algn="l">
+              <a:pPr marL="0" lvl="0" indent="0" algn="l" rtl="0">
                 <a:spcBef>
                   <a:spcPts val="0"/>
                 </a:spcBef>
@@ -3547,9 +3528,6 @@
                 </a:spcAft>
                 <a:buNone/>
               </a:pPr>
-              <a:r>
-                <a:t/>
-              </a:r>
               <a:endParaRPr/>
             </a:p>
           </p:txBody>
@@ -3567,7 +3545,7 @@
             </a:xfrm>
             <a:prstGeom prst="diagStripe">
               <a:avLst>
-                <a:gd fmla="val 50000" name="adj"/>
+                <a:gd name="adj" fmla="val 50000"/>
               </a:avLst>
             </a:prstGeom>
             <a:solidFill>
@@ -3580,12 +3558,12 @@
             </a:ln>
           </p:spPr>
           <p:txBody>
-            <a:bodyPr anchorCtr="0" anchor="ctr" bIns="91425" lIns="91425" spcFirstLastPara="1" rIns="91425" wrap="square" tIns="91425">
+            <a:bodyPr spcFirstLastPara="1" wrap="square" lIns="91425" tIns="91425" rIns="91425" bIns="91425" anchor="ctr" anchorCtr="0">
               <a:noAutofit/>
             </a:bodyPr>
             <a:lstStyle/>
             <a:p>
-              <a:pPr indent="0" lvl="0" marL="0" rtl="0" algn="l">
+              <a:pPr marL="0" lvl="0" indent="0" algn="l" rtl="0">
                 <a:spcBef>
                   <a:spcPts val="0"/>
                 </a:spcBef>
@@ -3594,9 +3572,6 @@
                 </a:spcAft>
                 <a:buNone/>
               </a:pPr>
-              <a:r>
-                <a:t/>
-              </a:r>
               <a:endParaRPr/>
             </a:p>
           </p:txBody>
@@ -3614,7 +3589,7 @@
             </a:xfrm>
             <a:prstGeom prst="diagStripe">
               <a:avLst>
-                <a:gd fmla="val 50000" name="adj"/>
+                <a:gd name="adj" fmla="val 50000"/>
               </a:avLst>
             </a:prstGeom>
             <a:solidFill>
@@ -3625,12 +3600,12 @@
             </a:ln>
           </p:spPr>
           <p:txBody>
-            <a:bodyPr anchorCtr="0" anchor="ctr" bIns="91425" lIns="91425" spcFirstLastPara="1" rIns="91425" wrap="square" tIns="91425">
+            <a:bodyPr spcFirstLastPara="1" wrap="square" lIns="91425" tIns="91425" rIns="91425" bIns="91425" anchor="ctr" anchorCtr="0">
               <a:noAutofit/>
             </a:bodyPr>
             <a:lstStyle/>
             <a:p>
-              <a:pPr indent="0" lvl="0" marL="0" rtl="0" algn="l">
+              <a:pPr marL="0" lvl="0" indent="0" algn="l" rtl="0">
                 <a:spcBef>
                   <a:spcPts val="0"/>
                 </a:spcBef>
@@ -3639,9 +3614,6 @@
                 </a:spcAft>
                 <a:buNone/>
               </a:pPr>
-              <a:r>
-                <a:t/>
-              </a:r>
               <a:endParaRPr/>
             </a:p>
           </p:txBody>
@@ -3659,7 +3631,7 @@
             </a:xfrm>
             <a:prstGeom prst="diagStripe">
               <a:avLst>
-                <a:gd fmla="val 50000" name="adj"/>
+                <a:gd name="adj" fmla="val 50000"/>
               </a:avLst>
             </a:prstGeom>
             <a:solidFill>
@@ -3672,12 +3644,12 @@
             </a:ln>
           </p:spPr>
           <p:txBody>
-            <a:bodyPr anchorCtr="0" anchor="ctr" bIns="91425" lIns="91425" spcFirstLastPara="1" rIns="91425" wrap="square" tIns="91425">
+            <a:bodyPr spcFirstLastPara="1" wrap="square" lIns="91425" tIns="91425" rIns="91425" bIns="91425" anchor="ctr" anchorCtr="0">
               <a:noAutofit/>
             </a:bodyPr>
             <a:lstStyle/>
             <a:p>
-              <a:pPr indent="0" lvl="0" marL="0" rtl="0" algn="l">
+              <a:pPr marL="0" lvl="0" indent="0" algn="l" rtl="0">
                 <a:spcBef>
                   <a:spcPts val="0"/>
                 </a:spcBef>
@@ -3686,9 +3658,6 @@
                 </a:spcAft>
                 <a:buNone/>
               </a:pPr>
-              <a:r>
-                <a:t/>
-              </a:r>
               <a:endParaRPr/>
             </a:p>
           </p:txBody>
@@ -3706,7 +3675,7 @@
             </a:xfrm>
             <a:prstGeom prst="diagStripe">
               <a:avLst>
-                <a:gd fmla="val 50000" name="adj"/>
+                <a:gd name="adj" fmla="val 50000"/>
               </a:avLst>
             </a:prstGeom>
             <a:solidFill>
@@ -3719,12 +3688,12 @@
             </a:ln>
           </p:spPr>
           <p:txBody>
-            <a:bodyPr anchorCtr="0" anchor="ctr" bIns="91425" lIns="91425" spcFirstLastPara="1" rIns="91425" wrap="square" tIns="91425">
+            <a:bodyPr spcFirstLastPara="1" wrap="square" lIns="91425" tIns="91425" rIns="91425" bIns="91425" anchor="ctr" anchorCtr="0">
               <a:noAutofit/>
             </a:bodyPr>
             <a:lstStyle/>
             <a:p>
-              <a:pPr indent="0" lvl="0" marL="0" rtl="0" algn="l">
+              <a:pPr marL="0" lvl="0" indent="0" algn="l" rtl="0">
                 <a:spcBef>
                   <a:spcPts val="0"/>
                 </a:spcBef>
@@ -3733,9 +3702,6 @@
                 </a:spcAft>
                 <a:buNone/>
               </a:pPr>
-              <a:r>
-                <a:t/>
-              </a:r>
               <a:endParaRPr/>
             </a:p>
           </p:txBody>
@@ -3753,7 +3719,7 @@
             </a:xfrm>
             <a:prstGeom prst="diagStripe">
               <a:avLst>
-                <a:gd fmla="val 50000" name="adj"/>
+                <a:gd name="adj" fmla="val 50000"/>
               </a:avLst>
             </a:prstGeom>
             <a:solidFill>
@@ -3766,12 +3732,12 @@
             </a:ln>
           </p:spPr>
           <p:txBody>
-            <a:bodyPr anchorCtr="0" anchor="ctr" bIns="91425" lIns="91425" spcFirstLastPara="1" rIns="91425" wrap="square" tIns="91425">
+            <a:bodyPr spcFirstLastPara="1" wrap="square" lIns="91425" tIns="91425" rIns="91425" bIns="91425" anchor="ctr" anchorCtr="0">
               <a:noAutofit/>
             </a:bodyPr>
             <a:lstStyle/>
             <a:p>
-              <a:pPr indent="0" lvl="0" marL="0" rtl="0" algn="l">
+              <a:pPr marL="0" lvl="0" indent="0" algn="l" rtl="0">
                 <a:spcBef>
                   <a:spcPts val="0"/>
                 </a:spcBef>
@@ -3780,9 +3746,6 @@
                 </a:spcAft>
                 <a:buNone/>
               </a:pPr>
-              <a:r>
-                <a:t/>
-              </a:r>
               <a:endParaRPr/>
             </a:p>
           </p:txBody>
@@ -3800,7 +3763,7 @@
             </a:xfrm>
             <a:prstGeom prst="diagStripe">
               <a:avLst>
-                <a:gd fmla="val 50000" name="adj"/>
+                <a:gd name="adj" fmla="val 50000"/>
               </a:avLst>
             </a:prstGeom>
             <a:solidFill>
@@ -3813,12 +3776,12 @@
             </a:ln>
           </p:spPr>
           <p:txBody>
-            <a:bodyPr anchorCtr="0" anchor="ctr" bIns="91425" lIns="91425" spcFirstLastPara="1" rIns="91425" wrap="square" tIns="91425">
+            <a:bodyPr spcFirstLastPara="1" wrap="square" lIns="91425" tIns="91425" rIns="91425" bIns="91425" anchor="ctr" anchorCtr="0">
               <a:noAutofit/>
             </a:bodyPr>
             <a:lstStyle/>
             <a:p>
-              <a:pPr indent="0" lvl="0" marL="0" rtl="0" algn="l">
+              <a:pPr marL="0" lvl="0" indent="0" algn="l" rtl="0">
                 <a:spcBef>
                   <a:spcPts val="0"/>
                 </a:spcBef>
@@ -3827,9 +3790,6 @@
                 </a:spcAft>
                 <a:buNone/>
               </a:pPr>
-              <a:r>
-                <a:t/>
-              </a:r>
               <a:endParaRPr/>
             </a:p>
           </p:txBody>
@@ -3847,7 +3807,7 @@
             </a:xfrm>
             <a:prstGeom prst="diagStripe">
               <a:avLst>
-                <a:gd fmla="val 50000" name="adj"/>
+                <a:gd name="adj" fmla="val 50000"/>
               </a:avLst>
             </a:prstGeom>
             <a:solidFill>
@@ -3860,12 +3820,12 @@
             </a:ln>
           </p:spPr>
           <p:txBody>
-            <a:bodyPr anchorCtr="0" anchor="ctr" bIns="91425" lIns="91425" spcFirstLastPara="1" rIns="91425" wrap="square" tIns="91425">
+            <a:bodyPr spcFirstLastPara="1" wrap="square" lIns="91425" tIns="91425" rIns="91425" bIns="91425" anchor="ctr" anchorCtr="0">
               <a:noAutofit/>
             </a:bodyPr>
             <a:lstStyle/>
             <a:p>
-              <a:pPr indent="0" lvl="0" marL="0" rtl="0" algn="l">
+              <a:pPr marL="0" lvl="0" indent="0" algn="l" rtl="0">
                 <a:spcBef>
                   <a:spcPts val="0"/>
                 </a:spcBef>
@@ -3874,9 +3834,6 @@
                 </a:spcAft>
                 <a:buNone/>
               </a:pPr>
-              <a:r>
-                <a:t/>
-              </a:r>
               <a:endParaRPr/>
             </a:p>
           </p:txBody>
@@ -3894,7 +3851,7 @@
             </a:xfrm>
             <a:prstGeom prst="diagStripe">
               <a:avLst>
-                <a:gd fmla="val 50000" name="adj"/>
+                <a:gd name="adj" fmla="val 50000"/>
               </a:avLst>
             </a:prstGeom>
             <a:solidFill>
@@ -3905,12 +3862,12 @@
             </a:ln>
           </p:spPr>
           <p:txBody>
-            <a:bodyPr anchorCtr="0" anchor="ctr" bIns="91425" lIns="91425" spcFirstLastPara="1" rIns="91425" wrap="square" tIns="91425">
+            <a:bodyPr spcFirstLastPara="1" wrap="square" lIns="91425" tIns="91425" rIns="91425" bIns="91425" anchor="ctr" anchorCtr="0">
               <a:noAutofit/>
             </a:bodyPr>
             <a:lstStyle/>
             <a:p>
-              <a:pPr indent="0" lvl="0" marL="0" rtl="0" algn="l">
+              <a:pPr marL="0" lvl="0" indent="0" algn="l" rtl="0">
                 <a:spcBef>
                   <a:spcPts val="0"/>
                 </a:spcBef>
@@ -3919,9 +3876,6 @@
                 </a:spcAft>
                 <a:buNone/>
               </a:pPr>
-              <a:r>
-                <a:t/>
-              </a:r>
               <a:endParaRPr/>
             </a:p>
           </p:txBody>
@@ -3939,7 +3893,7 @@
             </a:xfrm>
             <a:prstGeom prst="diagStripe">
               <a:avLst>
-                <a:gd fmla="val 50000" name="adj"/>
+                <a:gd name="adj" fmla="val 50000"/>
               </a:avLst>
             </a:prstGeom>
             <a:solidFill>
@@ -3952,12 +3906,12 @@
             </a:ln>
           </p:spPr>
           <p:txBody>
-            <a:bodyPr anchorCtr="0" anchor="ctr" bIns="91425" lIns="91425" spcFirstLastPara="1" rIns="91425" wrap="square" tIns="91425">
+            <a:bodyPr spcFirstLastPara="1" wrap="square" lIns="91425" tIns="91425" rIns="91425" bIns="91425" anchor="ctr" anchorCtr="0">
               <a:noAutofit/>
             </a:bodyPr>
             <a:lstStyle/>
             <a:p>
-              <a:pPr indent="0" lvl="0" marL="0" rtl="0" algn="l">
+              <a:pPr marL="0" lvl="0" indent="0" algn="l" rtl="0">
                 <a:spcBef>
                   <a:spcPts val="0"/>
                 </a:spcBef>
@@ -3966,9 +3920,6 @@
                 </a:spcAft>
                 <a:buNone/>
               </a:pPr>
-              <a:r>
-                <a:t/>
-              </a:r>
               <a:endParaRPr/>
             </a:p>
           </p:txBody>
@@ -3986,7 +3937,7 @@
             </a:xfrm>
             <a:prstGeom prst="diagStripe">
               <a:avLst>
-                <a:gd fmla="val 50000" name="adj"/>
+                <a:gd name="adj" fmla="val 50000"/>
               </a:avLst>
             </a:prstGeom>
             <a:solidFill>
@@ -3999,12 +3950,12 @@
             </a:ln>
           </p:spPr>
           <p:txBody>
-            <a:bodyPr anchorCtr="0" anchor="ctr" bIns="91425" lIns="91425" spcFirstLastPara="1" rIns="91425" wrap="square" tIns="91425">
+            <a:bodyPr spcFirstLastPara="1" wrap="square" lIns="91425" tIns="91425" rIns="91425" bIns="91425" anchor="ctr" anchorCtr="0">
               <a:noAutofit/>
             </a:bodyPr>
             <a:lstStyle/>
             <a:p>
-              <a:pPr indent="0" lvl="0" marL="0" rtl="0" algn="l">
+              <a:pPr marL="0" lvl="0" indent="0" algn="l" rtl="0">
                 <a:spcBef>
                   <a:spcPts val="0"/>
                 </a:spcBef>
@@ -4013,9 +3964,6 @@
                 </a:spcAft>
                 <a:buNone/>
               </a:pPr>
-              <a:r>
-                <a:t/>
-              </a:r>
               <a:endParaRPr/>
             </a:p>
           </p:txBody>
@@ -4033,7 +3981,7 @@
             </a:xfrm>
             <a:prstGeom prst="diagStripe">
               <a:avLst>
-                <a:gd fmla="val 50000" name="adj"/>
+                <a:gd name="adj" fmla="val 50000"/>
               </a:avLst>
             </a:prstGeom>
             <a:solidFill>
@@ -4046,12 +3994,12 @@
             </a:ln>
           </p:spPr>
           <p:txBody>
-            <a:bodyPr anchorCtr="0" anchor="ctr" bIns="91425" lIns="91425" spcFirstLastPara="1" rIns="91425" wrap="square" tIns="91425">
+            <a:bodyPr spcFirstLastPara="1" wrap="square" lIns="91425" tIns="91425" rIns="91425" bIns="91425" anchor="ctr" anchorCtr="0">
               <a:noAutofit/>
             </a:bodyPr>
             <a:lstStyle/>
             <a:p>
-              <a:pPr indent="0" lvl="0" marL="0" rtl="0" algn="l">
+              <a:pPr marL="0" lvl="0" indent="0" algn="l" rtl="0">
                 <a:spcBef>
                   <a:spcPts val="0"/>
                 </a:spcBef>
@@ -4060,9 +4008,6 @@
                 </a:spcAft>
                 <a:buNone/>
               </a:pPr>
-              <a:r>
-                <a:t/>
-              </a:r>
               <a:endParaRPr/>
             </a:p>
           </p:txBody>
@@ -4080,7 +4025,7 @@
             </a:xfrm>
             <a:prstGeom prst="diagStripe">
               <a:avLst>
-                <a:gd fmla="val 50000" name="adj"/>
+                <a:gd name="adj" fmla="val 50000"/>
               </a:avLst>
             </a:prstGeom>
             <a:solidFill>
@@ -4093,12 +4038,12 @@
             </a:ln>
           </p:spPr>
           <p:txBody>
-            <a:bodyPr anchorCtr="0" anchor="ctr" bIns="91425" lIns="91425" spcFirstLastPara="1" rIns="91425" wrap="square" tIns="91425">
+            <a:bodyPr spcFirstLastPara="1" wrap="square" lIns="91425" tIns="91425" rIns="91425" bIns="91425" anchor="ctr" anchorCtr="0">
               <a:noAutofit/>
             </a:bodyPr>
             <a:lstStyle/>
             <a:p>
-              <a:pPr indent="0" lvl="0" marL="0" rtl="0" algn="l">
+              <a:pPr marL="0" lvl="0" indent="0" algn="l" rtl="0">
                 <a:spcBef>
                   <a:spcPts val="0"/>
                 </a:spcBef>
@@ -4107,9 +4052,6 @@
                 </a:spcAft>
                 <a:buNone/>
               </a:pPr>
-              <a:r>
-                <a:t/>
-              </a:r>
               <a:endParaRPr/>
             </a:p>
           </p:txBody>
@@ -4118,7 +4060,9 @@
       <p:sp>
         <p:nvSpPr>
           <p:cNvPr id="39" name="Google Shape;39;p3"/>
-          <p:cNvSpPr txBox="1"/>
+          <p:cNvSpPr txBox="1">
+            <a:spLocks noGrp="1"/>
+          </p:cNvSpPr>
           <p:nvPr>
             <p:ph type="title"/>
           </p:nvPr>
@@ -4133,7 +4077,7 @@
           </a:prstGeom>
         </p:spPr>
         <p:txBody>
-          <a:bodyPr anchorCtr="0" anchor="ctr" bIns="91425" lIns="91425" spcFirstLastPara="1" rIns="91425" wrap="square" tIns="91425">
+          <a:bodyPr spcFirstLastPara="1" wrap="square" lIns="91425" tIns="91425" rIns="91425" bIns="91425" anchor="ctr" anchorCtr="0">
             <a:normAutofit/>
           </a:bodyPr>
           <a:lstStyle>
@@ -4237,15 +4181,19 @@
               <a:defRPr/>
             </a:lvl9pPr>
           </a:lstStyle>
-          <a:p/>
+          <a:p>
+            <a:endParaRPr/>
+          </a:p>
         </p:txBody>
       </p:sp>
       <p:sp>
         <p:nvSpPr>
           <p:cNvPr id="40" name="Google Shape;40;p3"/>
-          <p:cNvSpPr txBox="1"/>
+          <p:cNvSpPr txBox="1">
+            <a:spLocks noGrp="1"/>
+          </p:cNvSpPr>
           <p:nvPr>
-            <p:ph idx="12" type="sldNum"/>
+            <p:ph type="sldNum" idx="12"/>
           </p:nvPr>
         </p:nvSpPr>
         <p:spPr>
@@ -4258,7 +4206,7 @@
           </a:prstGeom>
         </p:spPr>
         <p:txBody>
-          <a:bodyPr anchorCtr="0" anchor="ctr" bIns="91425" lIns="91425" spcFirstLastPara="1" rIns="91425" wrap="square" tIns="91425">
+          <a:bodyPr spcFirstLastPara="1" wrap="square" lIns="91425" tIns="91425" rIns="91425" bIns="91425" anchor="ctr" anchorCtr="0">
             <a:normAutofit/>
           </a:bodyPr>
           <a:lstStyle>
@@ -4300,7 +4248,7 @@
             </a:lvl9pPr>
           </a:lstStyle>
           <a:p>
-            <a:pPr indent="0" lvl="0" marL="0" rtl="0" algn="r">
+            <a:pPr marL="0" lvl="0" indent="0" algn="r" rtl="0">
               <a:spcBef>
                 <a:spcPts val="0"/>
               </a:spcBef>
@@ -4326,11 +4274,11 @@
 </file>
 
 <file path=ppt/slideLayouts/slideLayout3.xml><?xml version="1.0" encoding="utf-8"?>
-<p:sldLayout xmlns:a="http://schemas.openxmlformats.org/drawingml/2006/main" xmlns:r="http://schemas.openxmlformats.org/officeDocument/2006/relationships" xmlns:mc="http://schemas.openxmlformats.org/markup-compatibility/2006" xmlns:mv="urn:schemas-microsoft-com:mac:vml" xmlns:p="http://schemas.openxmlformats.org/presentationml/2006/main" xmlns:c="http://schemas.openxmlformats.org/drawingml/2006/chart" xmlns:dgm="http://schemas.openxmlformats.org/drawingml/2006/diagram" xmlns:o="urn:schemas-microsoft-com:office:office" xmlns:v="urn:schemas-microsoft-com:vml" xmlns:pvml="urn:schemas-microsoft-com:office:powerpoint" xmlns:com="http://schemas.openxmlformats.org/drawingml/2006/compatibility" xmlns:p14="http://schemas.microsoft.com/office/powerpoint/2010/main" xmlns:p15="http://schemas.microsoft.com/office/powerpoint/2012/main" xmlns:ahyp="http://schemas.microsoft.com/office/drawing/2018/hyperlinkcolor" matchingName="Title and body" type="tx">
+<p:sldLayout xmlns:a="http://schemas.openxmlformats.org/drawingml/2006/main" xmlns:r="http://schemas.openxmlformats.org/officeDocument/2006/relationships" xmlns:p="http://schemas.openxmlformats.org/presentationml/2006/main" matchingName="Title and body" type="tx">
   <p:cSld name="TITLE_AND_BODY">
     <p:spTree>
       <p:nvGrpSpPr>
-        <p:cNvPr id="41" name="Shape 41"/>
+        <p:cNvPr id="1" name="Shape 41"/>
         <p:cNvGrpSpPr/>
         <p:nvPr/>
       </p:nvGrpSpPr>
@@ -4369,7 +4317,7 @@
             </a:xfrm>
             <a:prstGeom prst="diagStripe">
               <a:avLst>
-                <a:gd fmla="val 50000" name="adj"/>
+                <a:gd name="adj" fmla="val 50000"/>
               </a:avLst>
             </a:prstGeom>
             <a:solidFill>
@@ -4380,12 +4328,12 @@
             </a:ln>
           </p:spPr>
           <p:txBody>
-            <a:bodyPr anchorCtr="0" anchor="ctr" bIns="91425" lIns="91425" spcFirstLastPara="1" rIns="91425" wrap="square" tIns="91425">
+            <a:bodyPr spcFirstLastPara="1" wrap="square" lIns="91425" tIns="91425" rIns="91425" bIns="91425" anchor="ctr" anchorCtr="0">
               <a:noAutofit/>
             </a:bodyPr>
             <a:lstStyle/>
             <a:p>
-              <a:pPr indent="0" lvl="0" marL="0" rtl="0" algn="l">
+              <a:pPr marL="0" lvl="0" indent="0" algn="l" rtl="0">
                 <a:spcBef>
                   <a:spcPts val="0"/>
                 </a:spcBef>
@@ -4394,9 +4342,6 @@
                 </a:spcAft>
                 <a:buNone/>
               </a:pPr>
-              <a:r>
-                <a:t/>
-              </a:r>
               <a:endParaRPr/>
             </a:p>
           </p:txBody>
@@ -4414,7 +4359,7 @@
             </a:xfrm>
             <a:prstGeom prst="diagStripe">
               <a:avLst>
-                <a:gd fmla="val 50000" name="adj"/>
+                <a:gd name="adj" fmla="val 50000"/>
               </a:avLst>
             </a:prstGeom>
             <a:solidFill>
@@ -4425,12 +4370,12 @@
             </a:ln>
           </p:spPr>
           <p:txBody>
-            <a:bodyPr anchorCtr="0" anchor="ctr" bIns="91425" lIns="91425" spcFirstLastPara="1" rIns="91425" wrap="square" tIns="91425">
+            <a:bodyPr spcFirstLastPara="1" wrap="square" lIns="91425" tIns="91425" rIns="91425" bIns="91425" anchor="ctr" anchorCtr="0">
               <a:noAutofit/>
             </a:bodyPr>
             <a:lstStyle/>
             <a:p>
-              <a:pPr indent="0" lvl="0" marL="0" rtl="0" algn="l">
+              <a:pPr marL="0" lvl="0" indent="0" algn="l" rtl="0">
                 <a:spcBef>
                   <a:spcPts val="0"/>
                 </a:spcBef>
@@ -4439,9 +4384,6 @@
                 </a:spcAft>
                 <a:buNone/>
               </a:pPr>
-              <a:r>
-                <a:t/>
-              </a:r>
               <a:endParaRPr/>
             </a:p>
           </p:txBody>
@@ -4450,7 +4392,9 @@
       <p:sp>
         <p:nvSpPr>
           <p:cNvPr id="45" name="Google Shape;45;p4"/>
-          <p:cNvSpPr txBox="1"/>
+          <p:cNvSpPr txBox="1">
+            <a:spLocks noGrp="1"/>
+          </p:cNvSpPr>
           <p:nvPr>
             <p:ph type="title"/>
           </p:nvPr>
@@ -4465,7 +4409,7 @@
           </a:prstGeom>
         </p:spPr>
         <p:txBody>
-          <a:bodyPr anchorCtr="0" anchor="t" bIns="91425" lIns="91425" spcFirstLastPara="1" rIns="91425" wrap="square" tIns="91425">
+          <a:bodyPr spcFirstLastPara="1" wrap="square" lIns="91425" tIns="91425" rIns="91425" bIns="91425" anchor="t" anchorCtr="0">
             <a:normAutofit/>
           </a:bodyPr>
           <a:lstStyle>
@@ -4569,15 +4513,19 @@
               <a:defRPr sz="2400"/>
             </a:lvl9pPr>
           </a:lstStyle>
-          <a:p/>
+          <a:p>
+            <a:endParaRPr/>
+          </a:p>
         </p:txBody>
       </p:sp>
       <p:sp>
         <p:nvSpPr>
           <p:cNvPr id="46" name="Google Shape;46;p4"/>
-          <p:cNvSpPr txBox="1"/>
+          <p:cNvSpPr txBox="1">
+            <a:spLocks noGrp="1"/>
+          </p:cNvSpPr>
           <p:nvPr>
-            <p:ph idx="1" type="body"/>
+            <p:ph type="body" idx="1"/>
           </p:nvPr>
         </p:nvSpPr>
         <p:spPr>
@@ -4590,11 +4538,11 @@
           </a:prstGeom>
         </p:spPr>
         <p:txBody>
-          <a:bodyPr anchorCtr="0" anchor="t" bIns="91425" lIns="91425" spcFirstLastPara="1" rIns="91425" wrap="square" tIns="91425">
+          <a:bodyPr spcFirstLastPara="1" wrap="square" lIns="91425" tIns="91425" rIns="91425" bIns="91425" anchor="t" anchorCtr="0">
             <a:normAutofit/>
           </a:bodyPr>
           <a:lstStyle>
-            <a:lvl1pPr indent="-311150" lvl="0" marL="457200">
+            <a:lvl1pPr marL="457200" lvl="0" indent="-311150">
               <a:spcBef>
                 <a:spcPts val="0"/>
               </a:spcBef>
@@ -4605,7 +4553,7 @@
               <a:buChar char="●"/>
               <a:defRPr/>
             </a:lvl1pPr>
-            <a:lvl2pPr indent="-298450" lvl="1" marL="914400">
+            <a:lvl2pPr marL="914400" lvl="1" indent="-298450">
               <a:spcBef>
                 <a:spcPts val="0"/>
               </a:spcBef>
@@ -4616,7 +4564,7 @@
               <a:buChar char="○"/>
               <a:defRPr/>
             </a:lvl2pPr>
-            <a:lvl3pPr indent="-298450" lvl="2" marL="1371600">
+            <a:lvl3pPr marL="1371600" lvl="2" indent="-298450">
               <a:spcBef>
                 <a:spcPts val="0"/>
               </a:spcBef>
@@ -4627,7 +4575,7 @@
               <a:buChar char="■"/>
               <a:defRPr/>
             </a:lvl3pPr>
-            <a:lvl4pPr indent="-298450" lvl="3" marL="1828800">
+            <a:lvl4pPr marL="1828800" lvl="3" indent="-298450">
               <a:spcBef>
                 <a:spcPts val="0"/>
               </a:spcBef>
@@ -4638,7 +4586,7 @@
               <a:buChar char="●"/>
               <a:defRPr/>
             </a:lvl4pPr>
-            <a:lvl5pPr indent="-298450" lvl="4" marL="2286000">
+            <a:lvl5pPr marL="2286000" lvl="4" indent="-298450">
               <a:spcBef>
                 <a:spcPts val="0"/>
               </a:spcBef>
@@ -4649,7 +4597,7 @@
               <a:buChar char="○"/>
               <a:defRPr/>
             </a:lvl5pPr>
-            <a:lvl6pPr indent="-298450" lvl="5" marL="2743200">
+            <a:lvl6pPr marL="2743200" lvl="5" indent="-298450">
               <a:spcBef>
                 <a:spcPts val="0"/>
               </a:spcBef>
@@ -4660,7 +4608,7 @@
               <a:buChar char="■"/>
               <a:defRPr/>
             </a:lvl6pPr>
-            <a:lvl7pPr indent="-298450" lvl="6" marL="3200400">
+            <a:lvl7pPr marL="3200400" lvl="6" indent="-298450">
               <a:spcBef>
                 <a:spcPts val="0"/>
               </a:spcBef>
@@ -4671,7 +4619,7 @@
               <a:buChar char="●"/>
               <a:defRPr/>
             </a:lvl7pPr>
-            <a:lvl8pPr indent="-298450" lvl="7" marL="3657600">
+            <a:lvl8pPr marL="3657600" lvl="7" indent="-298450">
               <a:spcBef>
                 <a:spcPts val="0"/>
               </a:spcBef>
@@ -4682,7 +4630,7 @@
               <a:buChar char="○"/>
               <a:defRPr/>
             </a:lvl8pPr>
-            <a:lvl9pPr indent="-298450" lvl="8" marL="4114800">
+            <a:lvl9pPr marL="4114800" lvl="8" indent="-298450">
               <a:spcBef>
                 <a:spcPts val="0"/>
               </a:spcBef>
@@ -4694,15 +4642,19 @@
               <a:defRPr/>
             </a:lvl9pPr>
           </a:lstStyle>
-          <a:p/>
+          <a:p>
+            <a:endParaRPr/>
+          </a:p>
         </p:txBody>
       </p:sp>
       <p:sp>
         <p:nvSpPr>
           <p:cNvPr id="47" name="Google Shape;47;p4"/>
-          <p:cNvSpPr txBox="1"/>
+          <p:cNvSpPr txBox="1">
+            <a:spLocks noGrp="1"/>
+          </p:cNvSpPr>
           <p:nvPr>
-            <p:ph idx="12" type="sldNum"/>
+            <p:ph type="sldNum" idx="12"/>
           </p:nvPr>
         </p:nvSpPr>
         <p:spPr>
@@ -4715,7 +4667,7 @@
           </a:prstGeom>
         </p:spPr>
         <p:txBody>
-          <a:bodyPr anchorCtr="0" anchor="ctr" bIns="91425" lIns="91425" spcFirstLastPara="1" rIns="91425" wrap="square" tIns="91425">
+          <a:bodyPr spcFirstLastPara="1" wrap="square" lIns="91425" tIns="91425" rIns="91425" bIns="91425" anchor="ctr" anchorCtr="0">
             <a:normAutofit/>
           </a:bodyPr>
           <a:lstStyle>
@@ -4757,7 +4709,7 @@
             </a:lvl9pPr>
           </a:lstStyle>
           <a:p>
-            <a:pPr indent="0" lvl="0" marL="0" rtl="0" algn="r">
+            <a:pPr marL="0" lvl="0" indent="0" algn="r" rtl="0">
               <a:spcBef>
                 <a:spcPts val="0"/>
               </a:spcBef>
@@ -4783,11 +4735,11 @@
 </file>
 
 <file path=ppt/slideLayouts/slideLayout4.xml><?xml version="1.0" encoding="utf-8"?>
-<p:sldLayout xmlns:a="http://schemas.openxmlformats.org/drawingml/2006/main" xmlns:r="http://schemas.openxmlformats.org/officeDocument/2006/relationships" xmlns:mc="http://schemas.openxmlformats.org/markup-compatibility/2006" xmlns:mv="urn:schemas-microsoft-com:mac:vml" xmlns:p="http://schemas.openxmlformats.org/presentationml/2006/main" xmlns:c="http://schemas.openxmlformats.org/drawingml/2006/chart" xmlns:dgm="http://schemas.openxmlformats.org/drawingml/2006/diagram" xmlns:o="urn:schemas-microsoft-com:office:office" xmlns:v="urn:schemas-microsoft-com:vml" xmlns:pvml="urn:schemas-microsoft-com:office:powerpoint" xmlns:com="http://schemas.openxmlformats.org/drawingml/2006/compatibility" xmlns:p14="http://schemas.microsoft.com/office/powerpoint/2010/main" xmlns:p15="http://schemas.microsoft.com/office/powerpoint/2012/main" xmlns:ahyp="http://schemas.microsoft.com/office/drawing/2018/hyperlinkcolor" matchingName="Title and two columns" type="twoColTx">
+<p:sldLayout xmlns:a="http://schemas.openxmlformats.org/drawingml/2006/main" xmlns:r="http://schemas.openxmlformats.org/officeDocument/2006/relationships" xmlns:p="http://schemas.openxmlformats.org/presentationml/2006/main" matchingName="Title and two columns" type="twoColTx">
   <p:cSld name="TITLE_AND_TWO_COLUMNS">
     <p:spTree>
       <p:nvGrpSpPr>
-        <p:cNvPr id="48" name="Shape 48"/>
+        <p:cNvPr id="1" name="Shape 48"/>
         <p:cNvGrpSpPr/>
         <p:nvPr/>
       </p:nvGrpSpPr>
@@ -4826,7 +4778,7 @@
             </a:xfrm>
             <a:prstGeom prst="diagStripe">
               <a:avLst>
-                <a:gd fmla="val 50000" name="adj"/>
+                <a:gd name="adj" fmla="val 50000"/>
               </a:avLst>
             </a:prstGeom>
             <a:solidFill>
@@ -4837,12 +4789,12 @@
             </a:ln>
           </p:spPr>
           <p:txBody>
-            <a:bodyPr anchorCtr="0" anchor="ctr" bIns="91425" lIns="91425" spcFirstLastPara="1" rIns="91425" wrap="square" tIns="91425">
+            <a:bodyPr spcFirstLastPara="1" wrap="square" lIns="91425" tIns="91425" rIns="91425" bIns="91425" anchor="ctr" anchorCtr="0">
               <a:noAutofit/>
             </a:bodyPr>
             <a:lstStyle/>
             <a:p>
-              <a:pPr indent="0" lvl="0" marL="0" rtl="0" algn="l">
+              <a:pPr marL="0" lvl="0" indent="0" algn="l" rtl="0">
                 <a:spcBef>
                   <a:spcPts val="0"/>
                 </a:spcBef>
@@ -4851,9 +4803,6 @@
                 </a:spcAft>
                 <a:buNone/>
               </a:pPr>
-              <a:r>
-                <a:t/>
-              </a:r>
               <a:endParaRPr/>
             </a:p>
           </p:txBody>
@@ -4871,7 +4820,7 @@
             </a:xfrm>
             <a:prstGeom prst="diagStripe">
               <a:avLst>
-                <a:gd fmla="val 50000" name="adj"/>
+                <a:gd name="adj" fmla="val 50000"/>
               </a:avLst>
             </a:prstGeom>
             <a:solidFill>
@@ -4882,12 +4831,12 @@
             </a:ln>
           </p:spPr>
           <p:txBody>
-            <a:bodyPr anchorCtr="0" anchor="ctr" bIns="91425" lIns="91425" spcFirstLastPara="1" rIns="91425" wrap="square" tIns="91425">
+            <a:bodyPr spcFirstLastPara="1" wrap="square" lIns="91425" tIns="91425" rIns="91425" bIns="91425" anchor="ctr" anchorCtr="0">
               <a:noAutofit/>
             </a:bodyPr>
             <a:lstStyle/>
             <a:p>
-              <a:pPr indent="0" lvl="0" marL="0" rtl="0" algn="l">
+              <a:pPr marL="0" lvl="0" indent="0" algn="l" rtl="0">
                 <a:spcBef>
                   <a:spcPts val="0"/>
                 </a:spcBef>
@@ -4896,9 +4845,6 @@
                 </a:spcAft>
                 <a:buNone/>
               </a:pPr>
-              <a:r>
-                <a:t/>
-              </a:r>
               <a:endParaRPr/>
             </a:p>
           </p:txBody>
@@ -4907,7 +4853,9 @@
       <p:sp>
         <p:nvSpPr>
           <p:cNvPr id="52" name="Google Shape;52;p5"/>
-          <p:cNvSpPr txBox="1"/>
+          <p:cNvSpPr txBox="1">
+            <a:spLocks noGrp="1"/>
+          </p:cNvSpPr>
           <p:nvPr>
             <p:ph type="title"/>
           </p:nvPr>
@@ -4922,7 +4870,7 @@
           </a:prstGeom>
         </p:spPr>
         <p:txBody>
-          <a:bodyPr anchorCtr="0" anchor="t" bIns="91425" lIns="91425" spcFirstLastPara="1" rIns="91425" wrap="square" tIns="91425">
+          <a:bodyPr spcFirstLastPara="1" wrap="square" lIns="91425" tIns="91425" rIns="91425" bIns="91425" anchor="t" anchorCtr="0">
             <a:normAutofit/>
           </a:bodyPr>
           <a:lstStyle>
@@ -5026,15 +4974,19 @@
               <a:defRPr sz="2400"/>
             </a:lvl9pPr>
           </a:lstStyle>
-          <a:p/>
+          <a:p>
+            <a:endParaRPr/>
+          </a:p>
         </p:txBody>
       </p:sp>
       <p:sp>
         <p:nvSpPr>
           <p:cNvPr id="53" name="Google Shape;53;p5"/>
-          <p:cNvSpPr txBox="1"/>
+          <p:cNvSpPr txBox="1">
+            <a:spLocks noGrp="1"/>
+          </p:cNvSpPr>
           <p:nvPr>
-            <p:ph idx="1" type="body"/>
+            <p:ph type="body" idx="1"/>
           </p:nvPr>
         </p:nvSpPr>
         <p:spPr>
@@ -5047,11 +4999,11 @@
           </a:prstGeom>
         </p:spPr>
         <p:txBody>
-          <a:bodyPr anchorCtr="0" anchor="t" bIns="91425" lIns="91425" spcFirstLastPara="1" rIns="91425" wrap="square" tIns="91425">
+          <a:bodyPr spcFirstLastPara="1" wrap="square" lIns="91425" tIns="91425" rIns="91425" bIns="91425" anchor="t" anchorCtr="0">
             <a:normAutofit/>
           </a:bodyPr>
           <a:lstStyle>
-            <a:lvl1pPr indent="-311150" lvl="0" marL="457200">
+            <a:lvl1pPr marL="457200" lvl="0" indent="-311150">
               <a:spcBef>
                 <a:spcPts val="0"/>
               </a:spcBef>
@@ -5062,7 +5014,7 @@
               <a:buChar char="●"/>
               <a:defRPr/>
             </a:lvl1pPr>
-            <a:lvl2pPr indent="-298450" lvl="1" marL="914400">
+            <a:lvl2pPr marL="914400" lvl="1" indent="-298450">
               <a:spcBef>
                 <a:spcPts val="0"/>
               </a:spcBef>
@@ -5073,7 +5025,7 @@
               <a:buChar char="○"/>
               <a:defRPr/>
             </a:lvl2pPr>
-            <a:lvl3pPr indent="-298450" lvl="2" marL="1371600">
+            <a:lvl3pPr marL="1371600" lvl="2" indent="-298450">
               <a:spcBef>
                 <a:spcPts val="0"/>
               </a:spcBef>
@@ -5084,7 +5036,7 @@
               <a:buChar char="■"/>
               <a:defRPr/>
             </a:lvl3pPr>
-            <a:lvl4pPr indent="-298450" lvl="3" marL="1828800">
+            <a:lvl4pPr marL="1828800" lvl="3" indent="-298450">
               <a:spcBef>
                 <a:spcPts val="0"/>
               </a:spcBef>
@@ -5095,7 +5047,7 @@
               <a:buChar char="●"/>
               <a:defRPr/>
             </a:lvl4pPr>
-            <a:lvl5pPr indent="-298450" lvl="4" marL="2286000">
+            <a:lvl5pPr marL="2286000" lvl="4" indent="-298450">
               <a:spcBef>
                 <a:spcPts val="0"/>
               </a:spcBef>
@@ -5106,7 +5058,7 @@
               <a:buChar char="○"/>
               <a:defRPr/>
             </a:lvl5pPr>
-            <a:lvl6pPr indent="-298450" lvl="5" marL="2743200">
+            <a:lvl6pPr marL="2743200" lvl="5" indent="-298450">
               <a:spcBef>
                 <a:spcPts val="0"/>
               </a:spcBef>
@@ -5117,7 +5069,7 @@
               <a:buChar char="■"/>
               <a:defRPr/>
             </a:lvl6pPr>
-            <a:lvl7pPr indent="-298450" lvl="6" marL="3200400">
+            <a:lvl7pPr marL="3200400" lvl="6" indent="-298450">
               <a:spcBef>
                 <a:spcPts val="0"/>
               </a:spcBef>
@@ -5128,7 +5080,7 @@
               <a:buChar char="●"/>
               <a:defRPr/>
             </a:lvl7pPr>
-            <a:lvl8pPr indent="-298450" lvl="7" marL="3657600">
+            <a:lvl8pPr marL="3657600" lvl="7" indent="-298450">
               <a:spcBef>
                 <a:spcPts val="0"/>
               </a:spcBef>
@@ -5139,7 +5091,7 @@
               <a:buChar char="○"/>
               <a:defRPr/>
             </a:lvl8pPr>
-            <a:lvl9pPr indent="-298450" lvl="8" marL="4114800">
+            <a:lvl9pPr marL="4114800" lvl="8" indent="-298450">
               <a:spcBef>
                 <a:spcPts val="0"/>
               </a:spcBef>
@@ -5151,15 +5103,19 @@
               <a:defRPr/>
             </a:lvl9pPr>
           </a:lstStyle>
-          <a:p/>
+          <a:p>
+            <a:endParaRPr/>
+          </a:p>
         </p:txBody>
       </p:sp>
       <p:sp>
         <p:nvSpPr>
           <p:cNvPr id="54" name="Google Shape;54;p5"/>
-          <p:cNvSpPr txBox="1"/>
+          <p:cNvSpPr txBox="1">
+            <a:spLocks noGrp="1"/>
+          </p:cNvSpPr>
           <p:nvPr>
-            <p:ph idx="2" type="body"/>
+            <p:ph type="body" idx="2"/>
           </p:nvPr>
         </p:nvSpPr>
         <p:spPr>
@@ -5172,11 +5128,11 @@
           </a:prstGeom>
         </p:spPr>
         <p:txBody>
-          <a:bodyPr anchorCtr="0" anchor="t" bIns="91425" lIns="91425" spcFirstLastPara="1" rIns="91425" wrap="square" tIns="91425">
+          <a:bodyPr spcFirstLastPara="1" wrap="square" lIns="91425" tIns="91425" rIns="91425" bIns="91425" anchor="t" anchorCtr="0">
             <a:normAutofit/>
           </a:bodyPr>
           <a:lstStyle>
-            <a:lvl1pPr indent="-311150" lvl="0" marL="457200">
+            <a:lvl1pPr marL="457200" lvl="0" indent="-311150">
               <a:spcBef>
                 <a:spcPts val="0"/>
               </a:spcBef>
@@ -5187,7 +5143,7 @@
               <a:buChar char="●"/>
               <a:defRPr/>
             </a:lvl1pPr>
-            <a:lvl2pPr indent="-298450" lvl="1" marL="914400">
+            <a:lvl2pPr marL="914400" lvl="1" indent="-298450">
               <a:spcBef>
                 <a:spcPts val="0"/>
               </a:spcBef>
@@ -5198,7 +5154,7 @@
               <a:buChar char="○"/>
               <a:defRPr/>
             </a:lvl2pPr>
-            <a:lvl3pPr indent="-298450" lvl="2" marL="1371600">
+            <a:lvl3pPr marL="1371600" lvl="2" indent="-298450">
               <a:spcBef>
                 <a:spcPts val="0"/>
               </a:spcBef>
@@ -5209,7 +5165,7 @@
               <a:buChar char="■"/>
               <a:defRPr/>
             </a:lvl3pPr>
-            <a:lvl4pPr indent="-298450" lvl="3" marL="1828800">
+            <a:lvl4pPr marL="1828800" lvl="3" indent="-298450">
               <a:spcBef>
                 <a:spcPts val="0"/>
               </a:spcBef>
@@ -5220,7 +5176,7 @@
               <a:buChar char="●"/>
               <a:defRPr/>
             </a:lvl4pPr>
-            <a:lvl5pPr indent="-298450" lvl="4" marL="2286000">
+            <a:lvl5pPr marL="2286000" lvl="4" indent="-298450">
               <a:spcBef>
                 <a:spcPts val="0"/>
               </a:spcBef>
@@ -5231,7 +5187,7 @@
               <a:buChar char="○"/>
               <a:defRPr/>
             </a:lvl5pPr>
-            <a:lvl6pPr indent="-298450" lvl="5" marL="2743200">
+            <a:lvl6pPr marL="2743200" lvl="5" indent="-298450">
               <a:spcBef>
                 <a:spcPts val="0"/>
               </a:spcBef>
@@ -5242,7 +5198,7 @@
               <a:buChar char="■"/>
               <a:defRPr/>
             </a:lvl6pPr>
-            <a:lvl7pPr indent="-298450" lvl="6" marL="3200400">
+            <a:lvl7pPr marL="3200400" lvl="6" indent="-298450">
               <a:spcBef>
                 <a:spcPts val="0"/>
               </a:spcBef>
@@ -5253,7 +5209,7 @@
               <a:buChar char="●"/>
               <a:defRPr/>
             </a:lvl7pPr>
-            <a:lvl8pPr indent="-298450" lvl="7" marL="3657600">
+            <a:lvl8pPr marL="3657600" lvl="7" indent="-298450">
               <a:spcBef>
                 <a:spcPts val="0"/>
               </a:spcBef>
@@ -5264,7 +5220,7 @@
               <a:buChar char="○"/>
               <a:defRPr/>
             </a:lvl8pPr>
-            <a:lvl9pPr indent="-298450" lvl="8" marL="4114800">
+            <a:lvl9pPr marL="4114800" lvl="8" indent="-298450">
               <a:spcBef>
                 <a:spcPts val="0"/>
               </a:spcBef>
@@ -5276,15 +5232,19 @@
               <a:defRPr/>
             </a:lvl9pPr>
           </a:lstStyle>
-          <a:p/>
+          <a:p>
+            <a:endParaRPr/>
+          </a:p>
         </p:txBody>
       </p:sp>
       <p:sp>
         <p:nvSpPr>
           <p:cNvPr id="55" name="Google Shape;55;p5"/>
-          <p:cNvSpPr txBox="1"/>
+          <p:cNvSpPr txBox="1">
+            <a:spLocks noGrp="1"/>
+          </p:cNvSpPr>
           <p:nvPr>
-            <p:ph idx="12" type="sldNum"/>
+            <p:ph type="sldNum" idx="12"/>
           </p:nvPr>
         </p:nvSpPr>
         <p:spPr>
@@ -5297,7 +5257,7 @@
           </a:prstGeom>
         </p:spPr>
         <p:txBody>
-          <a:bodyPr anchorCtr="0" anchor="ctr" bIns="91425" lIns="91425" spcFirstLastPara="1" rIns="91425" wrap="square" tIns="91425">
+          <a:bodyPr spcFirstLastPara="1" wrap="square" lIns="91425" tIns="91425" rIns="91425" bIns="91425" anchor="ctr" anchorCtr="0">
             <a:normAutofit/>
           </a:bodyPr>
           <a:lstStyle>
@@ -5339,7 +5299,7 @@
             </a:lvl9pPr>
           </a:lstStyle>
           <a:p>
-            <a:pPr indent="0" lvl="0" marL="0" rtl="0" algn="r">
+            <a:pPr marL="0" lvl="0" indent="0" algn="r" rtl="0">
               <a:spcBef>
                 <a:spcPts val="0"/>
               </a:spcBef>
@@ -5365,11 +5325,11 @@
 </file>
 
 <file path=ppt/slideLayouts/slideLayout5.xml><?xml version="1.0" encoding="utf-8"?>
-<p:sldLayout xmlns:a="http://schemas.openxmlformats.org/drawingml/2006/main" xmlns:r="http://schemas.openxmlformats.org/officeDocument/2006/relationships" xmlns:mc="http://schemas.openxmlformats.org/markup-compatibility/2006" xmlns:mv="urn:schemas-microsoft-com:mac:vml" xmlns:p="http://schemas.openxmlformats.org/presentationml/2006/main" xmlns:c="http://schemas.openxmlformats.org/drawingml/2006/chart" xmlns:dgm="http://schemas.openxmlformats.org/drawingml/2006/diagram" xmlns:o="urn:schemas-microsoft-com:office:office" xmlns:v="urn:schemas-microsoft-com:vml" xmlns:pvml="urn:schemas-microsoft-com:office:powerpoint" xmlns:com="http://schemas.openxmlformats.org/drawingml/2006/compatibility" xmlns:p14="http://schemas.microsoft.com/office/powerpoint/2010/main" xmlns:p15="http://schemas.microsoft.com/office/powerpoint/2012/main" xmlns:ahyp="http://schemas.microsoft.com/office/drawing/2018/hyperlinkcolor" matchingName="Title only" type="titleOnly">
+<p:sldLayout xmlns:a="http://schemas.openxmlformats.org/drawingml/2006/main" xmlns:r="http://schemas.openxmlformats.org/officeDocument/2006/relationships" xmlns:p="http://schemas.openxmlformats.org/presentationml/2006/main" matchingName="Title only" type="titleOnly">
   <p:cSld name="TITLE_ONLY">
     <p:spTree>
       <p:nvGrpSpPr>
-        <p:cNvPr id="56" name="Shape 56"/>
+        <p:cNvPr id="1" name="Shape 56"/>
         <p:cNvGrpSpPr/>
         <p:nvPr/>
       </p:nvGrpSpPr>
@@ -5408,7 +5368,7 @@
             </a:xfrm>
             <a:prstGeom prst="diagStripe">
               <a:avLst>
-                <a:gd fmla="val 50000" name="adj"/>
+                <a:gd name="adj" fmla="val 50000"/>
               </a:avLst>
             </a:prstGeom>
             <a:solidFill>
@@ -5419,12 +5379,12 @@
             </a:ln>
           </p:spPr>
           <p:txBody>
-            <a:bodyPr anchorCtr="0" anchor="ctr" bIns="91425" lIns="91425" spcFirstLastPara="1" rIns="91425" wrap="square" tIns="91425">
+            <a:bodyPr spcFirstLastPara="1" wrap="square" lIns="91425" tIns="91425" rIns="91425" bIns="91425" anchor="ctr" anchorCtr="0">
               <a:noAutofit/>
             </a:bodyPr>
             <a:lstStyle/>
             <a:p>
-              <a:pPr indent="0" lvl="0" marL="0" rtl="0" algn="l">
+              <a:pPr marL="0" lvl="0" indent="0" algn="l" rtl="0">
                 <a:spcBef>
                   <a:spcPts val="0"/>
                 </a:spcBef>
@@ -5433,9 +5393,6 @@
                 </a:spcAft>
                 <a:buNone/>
               </a:pPr>
-              <a:r>
-                <a:t/>
-              </a:r>
               <a:endParaRPr/>
             </a:p>
           </p:txBody>
@@ -5453,7 +5410,7 @@
             </a:xfrm>
             <a:prstGeom prst="diagStripe">
               <a:avLst>
-                <a:gd fmla="val 50000" name="adj"/>
+                <a:gd name="adj" fmla="val 50000"/>
               </a:avLst>
             </a:prstGeom>
             <a:solidFill>
@@ -5464,12 +5421,12 @@
             </a:ln>
           </p:spPr>
           <p:txBody>
-            <a:bodyPr anchorCtr="0" anchor="ctr" bIns="91425" lIns="91425" spcFirstLastPara="1" rIns="91425" wrap="square" tIns="91425">
+            <a:bodyPr spcFirstLastPara="1" wrap="square" lIns="91425" tIns="91425" rIns="91425" bIns="91425" anchor="ctr" anchorCtr="0">
               <a:noAutofit/>
             </a:bodyPr>
             <a:lstStyle/>
             <a:p>
-              <a:pPr indent="0" lvl="0" marL="0" rtl="0" algn="l">
+              <a:pPr marL="0" lvl="0" indent="0" algn="l" rtl="0">
                 <a:spcBef>
                   <a:spcPts val="0"/>
                 </a:spcBef>
@@ -5478,9 +5435,6 @@
                 </a:spcAft>
                 <a:buNone/>
               </a:pPr>
-              <a:r>
-                <a:t/>
-              </a:r>
               <a:endParaRPr/>
             </a:p>
           </p:txBody>
@@ -5489,7 +5443,9 @@
       <p:sp>
         <p:nvSpPr>
           <p:cNvPr id="60" name="Google Shape;60;p6"/>
-          <p:cNvSpPr txBox="1"/>
+          <p:cNvSpPr txBox="1">
+            <a:spLocks noGrp="1"/>
+          </p:cNvSpPr>
           <p:nvPr>
             <p:ph type="title"/>
           </p:nvPr>
@@ -5504,7 +5460,7 @@
           </a:prstGeom>
         </p:spPr>
         <p:txBody>
-          <a:bodyPr anchorCtr="0" anchor="t" bIns="91425" lIns="91425" spcFirstLastPara="1" rIns="91425" wrap="square" tIns="91425">
+          <a:bodyPr spcFirstLastPara="1" wrap="square" lIns="91425" tIns="91425" rIns="91425" bIns="91425" anchor="t" anchorCtr="0">
             <a:normAutofit/>
           </a:bodyPr>
           <a:lstStyle>
@@ -5608,15 +5564,19 @@
               <a:defRPr sz="2400"/>
             </a:lvl9pPr>
           </a:lstStyle>
-          <a:p/>
+          <a:p>
+            <a:endParaRPr/>
+          </a:p>
         </p:txBody>
       </p:sp>
       <p:sp>
         <p:nvSpPr>
           <p:cNvPr id="61" name="Google Shape;61;p6"/>
-          <p:cNvSpPr txBox="1"/>
+          <p:cNvSpPr txBox="1">
+            <a:spLocks noGrp="1"/>
+          </p:cNvSpPr>
           <p:nvPr>
-            <p:ph idx="12" type="sldNum"/>
+            <p:ph type="sldNum" idx="12"/>
           </p:nvPr>
         </p:nvSpPr>
         <p:spPr>
@@ -5629,7 +5589,7 @@
           </a:prstGeom>
         </p:spPr>
         <p:txBody>
-          <a:bodyPr anchorCtr="0" anchor="ctr" bIns="91425" lIns="91425" spcFirstLastPara="1" rIns="91425" wrap="square" tIns="91425">
+          <a:bodyPr spcFirstLastPara="1" wrap="square" lIns="91425" tIns="91425" rIns="91425" bIns="91425" anchor="ctr" anchorCtr="0">
             <a:normAutofit/>
           </a:bodyPr>
           <a:lstStyle>
@@ -5671,7 +5631,7 @@
             </a:lvl9pPr>
           </a:lstStyle>
           <a:p>
-            <a:pPr indent="0" lvl="0" marL="0" rtl="0" algn="r">
+            <a:pPr marL="0" lvl="0" indent="0" algn="r" rtl="0">
               <a:spcBef>
                 <a:spcPts val="0"/>
               </a:spcBef>
@@ -5697,11 +5657,11 @@
 </file>
 
 <file path=ppt/slideLayouts/slideLayout6.xml><?xml version="1.0" encoding="utf-8"?>
-<p:sldLayout xmlns:a="http://schemas.openxmlformats.org/drawingml/2006/main" xmlns:r="http://schemas.openxmlformats.org/officeDocument/2006/relationships" xmlns:mc="http://schemas.openxmlformats.org/markup-compatibility/2006" xmlns:mv="urn:schemas-microsoft-com:mac:vml" xmlns:p="http://schemas.openxmlformats.org/presentationml/2006/main" xmlns:c="http://schemas.openxmlformats.org/drawingml/2006/chart" xmlns:dgm="http://schemas.openxmlformats.org/drawingml/2006/diagram" xmlns:o="urn:schemas-microsoft-com:office:office" xmlns:v="urn:schemas-microsoft-com:vml" xmlns:pvml="urn:schemas-microsoft-com:office:powerpoint" xmlns:com="http://schemas.openxmlformats.org/drawingml/2006/compatibility" xmlns:p14="http://schemas.microsoft.com/office/powerpoint/2010/main" xmlns:p15="http://schemas.microsoft.com/office/powerpoint/2012/main" xmlns:ahyp="http://schemas.microsoft.com/office/drawing/2018/hyperlinkcolor" matchingName="One column text">
+<p:sldLayout xmlns:a="http://schemas.openxmlformats.org/drawingml/2006/main" xmlns:r="http://schemas.openxmlformats.org/officeDocument/2006/relationships" xmlns:p="http://schemas.openxmlformats.org/presentationml/2006/main" matchingName="One column text">
   <p:cSld name="ONE_COLUMN_TEXT">
     <p:spTree>
       <p:nvGrpSpPr>
-        <p:cNvPr id="62" name="Shape 62"/>
+        <p:cNvPr id="1" name="Shape 62"/>
         <p:cNvGrpSpPr/>
         <p:nvPr/>
       </p:nvGrpSpPr>
@@ -5740,7 +5700,7 @@
             </a:xfrm>
             <a:prstGeom prst="diagStripe">
               <a:avLst>
-                <a:gd fmla="val 50000" name="adj"/>
+                <a:gd name="adj" fmla="val 50000"/>
               </a:avLst>
             </a:prstGeom>
             <a:solidFill>
@@ -5751,12 +5711,12 @@
             </a:ln>
           </p:spPr>
           <p:txBody>
-            <a:bodyPr anchorCtr="0" anchor="ctr" bIns="91425" lIns="91425" spcFirstLastPara="1" rIns="91425" wrap="square" tIns="91425">
+            <a:bodyPr spcFirstLastPara="1" wrap="square" lIns="91425" tIns="91425" rIns="91425" bIns="91425" anchor="ctr" anchorCtr="0">
               <a:noAutofit/>
             </a:bodyPr>
             <a:lstStyle/>
             <a:p>
-              <a:pPr indent="0" lvl="0" marL="0" rtl="0" algn="l">
+              <a:pPr marL="0" lvl="0" indent="0" algn="l" rtl="0">
                 <a:spcBef>
                   <a:spcPts val="0"/>
                 </a:spcBef>
@@ -5765,9 +5725,6 @@
                 </a:spcAft>
                 <a:buNone/>
               </a:pPr>
-              <a:r>
-                <a:t/>
-              </a:r>
               <a:endParaRPr/>
             </a:p>
           </p:txBody>
@@ -5785,7 +5742,7 @@
             </a:xfrm>
             <a:prstGeom prst="diagStripe">
               <a:avLst>
-                <a:gd fmla="val 50000" name="adj"/>
+                <a:gd name="adj" fmla="val 50000"/>
               </a:avLst>
             </a:prstGeom>
             <a:solidFill>
@@ -5796,12 +5753,12 @@
             </a:ln>
           </p:spPr>
           <p:txBody>
-            <a:bodyPr anchorCtr="0" anchor="ctr" bIns="91425" lIns="91425" spcFirstLastPara="1" rIns="91425" wrap="square" tIns="91425">
+            <a:bodyPr spcFirstLastPara="1" wrap="square" lIns="91425" tIns="91425" rIns="91425" bIns="91425" anchor="ctr" anchorCtr="0">
               <a:noAutofit/>
             </a:bodyPr>
             <a:lstStyle/>
             <a:p>
-              <a:pPr indent="0" lvl="0" marL="0" rtl="0" algn="l">
+              <a:pPr marL="0" lvl="0" indent="0" algn="l" rtl="0">
                 <a:spcBef>
                   <a:spcPts val="0"/>
                 </a:spcBef>
@@ -5810,9 +5767,6 @@
                 </a:spcAft>
                 <a:buNone/>
               </a:pPr>
-              <a:r>
-                <a:t/>
-              </a:r>
               <a:endParaRPr/>
             </a:p>
           </p:txBody>
@@ -5821,7 +5775,9 @@
       <p:sp>
         <p:nvSpPr>
           <p:cNvPr id="66" name="Google Shape;66;p7"/>
-          <p:cNvSpPr txBox="1"/>
+          <p:cNvSpPr txBox="1">
+            <a:spLocks noGrp="1"/>
+          </p:cNvSpPr>
           <p:nvPr>
             <p:ph type="title"/>
           </p:nvPr>
@@ -5836,7 +5792,7 @@
           </a:prstGeom>
         </p:spPr>
         <p:txBody>
-          <a:bodyPr anchorCtr="0" anchor="t" bIns="91425" lIns="91425" spcFirstLastPara="1" rIns="91425" wrap="square" tIns="91425">
+          <a:bodyPr spcFirstLastPara="1" wrap="square" lIns="91425" tIns="91425" rIns="91425" bIns="91425" anchor="t" anchorCtr="0">
             <a:normAutofit/>
           </a:bodyPr>
           <a:lstStyle>
@@ -5940,15 +5896,19 @@
               <a:defRPr sz="2400"/>
             </a:lvl9pPr>
           </a:lstStyle>
-          <a:p/>
+          <a:p>
+            <a:endParaRPr/>
+          </a:p>
         </p:txBody>
       </p:sp>
       <p:sp>
         <p:nvSpPr>
           <p:cNvPr id="67" name="Google Shape;67;p7"/>
-          <p:cNvSpPr txBox="1"/>
+          <p:cNvSpPr txBox="1">
+            <a:spLocks noGrp="1"/>
+          </p:cNvSpPr>
           <p:nvPr>
-            <p:ph idx="1" type="body"/>
+            <p:ph type="body" idx="1"/>
           </p:nvPr>
         </p:nvSpPr>
         <p:spPr>
@@ -5961,11 +5921,11 @@
           </a:prstGeom>
         </p:spPr>
         <p:txBody>
-          <a:bodyPr anchorCtr="0" anchor="t" bIns="91425" lIns="91425" spcFirstLastPara="1" rIns="91425" wrap="square" tIns="91425">
+          <a:bodyPr spcFirstLastPara="1" wrap="square" lIns="91425" tIns="91425" rIns="91425" bIns="91425" anchor="t" anchorCtr="0">
             <a:normAutofit/>
           </a:bodyPr>
           <a:lstStyle>
-            <a:lvl1pPr indent="-311150" lvl="0" marL="457200">
+            <a:lvl1pPr marL="457200" lvl="0" indent="-311150">
               <a:spcBef>
                 <a:spcPts val="0"/>
               </a:spcBef>
@@ -5976,7 +5936,7 @@
               <a:buChar char="●"/>
               <a:defRPr/>
             </a:lvl1pPr>
-            <a:lvl2pPr indent="-298450" lvl="1" marL="914400">
+            <a:lvl2pPr marL="914400" lvl="1" indent="-298450">
               <a:spcBef>
                 <a:spcPts val="0"/>
               </a:spcBef>
@@ -5987,7 +5947,7 @@
               <a:buChar char="○"/>
               <a:defRPr/>
             </a:lvl2pPr>
-            <a:lvl3pPr indent="-298450" lvl="2" marL="1371600">
+            <a:lvl3pPr marL="1371600" lvl="2" indent="-298450">
               <a:spcBef>
                 <a:spcPts val="0"/>
               </a:spcBef>
@@ -5998,7 +5958,7 @@
               <a:buChar char="■"/>
               <a:defRPr/>
             </a:lvl3pPr>
-            <a:lvl4pPr indent="-298450" lvl="3" marL="1828800">
+            <a:lvl4pPr marL="1828800" lvl="3" indent="-298450">
               <a:spcBef>
                 <a:spcPts val="0"/>
               </a:spcBef>
@@ -6009,7 +5969,7 @@
               <a:buChar char="●"/>
               <a:defRPr/>
             </a:lvl4pPr>
-            <a:lvl5pPr indent="-298450" lvl="4" marL="2286000">
+            <a:lvl5pPr marL="2286000" lvl="4" indent="-298450">
               <a:spcBef>
                 <a:spcPts val="0"/>
               </a:spcBef>
@@ -6020,7 +5980,7 @@
               <a:buChar char="○"/>
               <a:defRPr/>
             </a:lvl5pPr>
-            <a:lvl6pPr indent="-298450" lvl="5" marL="2743200">
+            <a:lvl6pPr marL="2743200" lvl="5" indent="-298450">
               <a:spcBef>
                 <a:spcPts val="0"/>
               </a:spcBef>
@@ -6031,7 +5991,7 @@
               <a:buChar char="■"/>
               <a:defRPr/>
             </a:lvl6pPr>
-            <a:lvl7pPr indent="-298450" lvl="6" marL="3200400">
+            <a:lvl7pPr marL="3200400" lvl="6" indent="-298450">
               <a:spcBef>
                 <a:spcPts val="0"/>
               </a:spcBef>
@@ -6042,7 +6002,7 @@
               <a:buChar char="●"/>
               <a:defRPr/>
             </a:lvl7pPr>
-            <a:lvl8pPr indent="-298450" lvl="7" marL="3657600">
+            <a:lvl8pPr marL="3657600" lvl="7" indent="-298450">
               <a:spcBef>
                 <a:spcPts val="0"/>
               </a:spcBef>
@@ -6053,7 +6013,7 @@
               <a:buChar char="○"/>
               <a:defRPr/>
             </a:lvl8pPr>
-            <a:lvl9pPr indent="-298450" lvl="8" marL="4114800">
+            <a:lvl9pPr marL="4114800" lvl="8" indent="-298450">
               <a:spcBef>
                 <a:spcPts val="0"/>
               </a:spcBef>
@@ -6065,15 +6025,19 @@
               <a:defRPr/>
             </a:lvl9pPr>
           </a:lstStyle>
-          <a:p/>
+          <a:p>
+            <a:endParaRPr/>
+          </a:p>
         </p:txBody>
       </p:sp>
       <p:sp>
         <p:nvSpPr>
           <p:cNvPr id="68" name="Google Shape;68;p7"/>
-          <p:cNvSpPr txBox="1"/>
+          <p:cNvSpPr txBox="1">
+            <a:spLocks noGrp="1"/>
+          </p:cNvSpPr>
           <p:nvPr>
-            <p:ph idx="12" type="sldNum"/>
+            <p:ph type="sldNum" idx="12"/>
           </p:nvPr>
         </p:nvSpPr>
         <p:spPr>
@@ -6086,7 +6050,7 @@
           </a:prstGeom>
         </p:spPr>
         <p:txBody>
-          <a:bodyPr anchorCtr="0" anchor="ctr" bIns="91425" lIns="91425" spcFirstLastPara="1" rIns="91425" wrap="square" tIns="91425">
+          <a:bodyPr spcFirstLastPara="1" wrap="square" lIns="91425" tIns="91425" rIns="91425" bIns="91425" anchor="ctr" anchorCtr="0">
             <a:normAutofit/>
           </a:bodyPr>
           <a:lstStyle>
@@ -6128,7 +6092,7 @@
             </a:lvl9pPr>
           </a:lstStyle>
           <a:p>
-            <a:pPr indent="0" lvl="0" marL="0" rtl="0" algn="r">
+            <a:pPr marL="0" lvl="0" indent="0" algn="r" rtl="0">
               <a:spcBef>
                 <a:spcPts val="0"/>
               </a:spcBef>
@@ -6154,11 +6118,11 @@
 </file>
 
 <file path=ppt/slideLayouts/slideLayout7.xml><?xml version="1.0" encoding="utf-8"?>
-<p:sldLayout xmlns:a="http://schemas.openxmlformats.org/drawingml/2006/main" xmlns:r="http://schemas.openxmlformats.org/officeDocument/2006/relationships" xmlns:mc="http://schemas.openxmlformats.org/markup-compatibility/2006" xmlns:mv="urn:schemas-microsoft-com:mac:vml" xmlns:p="http://schemas.openxmlformats.org/presentationml/2006/main" xmlns:c="http://schemas.openxmlformats.org/drawingml/2006/chart" xmlns:dgm="http://schemas.openxmlformats.org/drawingml/2006/diagram" xmlns:o="urn:schemas-microsoft-com:office:office" xmlns:v="urn:schemas-microsoft-com:vml" xmlns:pvml="urn:schemas-microsoft-com:office:powerpoint" xmlns:com="http://schemas.openxmlformats.org/drawingml/2006/compatibility" xmlns:p14="http://schemas.microsoft.com/office/powerpoint/2010/main" xmlns:p15="http://schemas.microsoft.com/office/powerpoint/2012/main" xmlns:ahyp="http://schemas.microsoft.com/office/drawing/2018/hyperlinkcolor" matchingName="Main point">
+<p:sldLayout xmlns:a="http://schemas.openxmlformats.org/drawingml/2006/main" xmlns:r="http://schemas.openxmlformats.org/officeDocument/2006/relationships" xmlns:p="http://schemas.openxmlformats.org/presentationml/2006/main" matchingName="Main point">
   <p:cSld name="MAIN_POINT">
     <p:spTree>
       <p:nvGrpSpPr>
-        <p:cNvPr id="69" name="Shape 69"/>
+        <p:cNvPr id="1" name="Shape 69"/>
         <p:cNvGrpSpPr/>
         <p:nvPr/>
       </p:nvGrpSpPr>
@@ -6197,7 +6161,7 @@
             </a:xfrm>
             <a:prstGeom prst="diagStripe">
               <a:avLst>
-                <a:gd fmla="val 49469" name="adj"/>
+                <a:gd name="adj" fmla="val 49469"/>
               </a:avLst>
             </a:prstGeom>
             <a:solidFill>
@@ -6210,12 +6174,12 @@
             </a:ln>
           </p:spPr>
           <p:txBody>
-            <a:bodyPr anchorCtr="0" anchor="ctr" bIns="91425" lIns="91425" spcFirstLastPara="1" rIns="91425" wrap="square" tIns="91425">
+            <a:bodyPr spcFirstLastPara="1" wrap="square" lIns="91425" tIns="91425" rIns="91425" bIns="91425" anchor="ctr" anchorCtr="0">
               <a:noAutofit/>
             </a:bodyPr>
             <a:lstStyle/>
             <a:p>
-              <a:pPr indent="0" lvl="0" marL="0" rtl="0" algn="l">
+              <a:pPr marL="0" lvl="0" indent="0" algn="l" rtl="0">
                 <a:spcBef>
                   <a:spcPts val="0"/>
                 </a:spcBef>
@@ -6224,9 +6188,6 @@
                 </a:spcAft>
                 <a:buNone/>
               </a:pPr>
-              <a:r>
-                <a:t/>
-              </a:r>
               <a:endParaRPr/>
             </a:p>
           </p:txBody>
@@ -6244,7 +6205,7 @@
             </a:xfrm>
             <a:prstGeom prst="diagStripe">
               <a:avLst>
-                <a:gd fmla="val 0" name="adj"/>
+                <a:gd name="adj" fmla="val 0"/>
               </a:avLst>
             </a:prstGeom>
             <a:solidFill>
@@ -6257,12 +6218,12 @@
             </a:ln>
           </p:spPr>
           <p:txBody>
-            <a:bodyPr anchorCtr="0" anchor="ctr" bIns="91425" lIns="91425" spcFirstLastPara="1" rIns="91425" wrap="square" tIns="91425">
+            <a:bodyPr spcFirstLastPara="1" wrap="square" lIns="91425" tIns="91425" rIns="91425" bIns="91425" anchor="ctr" anchorCtr="0">
               <a:noAutofit/>
             </a:bodyPr>
             <a:lstStyle/>
             <a:p>
-              <a:pPr indent="0" lvl="0" marL="0" rtl="0" algn="l">
+              <a:pPr marL="0" lvl="0" indent="0" algn="l" rtl="0">
                 <a:spcBef>
                   <a:spcPts val="0"/>
                 </a:spcBef>
@@ -6271,9 +6232,6 @@
                 </a:spcAft>
                 <a:buNone/>
               </a:pPr>
-              <a:r>
-                <a:t/>
-              </a:r>
               <a:endParaRPr/>
             </a:p>
           </p:txBody>
@@ -6291,7 +6249,7 @@
             </a:xfrm>
             <a:prstGeom prst="diagStripe">
               <a:avLst>
-                <a:gd fmla="val 50000" name="adj"/>
+                <a:gd name="adj" fmla="val 50000"/>
               </a:avLst>
             </a:prstGeom>
             <a:solidFill>
@@ -6304,12 +6262,12 @@
             </a:ln>
           </p:spPr>
           <p:txBody>
-            <a:bodyPr anchorCtr="0" anchor="ctr" bIns="91425" lIns="91425" spcFirstLastPara="1" rIns="91425" wrap="square" tIns="91425">
+            <a:bodyPr spcFirstLastPara="1" wrap="square" lIns="91425" tIns="91425" rIns="91425" bIns="91425" anchor="ctr" anchorCtr="0">
               <a:noAutofit/>
             </a:bodyPr>
             <a:lstStyle/>
             <a:p>
-              <a:pPr indent="0" lvl="0" marL="0" rtl="0" algn="l">
+              <a:pPr marL="0" lvl="0" indent="0" algn="l" rtl="0">
                 <a:spcBef>
                   <a:spcPts val="0"/>
                 </a:spcBef>
@@ -6318,9 +6276,6 @@
                 </a:spcAft>
                 <a:buNone/>
               </a:pPr>
-              <a:r>
-                <a:t/>
-              </a:r>
               <a:endParaRPr/>
             </a:p>
           </p:txBody>
@@ -6338,7 +6293,7 @@
             </a:xfrm>
             <a:prstGeom prst="diagStripe">
               <a:avLst>
-                <a:gd fmla="val 50000" name="adj"/>
+                <a:gd name="adj" fmla="val 50000"/>
               </a:avLst>
             </a:prstGeom>
             <a:solidFill>
@@ -6351,12 +6306,12 @@
             </a:ln>
           </p:spPr>
           <p:txBody>
-            <a:bodyPr anchorCtr="0" anchor="ctr" bIns="91425" lIns="91425" spcFirstLastPara="1" rIns="91425" wrap="square" tIns="91425">
+            <a:bodyPr spcFirstLastPara="1" wrap="square" lIns="91425" tIns="91425" rIns="91425" bIns="91425" anchor="ctr" anchorCtr="0">
               <a:noAutofit/>
             </a:bodyPr>
             <a:lstStyle/>
             <a:p>
-              <a:pPr indent="0" lvl="0" marL="0" rtl="0" algn="l">
+              <a:pPr marL="0" lvl="0" indent="0" algn="l" rtl="0">
                 <a:spcBef>
                   <a:spcPts val="0"/>
                 </a:spcBef>
@@ -6365,9 +6320,6 @@
                 </a:spcAft>
                 <a:buNone/>
               </a:pPr>
-              <a:r>
-                <a:t/>
-              </a:r>
               <a:endParaRPr/>
             </a:p>
           </p:txBody>
@@ -6385,7 +6337,7 @@
             </a:xfrm>
             <a:prstGeom prst="diagStripe">
               <a:avLst>
-                <a:gd fmla="val 50000" name="adj"/>
+                <a:gd name="adj" fmla="val 50000"/>
               </a:avLst>
             </a:prstGeom>
             <a:solidFill>
@@ -6398,12 +6350,12 @@
             </a:ln>
           </p:spPr>
           <p:txBody>
-            <a:bodyPr anchorCtr="0" anchor="ctr" bIns="91425" lIns="91425" spcFirstLastPara="1" rIns="91425" wrap="square" tIns="91425">
+            <a:bodyPr spcFirstLastPara="1" wrap="square" lIns="91425" tIns="91425" rIns="91425" bIns="91425" anchor="ctr" anchorCtr="0">
               <a:noAutofit/>
             </a:bodyPr>
             <a:lstStyle/>
             <a:p>
-              <a:pPr indent="0" lvl="0" marL="0" rtl="0" algn="l">
+              <a:pPr marL="0" lvl="0" indent="0" algn="l" rtl="0">
                 <a:spcBef>
                   <a:spcPts val="0"/>
                 </a:spcBef>
@@ -6412,9 +6364,6 @@
                 </a:spcAft>
                 <a:buNone/>
               </a:pPr>
-              <a:r>
-                <a:t/>
-              </a:r>
               <a:endParaRPr/>
             </a:p>
           </p:txBody>
@@ -6432,7 +6381,7 @@
             </a:xfrm>
             <a:prstGeom prst="diagStripe">
               <a:avLst>
-                <a:gd fmla="val 50000" name="adj"/>
+                <a:gd name="adj" fmla="val 50000"/>
               </a:avLst>
             </a:prstGeom>
             <a:solidFill>
@@ -6445,12 +6394,12 @@
             </a:ln>
           </p:spPr>
           <p:txBody>
-            <a:bodyPr anchorCtr="0" anchor="ctr" bIns="91425" lIns="91425" spcFirstLastPara="1" rIns="91425" wrap="square" tIns="91425">
+            <a:bodyPr spcFirstLastPara="1" wrap="square" lIns="91425" tIns="91425" rIns="91425" bIns="91425" anchor="ctr" anchorCtr="0">
               <a:noAutofit/>
             </a:bodyPr>
             <a:lstStyle/>
             <a:p>
-              <a:pPr indent="0" lvl="0" marL="0" rtl="0" algn="l">
+              <a:pPr marL="0" lvl="0" indent="0" algn="l" rtl="0">
                 <a:spcBef>
                   <a:spcPts val="0"/>
                 </a:spcBef>
@@ -6459,9 +6408,6 @@
                 </a:spcAft>
                 <a:buNone/>
               </a:pPr>
-              <a:r>
-                <a:t/>
-              </a:r>
               <a:endParaRPr/>
             </a:p>
           </p:txBody>
@@ -6479,7 +6425,7 @@
             </a:xfrm>
             <a:prstGeom prst="diagStripe">
               <a:avLst>
-                <a:gd fmla="val 50000" name="adj"/>
+                <a:gd name="adj" fmla="val 50000"/>
               </a:avLst>
             </a:prstGeom>
             <a:solidFill>
@@ -6492,12 +6438,12 @@
             </a:ln>
           </p:spPr>
           <p:txBody>
-            <a:bodyPr anchorCtr="0" anchor="ctr" bIns="91425" lIns="91425" spcFirstLastPara="1" rIns="91425" wrap="square" tIns="91425">
+            <a:bodyPr spcFirstLastPara="1" wrap="square" lIns="91425" tIns="91425" rIns="91425" bIns="91425" anchor="ctr" anchorCtr="0">
               <a:noAutofit/>
             </a:bodyPr>
             <a:lstStyle/>
             <a:p>
-              <a:pPr indent="0" lvl="0" marL="0" rtl="0" algn="l">
+              <a:pPr marL="0" lvl="0" indent="0" algn="l" rtl="0">
                 <a:spcBef>
                   <a:spcPts val="0"/>
                 </a:spcBef>
@@ -6506,9 +6452,6 @@
                 </a:spcAft>
                 <a:buNone/>
               </a:pPr>
-              <a:r>
-                <a:t/>
-              </a:r>
               <a:endParaRPr/>
             </a:p>
           </p:txBody>
@@ -6526,7 +6469,7 @@
             </a:xfrm>
             <a:prstGeom prst="diagStripe">
               <a:avLst>
-                <a:gd fmla="val 50000" name="adj"/>
+                <a:gd name="adj" fmla="val 50000"/>
               </a:avLst>
             </a:prstGeom>
             <a:solidFill>
@@ -6537,12 +6480,12 @@
             </a:ln>
           </p:spPr>
           <p:txBody>
-            <a:bodyPr anchorCtr="0" anchor="ctr" bIns="91425" lIns="91425" spcFirstLastPara="1" rIns="91425" wrap="square" tIns="91425">
+            <a:bodyPr spcFirstLastPara="1" wrap="square" lIns="91425" tIns="91425" rIns="91425" bIns="91425" anchor="ctr" anchorCtr="0">
               <a:noAutofit/>
             </a:bodyPr>
             <a:lstStyle/>
             <a:p>
-              <a:pPr indent="0" lvl="0" marL="0" rtl="0" algn="l">
+              <a:pPr marL="0" lvl="0" indent="0" algn="l" rtl="0">
                 <a:spcBef>
                   <a:spcPts val="0"/>
                 </a:spcBef>
@@ -6551,9 +6494,6 @@
                 </a:spcAft>
                 <a:buNone/>
               </a:pPr>
-              <a:r>
-                <a:t/>
-              </a:r>
               <a:endParaRPr/>
             </a:p>
           </p:txBody>
@@ -6571,7 +6511,7 @@
             </a:xfrm>
             <a:prstGeom prst="diagStripe">
               <a:avLst>
-                <a:gd fmla="val 50000" name="adj"/>
+                <a:gd name="adj" fmla="val 50000"/>
               </a:avLst>
             </a:prstGeom>
             <a:solidFill>
@@ -6584,12 +6524,12 @@
             </a:ln>
           </p:spPr>
           <p:txBody>
-            <a:bodyPr anchorCtr="0" anchor="ctr" bIns="91425" lIns="91425" spcFirstLastPara="1" rIns="91425" wrap="square" tIns="91425">
+            <a:bodyPr spcFirstLastPara="1" wrap="square" lIns="91425" tIns="91425" rIns="91425" bIns="91425" anchor="ctr" anchorCtr="0">
               <a:noAutofit/>
             </a:bodyPr>
             <a:lstStyle/>
             <a:p>
-              <a:pPr indent="0" lvl="0" marL="0" rtl="0" algn="l">
+              <a:pPr marL="0" lvl="0" indent="0" algn="l" rtl="0">
                 <a:spcBef>
                   <a:spcPts val="0"/>
                 </a:spcBef>
@@ -6598,9 +6538,6 @@
                 </a:spcAft>
                 <a:buNone/>
               </a:pPr>
-              <a:r>
-                <a:t/>
-              </a:r>
               <a:endParaRPr/>
             </a:p>
           </p:txBody>
@@ -6618,7 +6555,7 @@
             </a:xfrm>
             <a:prstGeom prst="diagStripe">
               <a:avLst>
-                <a:gd fmla="val 50000" name="adj"/>
+                <a:gd name="adj" fmla="val 50000"/>
               </a:avLst>
             </a:prstGeom>
             <a:solidFill>
@@ -6631,12 +6568,12 @@
             </a:ln>
           </p:spPr>
           <p:txBody>
-            <a:bodyPr anchorCtr="0" anchor="ctr" bIns="91425" lIns="91425" spcFirstLastPara="1" rIns="91425" wrap="square" tIns="91425">
+            <a:bodyPr spcFirstLastPara="1" wrap="square" lIns="91425" tIns="91425" rIns="91425" bIns="91425" anchor="ctr" anchorCtr="0">
               <a:noAutofit/>
             </a:bodyPr>
             <a:lstStyle/>
             <a:p>
-              <a:pPr indent="0" lvl="0" marL="0" rtl="0" algn="l">
+              <a:pPr marL="0" lvl="0" indent="0" algn="l" rtl="0">
                 <a:spcBef>
                   <a:spcPts val="0"/>
                 </a:spcBef>
@@ -6645,9 +6582,6 @@
                 </a:spcAft>
                 <a:buNone/>
               </a:pPr>
-              <a:r>
-                <a:t/>
-              </a:r>
               <a:endParaRPr/>
             </a:p>
           </p:txBody>
@@ -6665,7 +6599,7 @@
             </a:xfrm>
             <a:prstGeom prst="diagStripe">
               <a:avLst>
-                <a:gd fmla="val 50000" name="adj"/>
+                <a:gd name="adj" fmla="val 50000"/>
               </a:avLst>
             </a:prstGeom>
             <a:solidFill>
@@ -6678,12 +6612,12 @@
             </a:ln>
           </p:spPr>
           <p:txBody>
-            <a:bodyPr anchorCtr="0" anchor="ctr" bIns="91425" lIns="91425" spcFirstLastPara="1" rIns="91425" wrap="square" tIns="91425">
+            <a:bodyPr spcFirstLastPara="1" wrap="square" lIns="91425" tIns="91425" rIns="91425" bIns="91425" anchor="ctr" anchorCtr="0">
               <a:noAutofit/>
             </a:bodyPr>
             <a:lstStyle/>
             <a:p>
-              <a:pPr indent="0" lvl="0" marL="0" rtl="0" algn="l">
+              <a:pPr marL="0" lvl="0" indent="0" algn="l" rtl="0">
                 <a:spcBef>
                   <a:spcPts val="0"/>
                 </a:spcBef>
@@ -6692,9 +6626,6 @@
                 </a:spcAft>
                 <a:buNone/>
               </a:pPr>
-              <a:r>
-                <a:t/>
-              </a:r>
               <a:endParaRPr/>
             </a:p>
           </p:txBody>
@@ -6712,7 +6643,7 @@
             </a:xfrm>
             <a:prstGeom prst="diagStripe">
               <a:avLst>
-                <a:gd fmla="val 50000" name="adj"/>
+                <a:gd name="adj" fmla="val 50000"/>
               </a:avLst>
             </a:prstGeom>
             <a:solidFill>
@@ -6725,12 +6656,12 @@
             </a:ln>
           </p:spPr>
           <p:txBody>
-            <a:bodyPr anchorCtr="0" anchor="ctr" bIns="91425" lIns="91425" spcFirstLastPara="1" rIns="91425" wrap="square" tIns="91425">
+            <a:bodyPr spcFirstLastPara="1" wrap="square" lIns="91425" tIns="91425" rIns="91425" bIns="91425" anchor="ctr" anchorCtr="0">
               <a:noAutofit/>
             </a:bodyPr>
             <a:lstStyle/>
             <a:p>
-              <a:pPr indent="0" lvl="0" marL="0" rtl="0" algn="l">
+              <a:pPr marL="0" lvl="0" indent="0" algn="l" rtl="0">
                 <a:spcBef>
                   <a:spcPts val="0"/>
                 </a:spcBef>
@@ -6739,9 +6670,6 @@
                 </a:spcAft>
                 <a:buNone/>
               </a:pPr>
-              <a:r>
-                <a:t/>
-              </a:r>
               <a:endParaRPr/>
             </a:p>
           </p:txBody>
@@ -6759,7 +6687,7 @@
             </a:xfrm>
             <a:prstGeom prst="diagStripe">
               <a:avLst>
-                <a:gd fmla="val 50000" name="adj"/>
+                <a:gd name="adj" fmla="val 50000"/>
               </a:avLst>
             </a:prstGeom>
             <a:solidFill>
@@ -6772,12 +6700,12 @@
             </a:ln>
           </p:spPr>
           <p:txBody>
-            <a:bodyPr anchorCtr="0" anchor="ctr" bIns="91425" lIns="91425" spcFirstLastPara="1" rIns="91425" wrap="square" tIns="91425">
+            <a:bodyPr spcFirstLastPara="1" wrap="square" lIns="91425" tIns="91425" rIns="91425" bIns="91425" anchor="ctr" anchorCtr="0">
               <a:noAutofit/>
             </a:bodyPr>
             <a:lstStyle/>
             <a:p>
-              <a:pPr indent="0" lvl="0" marL="0" rtl="0" algn="l">
+              <a:pPr marL="0" lvl="0" indent="0" algn="l" rtl="0">
                 <a:spcBef>
                   <a:spcPts val="0"/>
                 </a:spcBef>
@@ -6786,9 +6714,6 @@
                 </a:spcAft>
                 <a:buNone/>
               </a:pPr>
-              <a:r>
-                <a:t/>
-              </a:r>
               <a:endParaRPr/>
             </a:p>
           </p:txBody>
@@ -6806,7 +6731,7 @@
             </a:xfrm>
             <a:prstGeom prst="diagStripe">
               <a:avLst>
-                <a:gd fmla="val 50000" name="adj"/>
+                <a:gd name="adj" fmla="val 50000"/>
               </a:avLst>
             </a:prstGeom>
             <a:solidFill>
@@ -6817,12 +6742,12 @@
             </a:ln>
           </p:spPr>
           <p:txBody>
-            <a:bodyPr anchorCtr="0" anchor="ctr" bIns="91425" lIns="91425" spcFirstLastPara="1" rIns="91425" wrap="square" tIns="91425">
+            <a:bodyPr spcFirstLastPara="1" wrap="square" lIns="91425" tIns="91425" rIns="91425" bIns="91425" anchor="ctr" anchorCtr="0">
               <a:noAutofit/>
             </a:bodyPr>
             <a:lstStyle/>
             <a:p>
-              <a:pPr indent="0" lvl="0" marL="0" rtl="0" algn="l">
+              <a:pPr marL="0" lvl="0" indent="0" algn="l" rtl="0">
                 <a:spcBef>
                   <a:spcPts val="0"/>
                 </a:spcBef>
@@ -6831,9 +6756,6 @@
                 </a:spcAft>
                 <a:buNone/>
               </a:pPr>
-              <a:r>
-                <a:t/>
-              </a:r>
               <a:endParaRPr/>
             </a:p>
           </p:txBody>
@@ -6851,7 +6773,7 @@
             </a:xfrm>
             <a:prstGeom prst="diagStripe">
               <a:avLst>
-                <a:gd fmla="val 50000" name="adj"/>
+                <a:gd name="adj" fmla="val 50000"/>
               </a:avLst>
             </a:prstGeom>
             <a:solidFill>
@@ -6864,12 +6786,12 @@
             </a:ln>
           </p:spPr>
           <p:txBody>
-            <a:bodyPr anchorCtr="0" anchor="ctr" bIns="91425" lIns="91425" spcFirstLastPara="1" rIns="91425" wrap="square" tIns="91425">
+            <a:bodyPr spcFirstLastPara="1" wrap="square" lIns="91425" tIns="91425" rIns="91425" bIns="91425" anchor="ctr" anchorCtr="0">
               <a:noAutofit/>
             </a:bodyPr>
             <a:lstStyle/>
             <a:p>
-              <a:pPr indent="0" lvl="0" marL="0" rtl="0" algn="l">
+              <a:pPr marL="0" lvl="0" indent="0" algn="l" rtl="0">
                 <a:spcBef>
                   <a:spcPts val="0"/>
                 </a:spcBef>
@@ -6878,9 +6800,6 @@
                 </a:spcAft>
                 <a:buNone/>
               </a:pPr>
-              <a:r>
-                <a:t/>
-              </a:r>
               <a:endParaRPr/>
             </a:p>
           </p:txBody>
@@ -6898,7 +6817,7 @@
             </a:xfrm>
             <a:prstGeom prst="diagStripe">
               <a:avLst>
-                <a:gd fmla="val 50000" name="adj"/>
+                <a:gd name="adj" fmla="val 50000"/>
               </a:avLst>
             </a:prstGeom>
             <a:solidFill>
@@ -6911,12 +6830,12 @@
             </a:ln>
           </p:spPr>
           <p:txBody>
-            <a:bodyPr anchorCtr="0" anchor="ctr" bIns="91425" lIns="91425" spcFirstLastPara="1" rIns="91425" wrap="square" tIns="91425">
+            <a:bodyPr spcFirstLastPara="1" wrap="square" lIns="91425" tIns="91425" rIns="91425" bIns="91425" anchor="ctr" anchorCtr="0">
               <a:noAutofit/>
             </a:bodyPr>
             <a:lstStyle/>
             <a:p>
-              <a:pPr indent="0" lvl="0" marL="0" rtl="0" algn="l">
+              <a:pPr marL="0" lvl="0" indent="0" algn="l" rtl="0">
                 <a:spcBef>
                   <a:spcPts val="0"/>
                 </a:spcBef>
@@ -6925,9 +6844,6 @@
                 </a:spcAft>
                 <a:buNone/>
               </a:pPr>
-              <a:r>
-                <a:t/>
-              </a:r>
               <a:endParaRPr/>
             </a:p>
           </p:txBody>
@@ -6945,7 +6861,7 @@
             </a:xfrm>
             <a:prstGeom prst="diagStripe">
               <a:avLst>
-                <a:gd fmla="val 50000" name="adj"/>
+                <a:gd name="adj" fmla="val 50000"/>
               </a:avLst>
             </a:prstGeom>
             <a:solidFill>
@@ -6958,12 +6874,12 @@
             </a:ln>
           </p:spPr>
           <p:txBody>
-            <a:bodyPr anchorCtr="0" anchor="ctr" bIns="91425" lIns="91425" spcFirstLastPara="1" rIns="91425" wrap="square" tIns="91425">
+            <a:bodyPr spcFirstLastPara="1" wrap="square" lIns="91425" tIns="91425" rIns="91425" bIns="91425" anchor="ctr" anchorCtr="0">
               <a:noAutofit/>
             </a:bodyPr>
             <a:lstStyle/>
             <a:p>
-              <a:pPr indent="0" lvl="0" marL="0" rtl="0" algn="l">
+              <a:pPr marL="0" lvl="0" indent="0" algn="l" rtl="0">
                 <a:spcBef>
                   <a:spcPts val="0"/>
                 </a:spcBef>
@@ -6972,9 +6888,6 @@
                 </a:spcAft>
                 <a:buNone/>
               </a:pPr>
-              <a:r>
-                <a:t/>
-              </a:r>
               <a:endParaRPr/>
             </a:p>
           </p:txBody>
@@ -6992,7 +6905,7 @@
             </a:xfrm>
             <a:prstGeom prst="diagStripe">
               <a:avLst>
-                <a:gd fmla="val 50000" name="adj"/>
+                <a:gd name="adj" fmla="val 50000"/>
               </a:avLst>
             </a:prstGeom>
             <a:solidFill>
@@ -7005,12 +6918,12 @@
             </a:ln>
           </p:spPr>
           <p:txBody>
-            <a:bodyPr anchorCtr="0" anchor="ctr" bIns="91425" lIns="91425" spcFirstLastPara="1" rIns="91425" wrap="square" tIns="91425">
+            <a:bodyPr spcFirstLastPara="1" wrap="square" lIns="91425" tIns="91425" rIns="91425" bIns="91425" anchor="ctr" anchorCtr="0">
               <a:noAutofit/>
             </a:bodyPr>
             <a:lstStyle/>
             <a:p>
-              <a:pPr indent="0" lvl="0" marL="0" rtl="0" algn="l">
+              <a:pPr marL="0" lvl="0" indent="0" algn="l" rtl="0">
                 <a:spcBef>
                   <a:spcPts val="0"/>
                 </a:spcBef>
@@ -7019,9 +6932,6 @@
                 </a:spcAft>
                 <a:buNone/>
               </a:pPr>
-              <a:r>
-                <a:t/>
-              </a:r>
               <a:endParaRPr/>
             </a:p>
           </p:txBody>
@@ -7030,7 +6940,9 @@
       <p:sp>
         <p:nvSpPr>
           <p:cNvPr id="89" name="Google Shape;89;p8"/>
-          <p:cNvSpPr txBox="1"/>
+          <p:cNvSpPr txBox="1">
+            <a:spLocks noGrp="1"/>
+          </p:cNvSpPr>
           <p:nvPr>
             <p:ph type="title"/>
           </p:nvPr>
@@ -7045,7 +6957,7 @@
           </a:prstGeom>
         </p:spPr>
         <p:txBody>
-          <a:bodyPr anchorCtr="0" anchor="ctr" bIns="91425" lIns="91425" spcFirstLastPara="1" rIns="91425" wrap="square" tIns="91425">
+          <a:bodyPr spcFirstLastPara="1" wrap="square" lIns="91425" tIns="91425" rIns="91425" bIns="91425" anchor="ctr" anchorCtr="0">
             <a:normAutofit/>
           </a:bodyPr>
           <a:lstStyle>
@@ -7149,15 +7061,19 @@
               <a:defRPr/>
             </a:lvl9pPr>
           </a:lstStyle>
-          <a:p/>
+          <a:p>
+            <a:endParaRPr/>
+          </a:p>
         </p:txBody>
       </p:sp>
       <p:sp>
         <p:nvSpPr>
           <p:cNvPr id="90" name="Google Shape;90;p8"/>
-          <p:cNvSpPr txBox="1"/>
+          <p:cNvSpPr txBox="1">
+            <a:spLocks noGrp="1"/>
+          </p:cNvSpPr>
           <p:nvPr>
-            <p:ph idx="12" type="sldNum"/>
+            <p:ph type="sldNum" idx="12"/>
           </p:nvPr>
         </p:nvSpPr>
         <p:spPr>
@@ -7170,7 +7086,7 @@
           </a:prstGeom>
         </p:spPr>
         <p:txBody>
-          <a:bodyPr anchorCtr="0" anchor="ctr" bIns="91425" lIns="91425" spcFirstLastPara="1" rIns="91425" wrap="square" tIns="91425">
+          <a:bodyPr spcFirstLastPara="1" wrap="square" lIns="91425" tIns="91425" rIns="91425" bIns="91425" anchor="ctr" anchorCtr="0">
             <a:normAutofit/>
           </a:bodyPr>
           <a:lstStyle>
@@ -7212,7 +7128,7 @@
             </a:lvl9pPr>
           </a:lstStyle>
           <a:p>
-            <a:pPr indent="0" lvl="0" marL="0" rtl="0" algn="r">
+            <a:pPr marL="0" lvl="0" indent="0" algn="r" rtl="0">
               <a:spcBef>
                 <a:spcPts val="0"/>
               </a:spcBef>
@@ -7238,11 +7154,11 @@
 </file>
 
 <file path=ppt/slideLayouts/slideLayout8.xml><?xml version="1.0" encoding="utf-8"?>
-<p:sldLayout xmlns:a="http://schemas.openxmlformats.org/drawingml/2006/main" xmlns:r="http://schemas.openxmlformats.org/officeDocument/2006/relationships" xmlns:mc="http://schemas.openxmlformats.org/markup-compatibility/2006" xmlns:mv="urn:schemas-microsoft-com:mac:vml" xmlns:p="http://schemas.openxmlformats.org/presentationml/2006/main" xmlns:c="http://schemas.openxmlformats.org/drawingml/2006/chart" xmlns:dgm="http://schemas.openxmlformats.org/drawingml/2006/diagram" xmlns:o="urn:schemas-microsoft-com:office:office" xmlns:v="urn:schemas-microsoft-com:vml" xmlns:pvml="urn:schemas-microsoft-com:office:powerpoint" xmlns:com="http://schemas.openxmlformats.org/drawingml/2006/compatibility" xmlns:p14="http://schemas.microsoft.com/office/powerpoint/2010/main" xmlns:p15="http://schemas.microsoft.com/office/powerpoint/2012/main" xmlns:ahyp="http://schemas.microsoft.com/office/drawing/2018/hyperlinkcolor" matchingName="Section title and description">
+<p:sldLayout xmlns:a="http://schemas.openxmlformats.org/drawingml/2006/main" xmlns:r="http://schemas.openxmlformats.org/officeDocument/2006/relationships" xmlns:p="http://schemas.openxmlformats.org/presentationml/2006/main" matchingName="Section title and description">
   <p:cSld name="SECTION_TITLE_AND_DESCRIPTION">
     <p:spTree>
       <p:nvGrpSpPr>
-        <p:cNvPr id="91" name="Shape 91"/>
+        <p:cNvPr id="1" name="Shape 91"/>
         <p:cNvGrpSpPr/>
         <p:nvPr/>
       </p:nvGrpSpPr>
@@ -7281,7 +7197,7 @@
             </a:xfrm>
             <a:prstGeom prst="diagStripe">
               <a:avLst>
-                <a:gd fmla="val 50000" name="adj"/>
+                <a:gd name="adj" fmla="val 50000"/>
               </a:avLst>
             </a:prstGeom>
             <a:solidFill>
@@ -7292,12 +7208,12 @@
             </a:ln>
           </p:spPr>
           <p:txBody>
-            <a:bodyPr anchorCtr="0" anchor="ctr" bIns="91425" lIns="91425" spcFirstLastPara="1" rIns="91425" wrap="square" tIns="91425">
+            <a:bodyPr spcFirstLastPara="1" wrap="square" lIns="91425" tIns="91425" rIns="91425" bIns="91425" anchor="ctr" anchorCtr="0">
               <a:noAutofit/>
             </a:bodyPr>
             <a:lstStyle/>
             <a:p>
-              <a:pPr indent="0" lvl="0" marL="0" rtl="0" algn="l">
+              <a:pPr marL="0" lvl="0" indent="0" algn="l" rtl="0">
                 <a:spcBef>
                   <a:spcPts val="0"/>
                 </a:spcBef>
@@ -7306,9 +7222,6 @@
                 </a:spcAft>
                 <a:buNone/>
               </a:pPr>
-              <a:r>
-                <a:t/>
-              </a:r>
               <a:endParaRPr/>
             </a:p>
           </p:txBody>
@@ -7326,7 +7239,7 @@
             </a:xfrm>
             <a:prstGeom prst="diagStripe">
               <a:avLst>
-                <a:gd fmla="val 50000" name="adj"/>
+                <a:gd name="adj" fmla="val 50000"/>
               </a:avLst>
             </a:prstGeom>
             <a:solidFill>
@@ -7337,12 +7250,12 @@
             </a:ln>
           </p:spPr>
           <p:txBody>
-            <a:bodyPr anchorCtr="0" anchor="ctr" bIns="91425" lIns="91425" spcFirstLastPara="1" rIns="91425" wrap="square" tIns="91425">
+            <a:bodyPr spcFirstLastPara="1" wrap="square" lIns="91425" tIns="91425" rIns="91425" bIns="91425" anchor="ctr" anchorCtr="0">
               <a:noAutofit/>
             </a:bodyPr>
             <a:lstStyle/>
             <a:p>
-              <a:pPr indent="0" lvl="0" marL="0" rtl="0" algn="l">
+              <a:pPr marL="0" lvl="0" indent="0" algn="l" rtl="0">
                 <a:spcBef>
                   <a:spcPts val="0"/>
                 </a:spcBef>
@@ -7351,9 +7264,6 @@
                 </a:spcAft>
                 <a:buNone/>
               </a:pPr>
-              <a:r>
-                <a:t/>
-              </a:r>
               <a:endParaRPr/>
             </a:p>
           </p:txBody>
@@ -7362,7 +7272,9 @@
       <p:sp>
         <p:nvSpPr>
           <p:cNvPr id="95" name="Google Shape;95;p9"/>
-          <p:cNvSpPr txBox="1"/>
+          <p:cNvSpPr txBox="1">
+            <a:spLocks noGrp="1"/>
+          </p:cNvSpPr>
           <p:nvPr>
             <p:ph type="title"/>
           </p:nvPr>
@@ -7377,7 +7289,7 @@
           </a:prstGeom>
         </p:spPr>
         <p:txBody>
-          <a:bodyPr anchorCtr="0" anchor="t" bIns="91425" lIns="91425" spcFirstLastPara="1" rIns="91425" wrap="square" tIns="91425">
+          <a:bodyPr spcFirstLastPara="1" wrap="square" lIns="91425" tIns="91425" rIns="91425" bIns="91425" anchor="t" anchorCtr="0">
             <a:normAutofit/>
           </a:bodyPr>
           <a:lstStyle>
@@ -7481,15 +7393,19 @@
               <a:defRPr sz="2400"/>
             </a:lvl9pPr>
           </a:lstStyle>
-          <a:p/>
+          <a:p>
+            <a:endParaRPr/>
+          </a:p>
         </p:txBody>
       </p:sp>
       <p:sp>
         <p:nvSpPr>
           <p:cNvPr id="96" name="Google Shape;96;p9"/>
-          <p:cNvSpPr txBox="1"/>
+          <p:cNvSpPr txBox="1">
+            <a:spLocks noGrp="1"/>
+          </p:cNvSpPr>
           <p:nvPr>
-            <p:ph idx="1" type="subTitle"/>
+            <p:ph type="subTitle" idx="1"/>
           </p:nvPr>
         </p:nvSpPr>
         <p:spPr>
@@ -7502,7 +7418,7 @@
           </a:prstGeom>
         </p:spPr>
         <p:txBody>
-          <a:bodyPr anchorCtr="0" anchor="t" bIns="91425" lIns="91425" spcFirstLastPara="1" rIns="91425" wrap="square" tIns="91425">
+          <a:bodyPr spcFirstLastPara="1" wrap="square" lIns="91425" tIns="91425" rIns="91425" bIns="91425" anchor="t" anchorCtr="0">
             <a:normAutofit/>
           </a:bodyPr>
           <a:lstStyle>
@@ -7633,15 +7549,19 @@
               <a:defRPr sz="1300"/>
             </a:lvl9pPr>
           </a:lstStyle>
-          <a:p/>
+          <a:p>
+            <a:endParaRPr/>
+          </a:p>
         </p:txBody>
       </p:sp>
       <p:sp>
         <p:nvSpPr>
           <p:cNvPr id="97" name="Google Shape;97;p9"/>
-          <p:cNvSpPr txBox="1"/>
+          <p:cNvSpPr txBox="1">
+            <a:spLocks noGrp="1"/>
+          </p:cNvSpPr>
           <p:nvPr>
-            <p:ph idx="2" type="body"/>
+            <p:ph type="body" idx="2"/>
           </p:nvPr>
         </p:nvSpPr>
         <p:spPr>
@@ -7654,11 +7574,11 @@
           </a:prstGeom>
         </p:spPr>
         <p:txBody>
-          <a:bodyPr anchorCtr="0" anchor="t" bIns="91425" lIns="91425" spcFirstLastPara="1" rIns="91425" wrap="square" tIns="91425">
+          <a:bodyPr spcFirstLastPara="1" wrap="square" lIns="91425" tIns="91425" rIns="91425" bIns="91425" anchor="t" anchorCtr="0">
             <a:normAutofit/>
           </a:bodyPr>
           <a:lstStyle>
-            <a:lvl1pPr indent="-311150" lvl="0" marL="457200">
+            <a:lvl1pPr marL="457200" lvl="0" indent="-311150">
               <a:spcBef>
                 <a:spcPts val="0"/>
               </a:spcBef>
@@ -7669,7 +7589,7 @@
               <a:buChar char="●"/>
               <a:defRPr/>
             </a:lvl1pPr>
-            <a:lvl2pPr indent="-298450" lvl="1" marL="914400">
+            <a:lvl2pPr marL="914400" lvl="1" indent="-298450">
               <a:spcBef>
                 <a:spcPts val="0"/>
               </a:spcBef>
@@ -7680,7 +7600,7 @@
               <a:buChar char="○"/>
               <a:defRPr/>
             </a:lvl2pPr>
-            <a:lvl3pPr indent="-298450" lvl="2" marL="1371600">
+            <a:lvl3pPr marL="1371600" lvl="2" indent="-298450">
               <a:spcBef>
                 <a:spcPts val="0"/>
               </a:spcBef>
@@ -7691,7 +7611,7 @@
               <a:buChar char="■"/>
               <a:defRPr/>
             </a:lvl3pPr>
-            <a:lvl4pPr indent="-298450" lvl="3" marL="1828800">
+            <a:lvl4pPr marL="1828800" lvl="3" indent="-298450">
               <a:spcBef>
                 <a:spcPts val="0"/>
               </a:spcBef>
@@ -7702,7 +7622,7 @@
               <a:buChar char="●"/>
               <a:defRPr/>
             </a:lvl4pPr>
-            <a:lvl5pPr indent="-298450" lvl="4" marL="2286000">
+            <a:lvl5pPr marL="2286000" lvl="4" indent="-298450">
               <a:spcBef>
                 <a:spcPts val="0"/>
               </a:spcBef>
@@ -7713,7 +7633,7 @@
               <a:buChar char="○"/>
               <a:defRPr/>
             </a:lvl5pPr>
-            <a:lvl6pPr indent="-298450" lvl="5" marL="2743200">
+            <a:lvl6pPr marL="2743200" lvl="5" indent="-298450">
               <a:spcBef>
                 <a:spcPts val="0"/>
               </a:spcBef>
@@ -7724,7 +7644,7 @@
               <a:buChar char="■"/>
               <a:defRPr/>
             </a:lvl6pPr>
-            <a:lvl7pPr indent="-298450" lvl="6" marL="3200400">
+            <a:lvl7pPr marL="3200400" lvl="6" indent="-298450">
               <a:spcBef>
                 <a:spcPts val="0"/>
               </a:spcBef>
@@ -7735,7 +7655,7 @@
               <a:buChar char="●"/>
               <a:defRPr/>
             </a:lvl7pPr>
-            <a:lvl8pPr indent="-298450" lvl="7" marL="3657600">
+            <a:lvl8pPr marL="3657600" lvl="7" indent="-298450">
               <a:spcBef>
                 <a:spcPts val="0"/>
               </a:spcBef>
@@ -7746,7 +7666,7 @@
               <a:buChar char="○"/>
               <a:defRPr/>
             </a:lvl8pPr>
-            <a:lvl9pPr indent="-298450" lvl="8" marL="4114800">
+            <a:lvl9pPr marL="4114800" lvl="8" indent="-298450">
               <a:spcBef>
                 <a:spcPts val="0"/>
               </a:spcBef>
@@ -7758,15 +7678,19 @@
               <a:defRPr/>
             </a:lvl9pPr>
           </a:lstStyle>
-          <a:p/>
+          <a:p>
+            <a:endParaRPr/>
+          </a:p>
         </p:txBody>
       </p:sp>
       <p:sp>
         <p:nvSpPr>
           <p:cNvPr id="98" name="Google Shape;98;p9"/>
-          <p:cNvSpPr txBox="1"/>
+          <p:cNvSpPr txBox="1">
+            <a:spLocks noGrp="1"/>
+          </p:cNvSpPr>
           <p:nvPr>
-            <p:ph idx="12" type="sldNum"/>
+            <p:ph type="sldNum" idx="12"/>
           </p:nvPr>
         </p:nvSpPr>
         <p:spPr>
@@ -7779,7 +7703,7 @@
           </a:prstGeom>
         </p:spPr>
         <p:txBody>
-          <a:bodyPr anchorCtr="0" anchor="ctr" bIns="91425" lIns="91425" spcFirstLastPara="1" rIns="91425" wrap="square" tIns="91425">
+          <a:bodyPr spcFirstLastPara="1" wrap="square" lIns="91425" tIns="91425" rIns="91425" bIns="91425" anchor="ctr" anchorCtr="0">
             <a:normAutofit/>
           </a:bodyPr>
           <a:lstStyle>
@@ -7821,7 +7745,7 @@
             </a:lvl9pPr>
           </a:lstStyle>
           <a:p>
-            <a:pPr indent="0" lvl="0" marL="0" rtl="0" algn="r">
+            <a:pPr marL="0" lvl="0" indent="0" algn="r" rtl="0">
               <a:spcBef>
                 <a:spcPts val="0"/>
               </a:spcBef>
@@ -7847,11 +7771,11 @@
 </file>
 
 <file path=ppt/slideLayouts/slideLayout9.xml><?xml version="1.0" encoding="utf-8"?>
-<p:sldLayout xmlns:a="http://schemas.openxmlformats.org/drawingml/2006/main" xmlns:r="http://schemas.openxmlformats.org/officeDocument/2006/relationships" xmlns:mc="http://schemas.openxmlformats.org/markup-compatibility/2006" xmlns:mv="urn:schemas-microsoft-com:mac:vml" xmlns:p="http://schemas.openxmlformats.org/presentationml/2006/main" xmlns:c="http://schemas.openxmlformats.org/drawingml/2006/chart" xmlns:dgm="http://schemas.openxmlformats.org/drawingml/2006/diagram" xmlns:o="urn:schemas-microsoft-com:office:office" xmlns:v="urn:schemas-microsoft-com:vml" xmlns:pvml="urn:schemas-microsoft-com:office:powerpoint" xmlns:com="http://schemas.openxmlformats.org/drawingml/2006/compatibility" xmlns:p14="http://schemas.microsoft.com/office/powerpoint/2010/main" xmlns:p15="http://schemas.microsoft.com/office/powerpoint/2012/main" xmlns:ahyp="http://schemas.microsoft.com/office/drawing/2018/hyperlinkcolor" matchingName="Caption">
+<p:sldLayout xmlns:a="http://schemas.openxmlformats.org/drawingml/2006/main" xmlns:r="http://schemas.openxmlformats.org/officeDocument/2006/relationships" xmlns:p="http://schemas.openxmlformats.org/presentationml/2006/main" matchingName="Caption">
   <p:cSld name="CAPTION_ONLY">
     <p:spTree>
       <p:nvGrpSpPr>
-        <p:cNvPr id="99" name="Shape 99"/>
+        <p:cNvPr id="1" name="Shape 99"/>
         <p:cNvGrpSpPr/>
         <p:nvPr/>
       </p:nvGrpSpPr>
@@ -7890,7 +7814,7 @@
             </a:xfrm>
             <a:prstGeom prst="diagStripe">
               <a:avLst>
-                <a:gd fmla="val 50000" name="adj"/>
+                <a:gd name="adj" fmla="val 50000"/>
               </a:avLst>
             </a:prstGeom>
             <a:solidFill>
@@ -7903,12 +7827,12 @@
             </a:ln>
           </p:spPr>
           <p:txBody>
-            <a:bodyPr anchorCtr="0" anchor="ctr" bIns="91425" lIns="91425" spcFirstLastPara="1" rIns="91425" wrap="square" tIns="91425">
+            <a:bodyPr spcFirstLastPara="1" wrap="square" lIns="91425" tIns="91425" rIns="91425" bIns="91425" anchor="ctr" anchorCtr="0">
               <a:noAutofit/>
             </a:bodyPr>
             <a:lstStyle/>
             <a:p>
-              <a:pPr indent="0" lvl="0" marL="0" rtl="0" algn="l">
+              <a:pPr marL="0" lvl="0" indent="0" algn="l" rtl="0">
                 <a:spcBef>
                   <a:spcPts val="0"/>
                 </a:spcBef>
@@ -7917,9 +7841,6 @@
                 </a:spcAft>
                 <a:buNone/>
               </a:pPr>
-              <a:r>
-                <a:t/>
-              </a:r>
               <a:endParaRPr/>
             </a:p>
           </p:txBody>
@@ -7937,7 +7858,7 @@
             </a:xfrm>
             <a:prstGeom prst="diagStripe">
               <a:avLst>
-                <a:gd fmla="val 50000" name="adj"/>
+                <a:gd name="adj" fmla="val 50000"/>
               </a:avLst>
             </a:prstGeom>
             <a:solidFill>
@@ -7950,12 +7871,12 @@
             </a:ln>
           </p:spPr>
           <p:txBody>
-            <a:bodyPr anchorCtr="0" anchor="ctr" bIns="91425" lIns="91425" spcFirstLastPara="1" rIns="91425" wrap="square" tIns="91425">
+            <a:bodyPr spcFirstLastPara="1" wrap="square" lIns="91425" tIns="91425" rIns="91425" bIns="91425" anchor="ctr" anchorCtr="0">
               <a:noAutofit/>
             </a:bodyPr>
             <a:lstStyle/>
             <a:p>
-              <a:pPr indent="0" lvl="0" marL="0" rtl="0" algn="l">
+              <a:pPr marL="0" lvl="0" indent="0" algn="l" rtl="0">
                 <a:spcBef>
                   <a:spcPts val="0"/>
                 </a:spcBef>
@@ -7964,9 +7885,6 @@
                 </a:spcAft>
                 <a:buNone/>
               </a:pPr>
-              <a:r>
-                <a:t/>
-              </a:r>
               <a:endParaRPr/>
             </a:p>
           </p:txBody>
@@ -7975,9 +7893,11 @@
       <p:sp>
         <p:nvSpPr>
           <p:cNvPr id="103" name="Google Shape;103;p10"/>
-          <p:cNvSpPr txBox="1"/>
+          <p:cNvSpPr txBox="1">
+            <a:spLocks noGrp="1"/>
+          </p:cNvSpPr>
           <p:nvPr>
-            <p:ph idx="1" type="body"/>
+            <p:ph type="body" idx="1"/>
           </p:nvPr>
         </p:nvSpPr>
         <p:spPr>
@@ -7990,11 +7910,11 @@
           </a:prstGeom>
         </p:spPr>
         <p:txBody>
-          <a:bodyPr anchorCtr="0" anchor="ctr" bIns="91425" lIns="91425" spcFirstLastPara="1" rIns="91425" wrap="square" tIns="91425">
+          <a:bodyPr spcFirstLastPara="1" wrap="square" lIns="91425" tIns="91425" rIns="91425" bIns="91425" anchor="ctr" anchorCtr="0">
             <a:normAutofit/>
           </a:bodyPr>
           <a:lstStyle>
-            <a:lvl1pPr indent="-228600" lvl="0" marL="457200">
+            <a:lvl1pPr marL="457200" lvl="0" indent="-228600">
               <a:lnSpc>
                 <a:spcPct val="100000"/>
               </a:lnSpc>
@@ -8009,15 +7929,19 @@
               <a:defRPr/>
             </a:lvl1pPr>
           </a:lstStyle>
-          <a:p/>
+          <a:p>
+            <a:endParaRPr/>
+          </a:p>
         </p:txBody>
       </p:sp>
       <p:sp>
         <p:nvSpPr>
           <p:cNvPr id="104" name="Google Shape;104;p10"/>
-          <p:cNvSpPr txBox="1"/>
+          <p:cNvSpPr txBox="1">
+            <a:spLocks noGrp="1"/>
+          </p:cNvSpPr>
           <p:nvPr>
-            <p:ph idx="12" type="sldNum"/>
+            <p:ph type="sldNum" idx="12"/>
           </p:nvPr>
         </p:nvSpPr>
         <p:spPr>
@@ -8030,7 +7954,7 @@
           </a:prstGeom>
         </p:spPr>
         <p:txBody>
-          <a:bodyPr anchorCtr="0" anchor="ctr" bIns="91425" lIns="91425" spcFirstLastPara="1" rIns="91425" wrap="square" tIns="91425">
+          <a:bodyPr spcFirstLastPara="1" wrap="square" lIns="91425" tIns="91425" rIns="91425" bIns="91425" anchor="ctr" anchorCtr="0">
             <a:normAutofit/>
           </a:bodyPr>
           <a:lstStyle>
@@ -8072,7 +7996,7 @@
             </a:lvl9pPr>
           </a:lstStyle>
           <a:p>
-            <a:pPr indent="0" lvl="0" marL="0" rtl="0" algn="r">
+            <a:pPr marL="0" lvl="0" indent="0" algn="r" rtl="0">
               <a:spcBef>
                 <a:spcPts val="0"/>
               </a:spcBef>
@@ -8098,18 +8022,19 @@
 </file>
 
 <file path=ppt/slideMasters/slideMaster1.xml><?xml version="1.0" encoding="utf-8"?>
-<p:sldMaster xmlns:a="http://schemas.openxmlformats.org/drawingml/2006/main" xmlns:r="http://schemas.openxmlformats.org/officeDocument/2006/relationships" xmlns:mc="http://schemas.openxmlformats.org/markup-compatibility/2006" xmlns:mv="urn:schemas-microsoft-com:mac:vml" xmlns:p="http://schemas.openxmlformats.org/presentationml/2006/main" xmlns:c="http://schemas.openxmlformats.org/drawingml/2006/chart" xmlns:dgm="http://schemas.openxmlformats.org/drawingml/2006/diagram" xmlns:o="urn:schemas-microsoft-com:office:office" xmlns:v="urn:schemas-microsoft-com:vml" xmlns:pvml="urn:schemas-microsoft-com:office:powerpoint" xmlns:com="http://schemas.openxmlformats.org/drawingml/2006/compatibility" xmlns:p14="http://schemas.microsoft.com/office/powerpoint/2010/main" xmlns:p15="http://schemas.microsoft.com/office/powerpoint/2012/main" xmlns:ahyp="http://schemas.microsoft.com/office/drawing/2018/hyperlinkcolor">
+<p:sldMaster xmlns:a="http://schemas.openxmlformats.org/drawingml/2006/main" xmlns:r="http://schemas.openxmlformats.org/officeDocument/2006/relationships" xmlns:p="http://schemas.openxmlformats.org/presentationml/2006/main">
   <p:cSld name="focus">
     <p:bg>
       <p:bgPr>
         <a:solidFill>
           <a:schemeClr val="dk1"/>
         </a:solidFill>
+        <a:effectLst/>
       </p:bgPr>
     </p:bg>
     <p:spTree>
       <p:nvGrpSpPr>
-        <p:cNvPr id="5" name="Shape 5"/>
+        <p:cNvPr id="1" name="Shape 5"/>
         <p:cNvGrpSpPr/>
         <p:nvPr/>
       </p:nvGrpSpPr>
@@ -8124,7 +8049,9 @@
       <p:sp>
         <p:nvSpPr>
           <p:cNvPr id="6" name="Google Shape;6;p1"/>
-          <p:cNvSpPr txBox="1"/>
+          <p:cNvSpPr txBox="1">
+            <a:spLocks noGrp="1"/>
+          </p:cNvSpPr>
           <p:nvPr>
             <p:ph type="title"/>
           </p:nvPr>
@@ -8143,7 +8070,7 @@
           </a:ln>
         </p:spPr>
         <p:txBody>
-          <a:bodyPr anchorCtr="0" anchor="t" bIns="91425" lIns="91425" spcFirstLastPara="1" rIns="91425" wrap="square" tIns="91425">
+          <a:bodyPr spcFirstLastPara="1" wrap="square" lIns="91425" tIns="91425" rIns="91425" bIns="91425" anchor="t" anchorCtr="0">
             <a:normAutofit/>
           </a:bodyPr>
           <a:lstStyle>
@@ -8355,15 +8282,19 @@
               </a:defRPr>
             </a:lvl9pPr>
           </a:lstStyle>
-          <a:p/>
+          <a:p>
+            <a:endParaRPr/>
+          </a:p>
         </p:txBody>
       </p:sp>
       <p:sp>
         <p:nvSpPr>
           <p:cNvPr id="7" name="Google Shape;7;p1"/>
-          <p:cNvSpPr txBox="1"/>
+          <p:cNvSpPr txBox="1">
+            <a:spLocks noGrp="1"/>
+          </p:cNvSpPr>
           <p:nvPr>
-            <p:ph idx="1" type="body"/>
+            <p:ph type="body" idx="1"/>
           </p:nvPr>
         </p:nvSpPr>
         <p:spPr>
@@ -8380,11 +8311,11 @@
           </a:ln>
         </p:spPr>
         <p:txBody>
-          <a:bodyPr anchorCtr="0" anchor="t" bIns="91425" lIns="91425" spcFirstLastPara="1" rIns="91425" wrap="square" tIns="91425">
+          <a:bodyPr spcFirstLastPara="1" wrap="square" lIns="91425" tIns="91425" rIns="91425" bIns="91425" anchor="t" anchorCtr="0">
             <a:normAutofit/>
           </a:bodyPr>
           <a:lstStyle>
-            <a:lvl1pPr indent="-311150" lvl="0" marL="457200">
+            <a:lvl1pPr marL="457200" lvl="0" indent="-311150">
               <a:lnSpc>
                 <a:spcPct val="115000"/>
               </a:lnSpc>
@@ -8410,7 +8341,7 @@
                 <a:sym typeface="Lato"/>
               </a:defRPr>
             </a:lvl1pPr>
-            <a:lvl2pPr indent="-298450" lvl="1" marL="914400">
+            <a:lvl2pPr marL="914400" lvl="1" indent="-298450">
               <a:lnSpc>
                 <a:spcPct val="115000"/>
               </a:lnSpc>
@@ -8436,7 +8367,7 @@
                 <a:sym typeface="Lato"/>
               </a:defRPr>
             </a:lvl2pPr>
-            <a:lvl3pPr indent="-298450" lvl="2" marL="1371600">
+            <a:lvl3pPr marL="1371600" lvl="2" indent="-298450">
               <a:lnSpc>
                 <a:spcPct val="115000"/>
               </a:lnSpc>
@@ -8462,7 +8393,7 @@
                 <a:sym typeface="Lato"/>
               </a:defRPr>
             </a:lvl3pPr>
-            <a:lvl4pPr indent="-298450" lvl="3" marL="1828800">
+            <a:lvl4pPr marL="1828800" lvl="3" indent="-298450">
               <a:lnSpc>
                 <a:spcPct val="115000"/>
               </a:lnSpc>
@@ -8488,7 +8419,7 @@
                 <a:sym typeface="Lato"/>
               </a:defRPr>
             </a:lvl4pPr>
-            <a:lvl5pPr indent="-298450" lvl="4" marL="2286000">
+            <a:lvl5pPr marL="2286000" lvl="4" indent="-298450">
               <a:lnSpc>
                 <a:spcPct val="115000"/>
               </a:lnSpc>
@@ -8514,7 +8445,7 @@
                 <a:sym typeface="Lato"/>
               </a:defRPr>
             </a:lvl5pPr>
-            <a:lvl6pPr indent="-298450" lvl="5" marL="2743200">
+            <a:lvl6pPr marL="2743200" lvl="5" indent="-298450">
               <a:lnSpc>
                 <a:spcPct val="115000"/>
               </a:lnSpc>
@@ -8540,7 +8471,7 @@
                 <a:sym typeface="Lato"/>
               </a:defRPr>
             </a:lvl6pPr>
-            <a:lvl7pPr indent="-298450" lvl="6" marL="3200400">
+            <a:lvl7pPr marL="3200400" lvl="6" indent="-298450">
               <a:lnSpc>
                 <a:spcPct val="115000"/>
               </a:lnSpc>
@@ -8566,7 +8497,7 @@
                 <a:sym typeface="Lato"/>
               </a:defRPr>
             </a:lvl7pPr>
-            <a:lvl8pPr indent="-298450" lvl="7" marL="3657600">
+            <a:lvl8pPr marL="3657600" lvl="7" indent="-298450">
               <a:lnSpc>
                 <a:spcPct val="115000"/>
               </a:lnSpc>
@@ -8592,7 +8523,7 @@
                 <a:sym typeface="Lato"/>
               </a:defRPr>
             </a:lvl8pPr>
-            <a:lvl9pPr indent="-298450" lvl="8" marL="4114800">
+            <a:lvl9pPr marL="4114800" lvl="8" indent="-298450">
               <a:lnSpc>
                 <a:spcPct val="115000"/>
               </a:lnSpc>
@@ -8619,15 +8550,19 @@
               </a:defRPr>
             </a:lvl9pPr>
           </a:lstStyle>
-          <a:p/>
+          <a:p>
+            <a:endParaRPr/>
+          </a:p>
         </p:txBody>
       </p:sp>
       <p:sp>
         <p:nvSpPr>
           <p:cNvPr id="8" name="Google Shape;8;p1"/>
-          <p:cNvSpPr txBox="1"/>
+          <p:cNvSpPr txBox="1">
+            <a:spLocks noGrp="1"/>
+          </p:cNvSpPr>
           <p:nvPr>
-            <p:ph idx="12" type="sldNum"/>
+            <p:ph type="sldNum" idx="12"/>
           </p:nvPr>
         </p:nvSpPr>
         <p:spPr>
@@ -8644,7 +8579,7 @@
           </a:ln>
         </p:spPr>
         <p:txBody>
-          <a:bodyPr anchorCtr="0" anchor="ctr" bIns="91425" lIns="91425" spcFirstLastPara="1" rIns="91425" wrap="square" tIns="91425">
+          <a:bodyPr spcFirstLastPara="1" wrap="square" lIns="91425" tIns="91425" rIns="91425" bIns="91425" anchor="ctr" anchorCtr="0">
             <a:normAutofit/>
           </a:bodyPr>
           <a:lstStyle>
@@ -8758,7 +8693,7 @@
             </a:lvl9pPr>
           </a:lstStyle>
           <a:p>
-            <a:pPr indent="0" lvl="0" marL="0" rtl="0" algn="r">
+            <a:pPr marL="0" lvl="0" indent="0" algn="r" rtl="0">
               <a:spcBef>
                 <a:spcPts val="0"/>
               </a:spcBef>
@@ -8777,7 +8712,7 @@
       </p:sp>
     </p:spTree>
   </p:cSld>
-  <p:clrMap accent1="accent1" accent2="accent2" accent3="accent3" accent4="accent4" accent5="accent5" accent6="accent6" bg1="lt1" bg2="dk2" tx1="dk1" tx2="lt2" folHlink="folHlink" hlink="hlink"/>
+  <p:clrMap bg1="lt1" tx1="dk1" bg2="dk2" tx2="lt2" accent1="accent1" accent2="accent2" accent3="accent3" accent4="accent4" accent5="accent5" accent6="accent6" hlink="hlink" folHlink="folHlink"/>
   <p:sldLayoutIdLst>
     <p:sldLayoutId id="2147483648" r:id="rId1"/>
     <p:sldLayoutId id="2147483649" r:id="rId2"/>
@@ -8791,10 +8726,10 @@
     <p:sldLayoutId id="2147483657" r:id="rId10"/>
     <p:sldLayoutId id="2147483658" r:id="rId11"/>
   </p:sldLayoutIdLst>
-  <p:hf dt="0" ftr="0" hdr="0" sldNum="0"/>
+  <p:hf sldNum="0" hdr="0" ftr="0" dt="0"/>
   <p:txStyles>
     <p:titleStyle>
-      <a:defPPr lvl="0" marR="0" rtl="0" algn="l">
+      <a:defPPr marR="0" lvl="0" algn="l" rtl="0">
         <a:lnSpc>
           <a:spcPct val="100000"/>
         </a:lnSpc>
@@ -8805,7 +8740,7 @@
           <a:spcPts val="0"/>
         </a:spcAft>
       </a:defPPr>
-      <a:lvl1pPr lvl="0" marR="0" rtl="0" algn="l">
+      <a:lvl1pPr marR="0" lvl="0" algn="l" rtl="0">
         <a:lnSpc>
           <a:spcPct val="100000"/>
         </a:lnSpc>
@@ -8819,7 +8754,7 @@
           <a:srgbClr val="000000"/>
         </a:buClr>
         <a:buFont typeface="Arial"/>
-        <a:defRPr b="0" i="0" sz="1400" u="none" cap="none" strike="noStrike">
+        <a:defRPr sz="1400" b="0" i="0" u="none" strike="noStrike" cap="none">
           <a:solidFill>
             <a:srgbClr val="000000"/>
           </a:solidFill>
@@ -8829,7 +8764,7 @@
           <a:sym typeface="Arial"/>
         </a:defRPr>
       </a:lvl1pPr>
-      <a:lvl2pPr lvl="1" marR="0" rtl="0" algn="l">
+      <a:lvl2pPr marR="0" lvl="1" algn="l" rtl="0">
         <a:lnSpc>
           <a:spcPct val="100000"/>
         </a:lnSpc>
@@ -8843,7 +8778,7 @@
           <a:srgbClr val="000000"/>
         </a:buClr>
         <a:buFont typeface="Arial"/>
-        <a:defRPr b="0" i="0" sz="1400" u="none" cap="none" strike="noStrike">
+        <a:defRPr sz="1400" b="0" i="0" u="none" strike="noStrike" cap="none">
           <a:solidFill>
             <a:srgbClr val="000000"/>
           </a:solidFill>
@@ -8853,7 +8788,7 @@
           <a:sym typeface="Arial"/>
         </a:defRPr>
       </a:lvl2pPr>
-      <a:lvl3pPr lvl="2" marR="0" rtl="0" algn="l">
+      <a:lvl3pPr marR="0" lvl="2" algn="l" rtl="0">
         <a:lnSpc>
           <a:spcPct val="100000"/>
         </a:lnSpc>
@@ -8867,7 +8802,7 @@
           <a:srgbClr val="000000"/>
         </a:buClr>
         <a:buFont typeface="Arial"/>
-        <a:defRPr b="0" i="0" sz="1400" u="none" cap="none" strike="noStrike">
+        <a:defRPr sz="1400" b="0" i="0" u="none" strike="noStrike" cap="none">
           <a:solidFill>
             <a:srgbClr val="000000"/>
           </a:solidFill>
@@ -8877,7 +8812,7 @@
           <a:sym typeface="Arial"/>
         </a:defRPr>
       </a:lvl3pPr>
-      <a:lvl4pPr lvl="3" marR="0" rtl="0" algn="l">
+      <a:lvl4pPr marR="0" lvl="3" algn="l" rtl="0">
         <a:lnSpc>
           <a:spcPct val="100000"/>
         </a:lnSpc>
@@ -8891,7 +8826,7 @@
           <a:srgbClr val="000000"/>
         </a:buClr>
         <a:buFont typeface="Arial"/>
-        <a:defRPr b="0" i="0" sz="1400" u="none" cap="none" strike="noStrike">
+        <a:defRPr sz="1400" b="0" i="0" u="none" strike="noStrike" cap="none">
           <a:solidFill>
             <a:srgbClr val="000000"/>
           </a:solidFill>
@@ -8901,7 +8836,7 @@
           <a:sym typeface="Arial"/>
         </a:defRPr>
       </a:lvl4pPr>
-      <a:lvl5pPr lvl="4" marR="0" rtl="0" algn="l">
+      <a:lvl5pPr marR="0" lvl="4" algn="l" rtl="0">
         <a:lnSpc>
           <a:spcPct val="100000"/>
         </a:lnSpc>
@@ -8915,7 +8850,7 @@
           <a:srgbClr val="000000"/>
         </a:buClr>
         <a:buFont typeface="Arial"/>
-        <a:defRPr b="0" i="0" sz="1400" u="none" cap="none" strike="noStrike">
+        <a:defRPr sz="1400" b="0" i="0" u="none" strike="noStrike" cap="none">
           <a:solidFill>
             <a:srgbClr val="000000"/>
           </a:solidFill>
@@ -8925,7 +8860,7 @@
           <a:sym typeface="Arial"/>
         </a:defRPr>
       </a:lvl5pPr>
-      <a:lvl6pPr lvl="5" marR="0" rtl="0" algn="l">
+      <a:lvl6pPr marR="0" lvl="5" algn="l" rtl="0">
         <a:lnSpc>
           <a:spcPct val="100000"/>
         </a:lnSpc>
@@ -8939,7 +8874,7 @@
           <a:srgbClr val="000000"/>
         </a:buClr>
         <a:buFont typeface="Arial"/>
-        <a:defRPr b="0" i="0" sz="1400" u="none" cap="none" strike="noStrike">
+        <a:defRPr sz="1400" b="0" i="0" u="none" strike="noStrike" cap="none">
           <a:solidFill>
             <a:srgbClr val="000000"/>
           </a:solidFill>
@@ -8949,7 +8884,7 @@
           <a:sym typeface="Arial"/>
         </a:defRPr>
       </a:lvl6pPr>
-      <a:lvl7pPr lvl="6" marR="0" rtl="0" algn="l">
+      <a:lvl7pPr marR="0" lvl="6" algn="l" rtl="0">
         <a:lnSpc>
           <a:spcPct val="100000"/>
         </a:lnSpc>
@@ -8963,7 +8898,7 @@
           <a:srgbClr val="000000"/>
         </a:buClr>
         <a:buFont typeface="Arial"/>
-        <a:defRPr b="0" i="0" sz="1400" u="none" cap="none" strike="noStrike">
+        <a:defRPr sz="1400" b="0" i="0" u="none" strike="noStrike" cap="none">
           <a:solidFill>
             <a:srgbClr val="000000"/>
           </a:solidFill>
@@ -8973,7 +8908,7 @@
           <a:sym typeface="Arial"/>
         </a:defRPr>
       </a:lvl7pPr>
-      <a:lvl8pPr lvl="7" marR="0" rtl="0" algn="l">
+      <a:lvl8pPr marR="0" lvl="7" algn="l" rtl="0">
         <a:lnSpc>
           <a:spcPct val="100000"/>
         </a:lnSpc>
@@ -8987,7 +8922,7 @@
           <a:srgbClr val="000000"/>
         </a:buClr>
         <a:buFont typeface="Arial"/>
-        <a:defRPr b="0" i="0" sz="1400" u="none" cap="none" strike="noStrike">
+        <a:defRPr sz="1400" b="0" i="0" u="none" strike="noStrike" cap="none">
           <a:solidFill>
             <a:srgbClr val="000000"/>
           </a:solidFill>
@@ -8997,7 +8932,7 @@
           <a:sym typeface="Arial"/>
         </a:defRPr>
       </a:lvl8pPr>
-      <a:lvl9pPr lvl="8" marR="0" rtl="0" algn="l">
+      <a:lvl9pPr marR="0" lvl="8" algn="l" rtl="0">
         <a:lnSpc>
           <a:spcPct val="100000"/>
         </a:lnSpc>
@@ -9011,7 +8946,7 @@
           <a:srgbClr val="000000"/>
         </a:buClr>
         <a:buFont typeface="Arial"/>
-        <a:defRPr b="0" i="0" sz="1400" u="none" cap="none" strike="noStrike">
+        <a:defRPr sz="1400" b="0" i="0" u="none" strike="noStrike" cap="none">
           <a:solidFill>
             <a:srgbClr val="000000"/>
           </a:solidFill>
@@ -9023,7 +8958,7 @@
       </a:lvl9pPr>
     </p:titleStyle>
     <p:bodyStyle>
-      <a:defPPr lvl="0" marR="0" rtl="0" algn="l">
+      <a:defPPr marR="0" lvl="0" algn="l" rtl="0">
         <a:lnSpc>
           <a:spcPct val="100000"/>
         </a:lnSpc>
@@ -9034,7 +8969,7 @@
           <a:spcPts val="0"/>
         </a:spcAft>
       </a:defPPr>
-      <a:lvl1pPr lvl="0" marR="0" rtl="0" algn="l">
+      <a:lvl1pPr marR="0" lvl="0" algn="l" rtl="0">
         <a:lnSpc>
           <a:spcPct val="100000"/>
         </a:lnSpc>
@@ -9048,7 +8983,7 @@
           <a:srgbClr val="000000"/>
         </a:buClr>
         <a:buFont typeface="Arial"/>
-        <a:defRPr b="0" i="0" sz="1400" u="none" cap="none" strike="noStrike">
+        <a:defRPr sz="1400" b="0" i="0" u="none" strike="noStrike" cap="none">
           <a:solidFill>
             <a:srgbClr val="000000"/>
           </a:solidFill>
@@ -9058,7 +8993,7 @@
           <a:sym typeface="Arial"/>
         </a:defRPr>
       </a:lvl1pPr>
-      <a:lvl2pPr lvl="1" marR="0" rtl="0" algn="l">
+      <a:lvl2pPr marR="0" lvl="1" algn="l" rtl="0">
         <a:lnSpc>
           <a:spcPct val="100000"/>
         </a:lnSpc>
@@ -9072,7 +9007,7 @@
           <a:srgbClr val="000000"/>
         </a:buClr>
         <a:buFont typeface="Arial"/>
-        <a:defRPr b="0" i="0" sz="1400" u="none" cap="none" strike="noStrike">
+        <a:defRPr sz="1400" b="0" i="0" u="none" strike="noStrike" cap="none">
           <a:solidFill>
             <a:srgbClr val="000000"/>
           </a:solidFill>
@@ -9082,7 +9017,7 @@
           <a:sym typeface="Arial"/>
         </a:defRPr>
       </a:lvl2pPr>
-      <a:lvl3pPr lvl="2" marR="0" rtl="0" algn="l">
+      <a:lvl3pPr marR="0" lvl="2" algn="l" rtl="0">
         <a:lnSpc>
           <a:spcPct val="100000"/>
         </a:lnSpc>
@@ -9096,7 +9031,7 @@
           <a:srgbClr val="000000"/>
         </a:buClr>
         <a:buFont typeface="Arial"/>
-        <a:defRPr b="0" i="0" sz="1400" u="none" cap="none" strike="noStrike">
+        <a:defRPr sz="1400" b="0" i="0" u="none" strike="noStrike" cap="none">
           <a:solidFill>
             <a:srgbClr val="000000"/>
           </a:solidFill>
@@ -9106,7 +9041,7 @@
           <a:sym typeface="Arial"/>
         </a:defRPr>
       </a:lvl3pPr>
-      <a:lvl4pPr lvl="3" marR="0" rtl="0" algn="l">
+      <a:lvl4pPr marR="0" lvl="3" algn="l" rtl="0">
         <a:lnSpc>
           <a:spcPct val="100000"/>
         </a:lnSpc>
@@ -9120,7 +9055,7 @@
           <a:srgbClr val="000000"/>
         </a:buClr>
         <a:buFont typeface="Arial"/>
-        <a:defRPr b="0" i="0" sz="1400" u="none" cap="none" strike="noStrike">
+        <a:defRPr sz="1400" b="0" i="0" u="none" strike="noStrike" cap="none">
           <a:solidFill>
             <a:srgbClr val="000000"/>
           </a:solidFill>
@@ -9130,7 +9065,7 @@
           <a:sym typeface="Arial"/>
         </a:defRPr>
       </a:lvl4pPr>
-      <a:lvl5pPr lvl="4" marR="0" rtl="0" algn="l">
+      <a:lvl5pPr marR="0" lvl="4" algn="l" rtl="0">
         <a:lnSpc>
           <a:spcPct val="100000"/>
         </a:lnSpc>
@@ -9144,7 +9079,7 @@
           <a:srgbClr val="000000"/>
         </a:buClr>
         <a:buFont typeface="Arial"/>
-        <a:defRPr b="0" i="0" sz="1400" u="none" cap="none" strike="noStrike">
+        <a:defRPr sz="1400" b="0" i="0" u="none" strike="noStrike" cap="none">
           <a:solidFill>
             <a:srgbClr val="000000"/>
           </a:solidFill>
@@ -9154,7 +9089,7 @@
           <a:sym typeface="Arial"/>
         </a:defRPr>
       </a:lvl5pPr>
-      <a:lvl6pPr lvl="5" marR="0" rtl="0" algn="l">
+      <a:lvl6pPr marR="0" lvl="5" algn="l" rtl="0">
         <a:lnSpc>
           <a:spcPct val="100000"/>
         </a:lnSpc>
@@ -9168,7 +9103,7 @@
           <a:srgbClr val="000000"/>
         </a:buClr>
         <a:buFont typeface="Arial"/>
-        <a:defRPr b="0" i="0" sz="1400" u="none" cap="none" strike="noStrike">
+        <a:defRPr sz="1400" b="0" i="0" u="none" strike="noStrike" cap="none">
           <a:solidFill>
             <a:srgbClr val="000000"/>
           </a:solidFill>
@@ -9178,7 +9113,7 @@
           <a:sym typeface="Arial"/>
         </a:defRPr>
       </a:lvl6pPr>
-      <a:lvl7pPr lvl="6" marR="0" rtl="0" algn="l">
+      <a:lvl7pPr marR="0" lvl="6" algn="l" rtl="0">
         <a:lnSpc>
           <a:spcPct val="100000"/>
         </a:lnSpc>
@@ -9192,7 +9127,7 @@
           <a:srgbClr val="000000"/>
         </a:buClr>
         <a:buFont typeface="Arial"/>
-        <a:defRPr b="0" i="0" sz="1400" u="none" cap="none" strike="noStrike">
+        <a:defRPr sz="1400" b="0" i="0" u="none" strike="noStrike" cap="none">
           <a:solidFill>
             <a:srgbClr val="000000"/>
           </a:solidFill>
@@ -9202,7 +9137,7 @@
           <a:sym typeface="Arial"/>
         </a:defRPr>
       </a:lvl7pPr>
-      <a:lvl8pPr lvl="7" marR="0" rtl="0" algn="l">
+      <a:lvl8pPr marR="0" lvl="7" algn="l" rtl="0">
         <a:lnSpc>
           <a:spcPct val="100000"/>
         </a:lnSpc>
@@ -9216,7 +9151,7 @@
           <a:srgbClr val="000000"/>
         </a:buClr>
         <a:buFont typeface="Arial"/>
-        <a:defRPr b="0" i="0" sz="1400" u="none" cap="none" strike="noStrike">
+        <a:defRPr sz="1400" b="0" i="0" u="none" strike="noStrike" cap="none">
           <a:solidFill>
             <a:srgbClr val="000000"/>
           </a:solidFill>
@@ -9226,7 +9161,7 @@
           <a:sym typeface="Arial"/>
         </a:defRPr>
       </a:lvl8pPr>
-      <a:lvl9pPr lvl="8" marR="0" rtl="0" algn="l">
+      <a:lvl9pPr marR="0" lvl="8" algn="l" rtl="0">
         <a:lnSpc>
           <a:spcPct val="100000"/>
         </a:lnSpc>
@@ -9240,7 +9175,7 @@
           <a:srgbClr val="000000"/>
         </a:buClr>
         <a:buFont typeface="Arial"/>
-        <a:defRPr b="0" i="0" sz="1400" u="none" cap="none" strike="noStrike">
+        <a:defRPr sz="1400" b="0" i="0" u="none" strike="noStrike" cap="none">
           <a:solidFill>
             <a:srgbClr val="000000"/>
           </a:solidFill>
@@ -9252,7 +9187,7 @@
       </a:lvl9pPr>
     </p:bodyStyle>
     <p:otherStyle>
-      <a:defPPr lvl="0" marR="0" rtl="0" algn="l">
+      <a:defPPr marR="0" lvl="0" algn="l" rtl="0">
         <a:lnSpc>
           <a:spcPct val="100000"/>
         </a:lnSpc>
@@ -9263,7 +9198,7 @@
           <a:spcPts val="0"/>
         </a:spcAft>
       </a:defPPr>
-      <a:lvl1pPr lvl="0" marR="0" rtl="0" algn="l">
+      <a:lvl1pPr marR="0" lvl="0" algn="l" rtl="0">
         <a:lnSpc>
           <a:spcPct val="100000"/>
         </a:lnSpc>
@@ -9277,7 +9212,7 @@
           <a:srgbClr val="000000"/>
         </a:buClr>
         <a:buFont typeface="Arial"/>
-        <a:defRPr b="0" i="0" sz="1400" u="none" cap="none" strike="noStrike">
+        <a:defRPr sz="1400" b="0" i="0" u="none" strike="noStrike" cap="none">
           <a:solidFill>
             <a:srgbClr val="000000"/>
           </a:solidFill>
@@ -9287,7 +9222,7 @@
           <a:sym typeface="Arial"/>
         </a:defRPr>
       </a:lvl1pPr>
-      <a:lvl2pPr lvl="1" marR="0" rtl="0" algn="l">
+      <a:lvl2pPr marR="0" lvl="1" algn="l" rtl="0">
         <a:lnSpc>
           <a:spcPct val="100000"/>
         </a:lnSpc>
@@ -9301,7 +9236,7 @@
           <a:srgbClr val="000000"/>
         </a:buClr>
         <a:buFont typeface="Arial"/>
-        <a:defRPr b="0" i="0" sz="1400" u="none" cap="none" strike="noStrike">
+        <a:defRPr sz="1400" b="0" i="0" u="none" strike="noStrike" cap="none">
           <a:solidFill>
             <a:srgbClr val="000000"/>
           </a:solidFill>
@@ -9311,7 +9246,7 @@
           <a:sym typeface="Arial"/>
         </a:defRPr>
       </a:lvl2pPr>
-      <a:lvl3pPr lvl="2" marR="0" rtl="0" algn="l">
+      <a:lvl3pPr marR="0" lvl="2" algn="l" rtl="0">
         <a:lnSpc>
           <a:spcPct val="100000"/>
         </a:lnSpc>
@@ -9325,7 +9260,7 @@
           <a:srgbClr val="000000"/>
         </a:buClr>
         <a:buFont typeface="Arial"/>
-        <a:defRPr b="0" i="0" sz="1400" u="none" cap="none" strike="noStrike">
+        <a:defRPr sz="1400" b="0" i="0" u="none" strike="noStrike" cap="none">
           <a:solidFill>
             <a:srgbClr val="000000"/>
           </a:solidFill>
@@ -9335,7 +9270,7 @@
           <a:sym typeface="Arial"/>
         </a:defRPr>
       </a:lvl3pPr>
-      <a:lvl4pPr lvl="3" marR="0" rtl="0" algn="l">
+      <a:lvl4pPr marR="0" lvl="3" algn="l" rtl="0">
         <a:lnSpc>
           <a:spcPct val="100000"/>
         </a:lnSpc>
@@ -9349,7 +9284,7 @@
           <a:srgbClr val="000000"/>
         </a:buClr>
         <a:buFont typeface="Arial"/>
-        <a:defRPr b="0" i="0" sz="1400" u="none" cap="none" strike="noStrike">
+        <a:defRPr sz="1400" b="0" i="0" u="none" strike="noStrike" cap="none">
           <a:solidFill>
             <a:srgbClr val="000000"/>
           </a:solidFill>
@@ -9359,7 +9294,7 @@
           <a:sym typeface="Arial"/>
         </a:defRPr>
       </a:lvl4pPr>
-      <a:lvl5pPr lvl="4" marR="0" rtl="0" algn="l">
+      <a:lvl5pPr marR="0" lvl="4" algn="l" rtl="0">
         <a:lnSpc>
           <a:spcPct val="100000"/>
         </a:lnSpc>
@@ -9373,7 +9308,7 @@
           <a:srgbClr val="000000"/>
         </a:buClr>
         <a:buFont typeface="Arial"/>
-        <a:defRPr b="0" i="0" sz="1400" u="none" cap="none" strike="noStrike">
+        <a:defRPr sz="1400" b="0" i="0" u="none" strike="noStrike" cap="none">
           <a:solidFill>
             <a:srgbClr val="000000"/>
           </a:solidFill>
@@ -9383,7 +9318,7 @@
           <a:sym typeface="Arial"/>
         </a:defRPr>
       </a:lvl5pPr>
-      <a:lvl6pPr lvl="5" marR="0" rtl="0" algn="l">
+      <a:lvl6pPr marR="0" lvl="5" algn="l" rtl="0">
         <a:lnSpc>
           <a:spcPct val="100000"/>
         </a:lnSpc>
@@ -9397,7 +9332,7 @@
           <a:srgbClr val="000000"/>
         </a:buClr>
         <a:buFont typeface="Arial"/>
-        <a:defRPr b="0" i="0" sz="1400" u="none" cap="none" strike="noStrike">
+        <a:defRPr sz="1400" b="0" i="0" u="none" strike="noStrike" cap="none">
           <a:solidFill>
             <a:srgbClr val="000000"/>
           </a:solidFill>
@@ -9407,7 +9342,7 @@
           <a:sym typeface="Arial"/>
         </a:defRPr>
       </a:lvl6pPr>
-      <a:lvl7pPr lvl="6" marR="0" rtl="0" algn="l">
+      <a:lvl7pPr marR="0" lvl="6" algn="l" rtl="0">
         <a:lnSpc>
           <a:spcPct val="100000"/>
         </a:lnSpc>
@@ -9421,7 +9356,7 @@
           <a:srgbClr val="000000"/>
         </a:buClr>
         <a:buFont typeface="Arial"/>
-        <a:defRPr b="0" i="0" sz="1400" u="none" cap="none" strike="noStrike">
+        <a:defRPr sz="1400" b="0" i="0" u="none" strike="noStrike" cap="none">
           <a:solidFill>
             <a:srgbClr val="000000"/>
           </a:solidFill>
@@ -9431,7 +9366,7 @@
           <a:sym typeface="Arial"/>
         </a:defRPr>
       </a:lvl7pPr>
-      <a:lvl8pPr lvl="7" marR="0" rtl="0" algn="l">
+      <a:lvl8pPr marR="0" lvl="7" algn="l" rtl="0">
         <a:lnSpc>
           <a:spcPct val="100000"/>
         </a:lnSpc>
@@ -9445,7 +9380,7 @@
           <a:srgbClr val="000000"/>
         </a:buClr>
         <a:buFont typeface="Arial"/>
-        <a:defRPr b="0" i="0" sz="1400" u="none" cap="none" strike="noStrike">
+        <a:defRPr sz="1400" b="0" i="0" u="none" strike="noStrike" cap="none">
           <a:solidFill>
             <a:srgbClr val="000000"/>
           </a:solidFill>
@@ -9455,7 +9390,7 @@
           <a:sym typeface="Arial"/>
         </a:defRPr>
       </a:lvl8pPr>
-      <a:lvl9pPr lvl="8" marR="0" rtl="0" algn="l">
+      <a:lvl9pPr marR="0" lvl="8" algn="l" rtl="0">
         <a:lnSpc>
           <a:spcPct val="100000"/>
         </a:lnSpc>
@@ -9469,7 +9404,7 @@
           <a:srgbClr val="000000"/>
         </a:buClr>
         <a:buFont typeface="Arial"/>
-        <a:defRPr b="0" i="0" sz="1400" u="none" cap="none" strike="noStrike">
+        <a:defRPr sz="1400" b="0" i="0" u="none" strike="noStrike" cap="none">
           <a:solidFill>
             <a:srgbClr val="000000"/>
           </a:solidFill>
@@ -9485,11 +9420,11 @@
 </file>
 
 <file path=ppt/slides/slide1.xml><?xml version="1.0" encoding="utf-8"?>
-<p:sld xmlns:a="http://schemas.openxmlformats.org/drawingml/2006/main" xmlns:r="http://schemas.openxmlformats.org/officeDocument/2006/relationships" xmlns:mc="http://schemas.openxmlformats.org/markup-compatibility/2006" xmlns:mv="urn:schemas-microsoft-com:mac:vml" xmlns:p="http://schemas.openxmlformats.org/presentationml/2006/main" xmlns:c="http://schemas.openxmlformats.org/drawingml/2006/chart" xmlns:dgm="http://schemas.openxmlformats.org/drawingml/2006/diagram" xmlns:o="urn:schemas-microsoft-com:office:office" xmlns:v="urn:schemas-microsoft-com:vml" xmlns:pvml="urn:schemas-microsoft-com:office:powerpoint" xmlns:com="http://schemas.openxmlformats.org/drawingml/2006/compatibility" xmlns:p14="http://schemas.microsoft.com/office/powerpoint/2010/main" xmlns:p15="http://schemas.microsoft.com/office/powerpoint/2012/main" xmlns:ahyp="http://schemas.microsoft.com/office/drawing/2018/hyperlinkcolor">
+<p:sld xmlns:a="http://schemas.openxmlformats.org/drawingml/2006/main" xmlns:r="http://schemas.openxmlformats.org/officeDocument/2006/relationships" xmlns:p="http://schemas.openxmlformats.org/presentationml/2006/main">
   <p:cSld>
     <p:spTree>
       <p:nvGrpSpPr>
-        <p:cNvPr id="133" name="Shape 133"/>
+        <p:cNvPr id="1" name="Shape 133"/>
         <p:cNvGrpSpPr/>
         <p:nvPr/>
       </p:nvGrpSpPr>
@@ -9504,7 +9439,9 @@
       <p:sp>
         <p:nvSpPr>
           <p:cNvPr id="134" name="Google Shape;134;p13"/>
-          <p:cNvSpPr txBox="1"/>
+          <p:cNvSpPr txBox="1">
+            <a:spLocks noGrp="1"/>
+          </p:cNvSpPr>
           <p:nvPr>
             <p:ph type="ctrTitle"/>
           </p:nvPr>
@@ -9519,12 +9456,12 @@
           </a:prstGeom>
         </p:spPr>
         <p:txBody>
-          <a:bodyPr anchorCtr="0" anchor="t" bIns="91425" lIns="91425" spcFirstLastPara="1" rIns="91425" wrap="square" tIns="91425">
+          <a:bodyPr spcFirstLastPara="1" wrap="square" lIns="91425" tIns="91425" rIns="91425" bIns="91425" anchor="t" anchorCtr="0">
             <a:normAutofit fontScale="90000"/>
           </a:bodyPr>
           <a:lstStyle/>
           <a:p>
-            <a:pPr indent="0" lvl="0" marL="0" rtl="0" algn="l">
+            <a:pPr marL="0" lvl="0" indent="0" algn="l" rtl="0">
               <a:spcBef>
                 <a:spcPts val="0"/>
               </a:spcBef>
@@ -9535,7 +9472,7 @@
             </a:pPr>
             <a:r>
               <a:rPr lang="en"/>
-              <a:t>Non-Invasive Lactate Monitor Startup Valuation</a:t>
+              <a:t>Non-Invasive Lactate Monitor Startup Valuation {TEST}</a:t>
             </a:r>
             <a:endParaRPr/>
           </a:p>
@@ -9544,9 +9481,11 @@
       <p:sp>
         <p:nvSpPr>
           <p:cNvPr id="135" name="Google Shape;135;p13"/>
-          <p:cNvSpPr txBox="1"/>
+          <p:cNvSpPr txBox="1">
+            <a:spLocks noGrp="1"/>
+          </p:cNvSpPr>
           <p:nvPr>
-            <p:ph idx="1" type="subTitle"/>
+            <p:ph type="subTitle" idx="1"/>
           </p:nvPr>
         </p:nvSpPr>
         <p:spPr>
@@ -9559,12 +9498,12 @@
           </a:prstGeom>
         </p:spPr>
         <p:txBody>
-          <a:bodyPr anchorCtr="0" anchor="t" bIns="91425" lIns="91425" spcFirstLastPara="1" rIns="91425" wrap="square" tIns="91425">
+          <a:bodyPr spcFirstLastPara="1" wrap="square" lIns="91425" tIns="91425" rIns="91425" bIns="91425" anchor="t" anchorCtr="0">
             <a:normAutofit/>
           </a:bodyPr>
           <a:lstStyle/>
           <a:p>
-            <a:pPr indent="0" lvl="0" marL="0" rtl="0" algn="l">
+            <a:pPr marL="0" lvl="0" indent="0" algn="l" rtl="0">
               <a:spcBef>
                 <a:spcPts val="0"/>
               </a:spcBef>
@@ -9590,11 +9529,11 @@
 </file>
 
 <file path=ppt/slides/slide2.xml><?xml version="1.0" encoding="utf-8"?>
-<p:sld xmlns:a="http://schemas.openxmlformats.org/drawingml/2006/main" xmlns:r="http://schemas.openxmlformats.org/officeDocument/2006/relationships" xmlns:mc="http://schemas.openxmlformats.org/markup-compatibility/2006" xmlns:mv="urn:schemas-microsoft-com:mac:vml" xmlns:p="http://schemas.openxmlformats.org/presentationml/2006/main" xmlns:c="http://schemas.openxmlformats.org/drawingml/2006/chart" xmlns:dgm="http://schemas.openxmlformats.org/drawingml/2006/diagram" xmlns:o="urn:schemas-microsoft-com:office:office" xmlns:v="urn:schemas-microsoft-com:vml" xmlns:pvml="urn:schemas-microsoft-com:office:powerpoint" xmlns:com="http://schemas.openxmlformats.org/drawingml/2006/compatibility" xmlns:p14="http://schemas.microsoft.com/office/powerpoint/2010/main" xmlns:p15="http://schemas.microsoft.com/office/powerpoint/2012/main" xmlns:ahyp="http://schemas.microsoft.com/office/drawing/2018/hyperlinkcolor">
+<p:sld xmlns:a="http://schemas.openxmlformats.org/drawingml/2006/main" xmlns:r="http://schemas.openxmlformats.org/officeDocument/2006/relationships" xmlns:p="http://schemas.openxmlformats.org/presentationml/2006/main">
   <p:cSld>
     <p:spTree>
       <p:nvGrpSpPr>
-        <p:cNvPr id="139" name="Shape 139"/>
+        <p:cNvPr id="1" name="Shape 139"/>
         <p:cNvGrpSpPr/>
         <p:nvPr/>
       </p:nvGrpSpPr>
@@ -9609,7 +9548,9 @@
       <p:sp>
         <p:nvSpPr>
           <p:cNvPr id="140" name="Google Shape;140;p14"/>
-          <p:cNvSpPr txBox="1"/>
+          <p:cNvSpPr txBox="1">
+            <a:spLocks noGrp="1"/>
+          </p:cNvSpPr>
           <p:nvPr>
             <p:ph type="title"/>
           </p:nvPr>
@@ -9624,12 +9565,12 @@
           </a:prstGeom>
         </p:spPr>
         <p:txBody>
-          <a:bodyPr anchorCtr="0" anchor="t" bIns="91425" lIns="91425" spcFirstLastPara="1" rIns="91425" wrap="square" tIns="91425">
+          <a:bodyPr spcFirstLastPara="1" wrap="square" lIns="91425" tIns="91425" rIns="91425" bIns="91425" anchor="t" anchorCtr="0">
             <a:normAutofit/>
           </a:bodyPr>
           <a:lstStyle/>
           <a:p>
-            <a:pPr indent="0" lvl="0" marL="0" rtl="0" algn="l">
+            <a:pPr marL="0" lvl="0" indent="0" algn="l" rtl="0">
               <a:spcBef>
                 <a:spcPts val="0"/>
               </a:spcBef>
@@ -9649,9 +9590,11 @@
       <p:sp>
         <p:nvSpPr>
           <p:cNvPr id="141" name="Google Shape;141;p14"/>
-          <p:cNvSpPr txBox="1"/>
+          <p:cNvSpPr txBox="1">
+            <a:spLocks noGrp="1"/>
+          </p:cNvSpPr>
           <p:nvPr>
-            <p:ph idx="1" type="body"/>
+            <p:ph type="body" idx="1"/>
           </p:nvPr>
         </p:nvSpPr>
         <p:spPr>
@@ -9664,12 +9607,12 @@
           </a:prstGeom>
         </p:spPr>
         <p:txBody>
-          <a:bodyPr anchorCtr="0" anchor="t" bIns="91425" lIns="91425" spcFirstLastPara="1" rIns="91425" wrap="square" tIns="91425">
+          <a:bodyPr spcFirstLastPara="1" wrap="square" lIns="91425" tIns="91425" rIns="91425" bIns="91425" anchor="t" anchorCtr="0">
             <a:normAutofit/>
           </a:bodyPr>
           <a:lstStyle/>
           <a:p>
-            <a:pPr indent="-311150" lvl="0" marL="457200" rtl="0" algn="l">
+            <a:pPr marL="457200" lvl="0" indent="-311150" algn="l" rtl="0">
               <a:spcBef>
                 <a:spcPts val="0"/>
               </a:spcBef>
@@ -9684,7 +9627,7 @@
               <a:t>Estimating the potential value of a startup (and in our case an idea as we are still in </a:t>
             </a:r>
             <a:r>
-              <a:rPr i="1" lang="en"/>
+              <a:rPr lang="en" i="1"/>
               <a:t>very </a:t>
             </a:r>
             <a:r>
@@ -9694,7 +9637,7 @@
             <a:endParaRPr/>
           </a:p>
           <a:p>
-            <a:pPr indent="-311150" lvl="0" marL="457200" rtl="0" algn="l">
+            <a:pPr marL="457200" lvl="0" indent="-311150" algn="l" rtl="0">
               <a:spcBef>
                 <a:spcPts val="0"/>
               </a:spcBef>
@@ -9711,7 +9654,7 @@
             <a:endParaRPr/>
           </a:p>
           <a:p>
-            <a:pPr indent="-311150" lvl="0" marL="457200" rtl="0" algn="l">
+            <a:pPr marL="457200" lvl="0" indent="-311150" algn="l" rtl="0">
               <a:spcBef>
                 <a:spcPts val="0"/>
               </a:spcBef>
@@ -9728,7 +9671,7 @@
             <a:endParaRPr/>
           </a:p>
           <a:p>
-            <a:pPr indent="-311150" lvl="0" marL="457200" rtl="0" algn="l">
+            <a:pPr marL="457200" lvl="0" indent="-311150" algn="l" rtl="0">
               <a:spcBef>
                 <a:spcPts val="0"/>
               </a:spcBef>
@@ -9743,7 +9686,7 @@
               <a:t>For our purposes, we will utilize the </a:t>
             </a:r>
             <a:r>
-              <a:rPr b="1" lang="en"/>
+              <a:rPr lang="en" b="1"/>
               <a:t>Scorecard Method</a:t>
             </a:r>
             <a:r>
@@ -9763,11 +9706,11 @@
 </file>
 
 <file path=ppt/slides/slide3.xml><?xml version="1.0" encoding="utf-8"?>
-<p:sld xmlns:a="http://schemas.openxmlformats.org/drawingml/2006/main" xmlns:r="http://schemas.openxmlformats.org/officeDocument/2006/relationships" xmlns:mc="http://schemas.openxmlformats.org/markup-compatibility/2006" xmlns:mv="urn:schemas-microsoft-com:mac:vml" xmlns:p="http://schemas.openxmlformats.org/presentationml/2006/main" xmlns:c="http://schemas.openxmlformats.org/drawingml/2006/chart" xmlns:dgm="http://schemas.openxmlformats.org/drawingml/2006/diagram" xmlns:o="urn:schemas-microsoft-com:office:office" xmlns:v="urn:schemas-microsoft-com:vml" xmlns:pvml="urn:schemas-microsoft-com:office:powerpoint" xmlns:com="http://schemas.openxmlformats.org/drawingml/2006/compatibility" xmlns:p14="http://schemas.microsoft.com/office/powerpoint/2010/main" xmlns:p15="http://schemas.microsoft.com/office/powerpoint/2012/main" xmlns:ahyp="http://schemas.microsoft.com/office/drawing/2018/hyperlinkcolor">
+<p:sld xmlns:a="http://schemas.openxmlformats.org/drawingml/2006/main" xmlns:r="http://schemas.openxmlformats.org/officeDocument/2006/relationships" xmlns:p="http://schemas.openxmlformats.org/presentationml/2006/main">
   <p:cSld>
     <p:spTree>
       <p:nvGrpSpPr>
-        <p:cNvPr id="145" name="Shape 145"/>
+        <p:cNvPr id="1" name="Shape 145"/>
         <p:cNvGrpSpPr/>
         <p:nvPr/>
       </p:nvGrpSpPr>
@@ -9782,7 +9725,9 @@
       <p:sp>
         <p:nvSpPr>
           <p:cNvPr id="146" name="Google Shape;146;p15"/>
-          <p:cNvSpPr txBox="1"/>
+          <p:cNvSpPr txBox="1">
+            <a:spLocks noGrp="1"/>
+          </p:cNvSpPr>
           <p:nvPr>
             <p:ph type="title"/>
           </p:nvPr>
@@ -9797,12 +9742,12 @@
           </a:prstGeom>
         </p:spPr>
         <p:txBody>
-          <a:bodyPr anchorCtr="0" anchor="t" bIns="91425" lIns="91425" spcFirstLastPara="1" rIns="91425" wrap="square" tIns="91425">
+          <a:bodyPr spcFirstLastPara="1" wrap="square" lIns="91425" tIns="91425" rIns="91425" bIns="91425" anchor="t" anchorCtr="0">
             <a:normAutofit/>
           </a:bodyPr>
           <a:lstStyle/>
           <a:p>
-            <a:pPr indent="0" lvl="0" marL="0" rtl="0" algn="l">
+            <a:pPr marL="0" lvl="0" indent="0" algn="l" rtl="0">
               <a:spcBef>
                 <a:spcPts val="0"/>
               </a:spcBef>
@@ -9813,15 +9758,7 @@
             </a:pPr>
             <a:r>
               <a:rPr lang="en"/>
-              <a:t>The </a:t>
-            </a:r>
-            <a:r>
-              <a:rPr lang="en"/>
-              <a:t>Scorecard</a:t>
-            </a:r>
-            <a:r>
-              <a:rPr lang="en"/>
-              <a:t> Method</a:t>
+              <a:t>The Scorecard Method</a:t>
             </a:r>
             <a:endParaRPr/>
           </a:p>
@@ -9830,9 +9767,11 @@
       <p:sp>
         <p:nvSpPr>
           <p:cNvPr id="147" name="Google Shape;147;p15"/>
-          <p:cNvSpPr txBox="1"/>
+          <p:cNvSpPr txBox="1">
+            <a:spLocks noGrp="1"/>
+          </p:cNvSpPr>
           <p:nvPr>
-            <p:ph idx="1" type="body"/>
+            <p:ph type="body" idx="1"/>
           </p:nvPr>
         </p:nvSpPr>
         <p:spPr>
@@ -9845,12 +9784,12 @@
           </a:prstGeom>
         </p:spPr>
         <p:txBody>
-          <a:bodyPr anchorCtr="0" anchor="t" bIns="91425" lIns="91425" spcFirstLastPara="1" rIns="91425" wrap="square" tIns="91425">
+          <a:bodyPr spcFirstLastPara="1" wrap="square" lIns="91425" tIns="91425" rIns="91425" bIns="91425" anchor="t" anchorCtr="0">
             <a:normAutofit lnSpcReduction="20000"/>
           </a:bodyPr>
           <a:lstStyle/>
           <a:p>
-            <a:pPr indent="-311150" lvl="0" marL="457200" rtl="0" algn="l">
+            <a:pPr marL="457200" lvl="0" indent="-311150" algn="l" rtl="0">
               <a:spcBef>
                 <a:spcPts val="0"/>
               </a:spcBef>
@@ -9867,7 +9806,7 @@
             <a:endParaRPr/>
           </a:p>
           <a:p>
-            <a:pPr indent="-298450" lvl="1" marL="914400" rtl="0" algn="l">
+            <a:pPr marL="914400" lvl="1" indent="-298450" algn="l" rtl="0">
               <a:spcBef>
                 <a:spcPts val="0"/>
               </a:spcBef>
@@ -9878,17 +9817,13 @@
               <a:buChar char="○"/>
             </a:pPr>
             <a:r>
-              <a:rPr i="1" lang="en"/>
-              <a:t>For our purposes, do not worry about the “seed-stage” lingo as I think our journey will be a bit different; the </a:t>
-            </a:r>
-            <a:r>
-              <a:rPr i="1" lang="en"/>
-              <a:t>main focus here is how this method compares one’s startup to other “similar” startups</a:t>
+              <a:rPr lang="en" i="1"/>
+              <a:t>For our purposes, do not worry about the “seed-stage” lingo as I think our journey will be a bit different; the main focus here is how this method compares one’s startup to other “similar” startups</a:t>
             </a:r>
             <a:endParaRPr i="1"/>
           </a:p>
           <a:p>
-            <a:pPr indent="-311150" lvl="0" marL="457200" rtl="0" algn="l">
+            <a:pPr marL="457200" lvl="0" indent="-311150" algn="l" rtl="0">
               <a:spcBef>
                 <a:spcPts val="0"/>
               </a:spcBef>
@@ -9905,7 +9840,7 @@
             <a:endParaRPr/>
           </a:p>
           <a:p>
-            <a:pPr indent="-298450" lvl="1" marL="914400" rtl="0" algn="l">
+            <a:pPr marL="914400" lvl="1" indent="-298450" algn="l" rtl="0">
               <a:spcBef>
                 <a:spcPts val="0"/>
               </a:spcBef>
@@ -9922,7 +9857,7 @@
             <a:endParaRPr/>
           </a:p>
           <a:p>
-            <a:pPr indent="-298450" lvl="1" marL="914400" rtl="0" algn="l">
+            <a:pPr marL="914400" lvl="1" indent="-298450" algn="l" rtl="0">
               <a:spcBef>
                 <a:spcPts val="0"/>
               </a:spcBef>
@@ -9939,7 +9874,7 @@
             <a:endParaRPr/>
           </a:p>
           <a:p>
-            <a:pPr indent="-298450" lvl="2" marL="1371600" rtl="0" algn="l">
+            <a:pPr marL="1371600" lvl="2" indent="-298450" algn="l" rtl="0">
               <a:spcBef>
                 <a:spcPts val="0"/>
               </a:spcBef>
@@ -9956,7 +9891,7 @@
             <a:endParaRPr/>
           </a:p>
           <a:p>
-            <a:pPr indent="-298450" lvl="2" marL="1371600" rtl="0" algn="l">
+            <a:pPr marL="1371600" lvl="2" indent="-298450" algn="l" rtl="0">
               <a:spcBef>
                 <a:spcPts val="0"/>
               </a:spcBef>
@@ -9973,7 +9908,7 @@
             <a:endParaRPr/>
           </a:p>
           <a:p>
-            <a:pPr indent="-298450" lvl="2" marL="1371600" rtl="0" algn="l">
+            <a:pPr marL="1371600" lvl="2" indent="-298450" algn="l" rtl="0">
               <a:spcBef>
                 <a:spcPts val="0"/>
               </a:spcBef>
@@ -9990,7 +9925,7 @@
             <a:endParaRPr/>
           </a:p>
           <a:p>
-            <a:pPr indent="-298450" lvl="2" marL="1371600" rtl="0" algn="l">
+            <a:pPr marL="1371600" lvl="2" indent="-298450" algn="l" rtl="0">
               <a:spcBef>
                 <a:spcPts val="0"/>
               </a:spcBef>
@@ -10007,7 +9942,7 @@
             <a:endParaRPr/>
           </a:p>
           <a:p>
-            <a:pPr indent="-298450" lvl="2" marL="1371600" rtl="0" algn="l">
+            <a:pPr marL="1371600" lvl="2" indent="-298450" algn="l" rtl="0">
               <a:spcBef>
                 <a:spcPts val="0"/>
               </a:spcBef>
@@ -10024,7 +9959,7 @@
             <a:endParaRPr/>
           </a:p>
           <a:p>
-            <a:pPr indent="-298450" lvl="2" marL="1371600" rtl="0" algn="l">
+            <a:pPr marL="1371600" lvl="2" indent="-298450" algn="l" rtl="0">
               <a:spcBef>
                 <a:spcPts val="0"/>
               </a:spcBef>
@@ -10041,7 +9976,7 @@
             <a:endParaRPr/>
           </a:p>
           <a:p>
-            <a:pPr indent="-298450" lvl="1" marL="914400" rtl="0" algn="l">
+            <a:pPr marL="914400" lvl="1" indent="-298450" algn="l" rtl="0">
               <a:spcBef>
                 <a:spcPts val="0"/>
               </a:spcBef>
@@ -10058,7 +9993,7 @@
             <a:endParaRPr/>
           </a:p>
           <a:p>
-            <a:pPr indent="-298450" lvl="1" marL="914400" rtl="0" algn="l">
+            <a:pPr marL="914400" lvl="1" indent="-298450" algn="l" rtl="0">
               <a:spcBef>
                 <a:spcPts val="0"/>
               </a:spcBef>
@@ -10085,11 +10020,11 @@
 </file>
 
 <file path=ppt/slides/slide4.xml><?xml version="1.0" encoding="utf-8"?>
-<p:sld xmlns:a="http://schemas.openxmlformats.org/drawingml/2006/main" xmlns:r="http://schemas.openxmlformats.org/officeDocument/2006/relationships" xmlns:mc="http://schemas.openxmlformats.org/markup-compatibility/2006" xmlns:mv="urn:schemas-microsoft-com:mac:vml" xmlns:p="http://schemas.openxmlformats.org/presentationml/2006/main" xmlns:c="http://schemas.openxmlformats.org/drawingml/2006/chart" xmlns:dgm="http://schemas.openxmlformats.org/drawingml/2006/diagram" xmlns:o="urn:schemas-microsoft-com:office:office" xmlns:v="urn:schemas-microsoft-com:vml" xmlns:pvml="urn:schemas-microsoft-com:office:powerpoint" xmlns:com="http://schemas.openxmlformats.org/drawingml/2006/compatibility" xmlns:p14="http://schemas.microsoft.com/office/powerpoint/2010/main" xmlns:p15="http://schemas.microsoft.com/office/powerpoint/2012/main" xmlns:ahyp="http://schemas.microsoft.com/office/drawing/2018/hyperlinkcolor">
+<p:sld xmlns:a="http://schemas.openxmlformats.org/drawingml/2006/main" xmlns:r="http://schemas.openxmlformats.org/officeDocument/2006/relationships" xmlns:p="http://schemas.openxmlformats.org/presentationml/2006/main">
   <p:cSld>
     <p:spTree>
       <p:nvGrpSpPr>
-        <p:cNvPr id="151" name="Shape 151"/>
+        <p:cNvPr id="1" name="Shape 151"/>
         <p:cNvGrpSpPr/>
         <p:nvPr/>
       </p:nvGrpSpPr>
@@ -10104,7 +10039,9 @@
       <p:sp>
         <p:nvSpPr>
           <p:cNvPr id="152" name="Google Shape;152;p16"/>
-          <p:cNvSpPr txBox="1"/>
+          <p:cNvSpPr txBox="1">
+            <a:spLocks noGrp="1"/>
+          </p:cNvSpPr>
           <p:nvPr>
             <p:ph type="title"/>
           </p:nvPr>
@@ -10119,12 +10056,12 @@
           </a:prstGeom>
         </p:spPr>
         <p:txBody>
-          <a:bodyPr anchorCtr="0" anchor="t" bIns="91425" lIns="91425" spcFirstLastPara="1" rIns="91425" wrap="square" tIns="91425">
+          <a:bodyPr spcFirstLastPara="1" wrap="square" lIns="91425" tIns="91425" rIns="91425" bIns="91425" anchor="t" anchorCtr="0">
             <a:normAutofit/>
           </a:bodyPr>
           <a:lstStyle/>
           <a:p>
-            <a:pPr indent="0" lvl="0" marL="0" rtl="0" algn="l">
+            <a:pPr marL="0" lvl="0" indent="0" algn="l" rtl="0">
               <a:spcBef>
                 <a:spcPts val="0"/>
               </a:spcBef>
@@ -10159,9 +10096,27 @@
                 <a:tableStyleId>{524B87DB-661F-4C7F-AEE2-DC4E89C1AADF}</a:tableStyleId>
               </a:tblPr>
               <a:tblGrid>
-                <a:gridCol w="1988225"/>
-                <a:gridCol w="2625375"/>
-                <a:gridCol w="2625375"/>
+                <a:gridCol w="1988225">
+                  <a:extLst>
+                    <a:ext uri="{9D8B030D-6E8A-4147-A177-3AD203B41FA5}">
+                      <a16:colId xmlns:a16="http://schemas.microsoft.com/office/drawing/2014/main" val="20000"/>
+                    </a:ext>
+                  </a:extLst>
+                </a:gridCol>
+                <a:gridCol w="2625375">
+                  <a:extLst>
+                    <a:ext uri="{9D8B030D-6E8A-4147-A177-3AD203B41FA5}">
+                      <a16:colId xmlns:a16="http://schemas.microsoft.com/office/drawing/2014/main" val="20001"/>
+                    </a:ext>
+                  </a:extLst>
+                </a:gridCol>
+                <a:gridCol w="2625375">
+                  <a:extLst>
+                    <a:ext uri="{9D8B030D-6E8A-4147-A177-3AD203B41FA5}">
+                      <a16:colId xmlns:a16="http://schemas.microsoft.com/office/drawing/2014/main" val="20002"/>
+                    </a:ext>
+                  </a:extLst>
+                </a:gridCol>
               </a:tblGrid>
               <a:tr h="381000">
                 <a:tc>
@@ -10169,7 +10124,7 @@
                     <a:bodyPr/>
                     <a:lstStyle/>
                     <a:p>
-                      <a:pPr indent="0" lvl="0" marL="0" rtl="0" algn="l">
+                      <a:pPr marL="0" lvl="0" indent="0" algn="l" rtl="0">
                         <a:spcBef>
                           <a:spcPts val="0"/>
                         </a:spcBef>
@@ -10201,14 +10156,14 @@
                       </a:endParaRPr>
                     </a:p>
                   </a:txBody>
-                  <a:tcPr marT="91425" marB="91425" marR="91425" marL="91425"/>
+                  <a:tcPr marL="91425" marR="91425" marT="91425" marB="91425"/>
                 </a:tc>
                 <a:tc>
                   <a:txBody>
                     <a:bodyPr/>
                     <a:lstStyle/>
                     <a:p>
-                      <a:pPr indent="0" lvl="0" marL="0" rtl="0" algn="l">
+                      <a:pPr marL="0" lvl="0" indent="0" algn="l" rtl="0">
                         <a:spcBef>
                           <a:spcPts val="0"/>
                         </a:spcBef>
@@ -10240,14 +10195,14 @@
                       </a:endParaRPr>
                     </a:p>
                   </a:txBody>
-                  <a:tcPr marT="91425" marB="91425" marR="91425" marL="91425"/>
+                  <a:tcPr marL="91425" marR="91425" marT="91425" marB="91425"/>
                 </a:tc>
                 <a:tc>
                   <a:txBody>
                     <a:bodyPr/>
                     <a:lstStyle/>
                     <a:p>
-                      <a:pPr indent="0" lvl="0" marL="0" rtl="0" algn="l">
+                      <a:pPr marL="0" lvl="0" indent="0" algn="l" rtl="0">
                         <a:spcBef>
                           <a:spcPts val="0"/>
                         </a:spcBef>
@@ -10279,8 +10234,13 @@
                       </a:endParaRPr>
                     </a:p>
                   </a:txBody>
-                  <a:tcPr marT="91425" marB="91425" marR="91425" marL="91425"/>
+                  <a:tcPr marL="91425" marR="91425" marT="91425" marB="91425"/>
                 </a:tc>
+                <a:extLst>
+                  <a:ext uri="{0D108BD9-81ED-4DB2-BD59-A6C34878D82A}">
+                    <a16:rowId xmlns:a16="http://schemas.microsoft.com/office/drawing/2014/main" val="10000"/>
+                  </a:ext>
+                </a:extLst>
               </a:tr>
               <a:tr h="381000">
                 <a:tc>
@@ -10288,7 +10248,7 @@
                     <a:bodyPr/>
                     <a:lstStyle/>
                     <a:p>
-                      <a:pPr indent="0" lvl="0" marL="0" rtl="0" algn="l">
+                      <a:pPr marL="0" lvl="0" indent="0" algn="l" rtl="0">
                         <a:spcBef>
                           <a:spcPts val="0"/>
                         </a:spcBef>
@@ -10320,14 +10280,14 @@
                       </a:endParaRPr>
                     </a:p>
                   </a:txBody>
-                  <a:tcPr marT="91425" marB="91425" marR="91425" marL="91425"/>
+                  <a:tcPr marL="91425" marR="91425" marT="91425" marB="91425"/>
                 </a:tc>
                 <a:tc>
                   <a:txBody>
                     <a:bodyPr/>
                     <a:lstStyle/>
                     <a:p>
-                      <a:pPr indent="0" lvl="0" marL="0" rtl="0" algn="l">
+                      <a:pPr marL="0" lvl="0" indent="0" algn="l" rtl="0">
                         <a:spcBef>
                           <a:spcPts val="0"/>
                         </a:spcBef>
@@ -10359,14 +10319,14 @@
                       </a:endParaRPr>
                     </a:p>
                   </a:txBody>
-                  <a:tcPr marT="91425" marB="91425" marR="91425" marL="91425"/>
+                  <a:tcPr marL="91425" marR="91425" marT="91425" marB="91425"/>
                 </a:tc>
                 <a:tc>
                   <a:txBody>
                     <a:bodyPr/>
                     <a:lstStyle/>
                     <a:p>
-                      <a:pPr indent="0" lvl="0" marL="0" rtl="0" algn="l">
+                      <a:pPr marL="0" lvl="0" indent="0" algn="l" rtl="0">
                         <a:spcBef>
                           <a:spcPts val="0"/>
                         </a:spcBef>
@@ -10398,8 +10358,13 @@
                       </a:endParaRPr>
                     </a:p>
                   </a:txBody>
-                  <a:tcPr marT="91425" marB="91425" marR="91425" marL="91425"/>
+                  <a:tcPr marL="91425" marR="91425" marT="91425" marB="91425"/>
                 </a:tc>
+                <a:extLst>
+                  <a:ext uri="{0D108BD9-81ED-4DB2-BD59-A6C34878D82A}">
+                    <a16:rowId xmlns:a16="http://schemas.microsoft.com/office/drawing/2014/main" val="10001"/>
+                  </a:ext>
+                </a:extLst>
               </a:tr>
               <a:tr h="381000">
                 <a:tc>
@@ -10407,7 +10372,7 @@
                     <a:bodyPr/>
                     <a:lstStyle/>
                     <a:p>
-                      <a:pPr indent="0" lvl="0" marL="0" rtl="0" algn="l">
+                      <a:pPr marL="0" lvl="0" indent="0" algn="l" rtl="0">
                         <a:spcBef>
                           <a:spcPts val="0"/>
                         </a:spcBef>
@@ -10439,14 +10404,14 @@
                       </a:endParaRPr>
                     </a:p>
                   </a:txBody>
-                  <a:tcPr marT="91425" marB="91425" marR="91425" marL="91425"/>
+                  <a:tcPr marL="91425" marR="91425" marT="91425" marB="91425"/>
                 </a:tc>
                 <a:tc>
                   <a:txBody>
                     <a:bodyPr/>
                     <a:lstStyle/>
                     <a:p>
-                      <a:pPr indent="0" lvl="0" marL="0" rtl="0" algn="l">
+                      <a:pPr marL="0" lvl="0" indent="0" algn="l" rtl="0">
                         <a:spcBef>
                           <a:spcPts val="0"/>
                         </a:spcBef>
@@ -10478,14 +10443,14 @@
                       </a:endParaRPr>
                     </a:p>
                   </a:txBody>
-                  <a:tcPr marT="91425" marB="91425" marR="91425" marL="91425"/>
+                  <a:tcPr marL="91425" marR="91425" marT="91425" marB="91425"/>
                 </a:tc>
                 <a:tc>
                   <a:txBody>
                     <a:bodyPr/>
                     <a:lstStyle/>
                     <a:p>
-                      <a:pPr indent="0" lvl="0" marL="0" rtl="0" algn="l">
+                      <a:pPr marL="0" lvl="0" indent="0" algn="l" rtl="0">
                         <a:spcBef>
                           <a:spcPts val="0"/>
                         </a:spcBef>
@@ -10517,8 +10482,13 @@
                       </a:endParaRPr>
                     </a:p>
                   </a:txBody>
-                  <a:tcPr marT="91425" marB="91425" marR="91425" marL="91425"/>
+                  <a:tcPr marL="91425" marR="91425" marT="91425" marB="91425"/>
                 </a:tc>
+                <a:extLst>
+                  <a:ext uri="{0D108BD9-81ED-4DB2-BD59-A6C34878D82A}">
+                    <a16:rowId xmlns:a16="http://schemas.microsoft.com/office/drawing/2014/main" val="10002"/>
+                  </a:ext>
+                </a:extLst>
               </a:tr>
               <a:tr h="381000">
                 <a:tc>
@@ -10526,7 +10496,7 @@
                     <a:bodyPr/>
                     <a:lstStyle/>
                     <a:p>
-                      <a:pPr indent="0" lvl="0" marL="0" rtl="0" algn="l">
+                      <a:pPr marL="0" lvl="0" indent="0" algn="l" rtl="0">
                         <a:spcBef>
                           <a:spcPts val="0"/>
                         </a:spcBef>
@@ -10558,14 +10528,14 @@
                       </a:endParaRPr>
                     </a:p>
                   </a:txBody>
-                  <a:tcPr marT="91425" marB="91425" marR="91425" marL="91425"/>
+                  <a:tcPr marL="91425" marR="91425" marT="91425" marB="91425"/>
                 </a:tc>
                 <a:tc>
                   <a:txBody>
                     <a:bodyPr/>
                     <a:lstStyle/>
                     <a:p>
-                      <a:pPr indent="0" lvl="0" marL="0" rtl="0" algn="l">
+                      <a:pPr marL="0" lvl="0" indent="0" algn="l" rtl="0">
                         <a:spcBef>
                           <a:spcPts val="0"/>
                         </a:spcBef>
@@ -10597,14 +10567,14 @@
                       </a:endParaRPr>
                     </a:p>
                   </a:txBody>
-                  <a:tcPr marT="91425" marB="91425" marR="91425" marL="91425"/>
+                  <a:tcPr marL="91425" marR="91425" marT="91425" marB="91425"/>
                 </a:tc>
                 <a:tc>
                   <a:txBody>
                     <a:bodyPr/>
                     <a:lstStyle/>
                     <a:p>
-                      <a:pPr indent="0" lvl="0" marL="0" rtl="0" algn="l">
+                      <a:pPr marL="0" lvl="0" indent="0" algn="l" rtl="0">
                         <a:spcBef>
                           <a:spcPts val="0"/>
                         </a:spcBef>
@@ -10636,8 +10606,13 @@
                       </a:endParaRPr>
                     </a:p>
                   </a:txBody>
-                  <a:tcPr marT="91425" marB="91425" marR="91425" marL="91425"/>
+                  <a:tcPr marL="91425" marR="91425" marT="91425" marB="91425"/>
                 </a:tc>
+                <a:extLst>
+                  <a:ext uri="{0D108BD9-81ED-4DB2-BD59-A6C34878D82A}">
+                    <a16:rowId xmlns:a16="http://schemas.microsoft.com/office/drawing/2014/main" val="10003"/>
+                  </a:ext>
+                </a:extLst>
               </a:tr>
               <a:tr h="381000">
                 <a:tc>
@@ -10645,7 +10620,7 @@
                     <a:bodyPr/>
                     <a:lstStyle/>
                     <a:p>
-                      <a:pPr indent="0" lvl="0" marL="0" rtl="0" algn="l">
+                      <a:pPr marL="0" lvl="0" indent="0" algn="l" rtl="0">
                         <a:spcBef>
                           <a:spcPts val="0"/>
                         </a:spcBef>
@@ -10677,14 +10652,14 @@
                       </a:endParaRPr>
                     </a:p>
                   </a:txBody>
-                  <a:tcPr marT="91425" marB="91425" marR="91425" marL="91425"/>
+                  <a:tcPr marL="91425" marR="91425" marT="91425" marB="91425"/>
                 </a:tc>
                 <a:tc>
                   <a:txBody>
                     <a:bodyPr/>
                     <a:lstStyle/>
                     <a:p>
-                      <a:pPr indent="0" lvl="0" marL="0" rtl="0" algn="l">
+                      <a:pPr marL="0" lvl="0" indent="0" algn="l" rtl="0">
                         <a:spcBef>
                           <a:spcPts val="0"/>
                         </a:spcBef>
@@ -10716,14 +10691,14 @@
                       </a:endParaRPr>
                     </a:p>
                   </a:txBody>
-                  <a:tcPr marT="91425" marB="91425" marR="91425" marL="91425"/>
+                  <a:tcPr marL="91425" marR="91425" marT="91425" marB="91425"/>
                 </a:tc>
                 <a:tc>
                   <a:txBody>
                     <a:bodyPr/>
                     <a:lstStyle/>
                     <a:p>
-                      <a:pPr indent="0" lvl="0" marL="0" rtl="0" algn="l">
+                      <a:pPr marL="0" lvl="0" indent="0" algn="l" rtl="0">
                         <a:spcBef>
                           <a:spcPts val="0"/>
                         </a:spcBef>
@@ -10755,8 +10730,13 @@
                       </a:endParaRPr>
                     </a:p>
                   </a:txBody>
-                  <a:tcPr marT="91425" marB="91425" marR="91425" marL="91425"/>
+                  <a:tcPr marL="91425" marR="91425" marT="91425" marB="91425"/>
                 </a:tc>
+                <a:extLst>
+                  <a:ext uri="{0D108BD9-81ED-4DB2-BD59-A6C34878D82A}">
+                    <a16:rowId xmlns:a16="http://schemas.microsoft.com/office/drawing/2014/main" val="10004"/>
+                  </a:ext>
+                </a:extLst>
               </a:tr>
             </a:tbl>
           </a:graphicData>
@@ -10771,11 +10751,11 @@
 </file>
 
 <file path=ppt/slides/slide5.xml><?xml version="1.0" encoding="utf-8"?>
-<p:sld xmlns:a="http://schemas.openxmlformats.org/drawingml/2006/main" xmlns:r="http://schemas.openxmlformats.org/officeDocument/2006/relationships" xmlns:mc="http://schemas.openxmlformats.org/markup-compatibility/2006" xmlns:mv="urn:schemas-microsoft-com:mac:vml" xmlns:p="http://schemas.openxmlformats.org/presentationml/2006/main" xmlns:c="http://schemas.openxmlformats.org/drawingml/2006/chart" xmlns:dgm="http://schemas.openxmlformats.org/drawingml/2006/diagram" xmlns:o="urn:schemas-microsoft-com:office:office" xmlns:v="urn:schemas-microsoft-com:vml" xmlns:pvml="urn:schemas-microsoft-com:office:powerpoint" xmlns:com="http://schemas.openxmlformats.org/drawingml/2006/compatibility" xmlns:p14="http://schemas.microsoft.com/office/powerpoint/2010/main" xmlns:p15="http://schemas.microsoft.com/office/powerpoint/2012/main" xmlns:ahyp="http://schemas.microsoft.com/office/drawing/2018/hyperlinkcolor">
+<p:sld xmlns:a="http://schemas.openxmlformats.org/drawingml/2006/main" xmlns:r="http://schemas.openxmlformats.org/officeDocument/2006/relationships" xmlns:p="http://schemas.openxmlformats.org/presentationml/2006/main">
   <p:cSld>
     <p:spTree>
       <p:nvGrpSpPr>
-        <p:cNvPr id="157" name="Shape 157"/>
+        <p:cNvPr id="1" name="Shape 157"/>
         <p:cNvGrpSpPr/>
         <p:nvPr/>
       </p:nvGrpSpPr>
@@ -10790,7 +10770,9 @@
       <p:sp>
         <p:nvSpPr>
           <p:cNvPr id="158" name="Google Shape;158;p17"/>
-          <p:cNvSpPr txBox="1"/>
+          <p:cNvSpPr txBox="1">
+            <a:spLocks noGrp="1"/>
+          </p:cNvSpPr>
           <p:nvPr>
             <p:ph type="title"/>
           </p:nvPr>
@@ -10805,12 +10787,12 @@
           </a:prstGeom>
         </p:spPr>
         <p:txBody>
-          <a:bodyPr anchorCtr="0" anchor="t" bIns="91425" lIns="91425" spcFirstLastPara="1" rIns="91425" wrap="square" tIns="91425">
+          <a:bodyPr spcFirstLastPara="1" wrap="square" lIns="91425" tIns="91425" rIns="91425" bIns="91425" anchor="t" anchorCtr="0">
             <a:normAutofit/>
           </a:bodyPr>
           <a:lstStyle/>
           <a:p>
-            <a:pPr indent="0" lvl="0" marL="0" rtl="0" algn="l">
+            <a:pPr marL="0" lvl="0" indent="0" algn="l" rtl="0">
               <a:spcBef>
                 <a:spcPts val="0"/>
               </a:spcBef>
@@ -10830,9 +10812,11 @@
       <p:sp>
         <p:nvSpPr>
           <p:cNvPr id="159" name="Google Shape;159;p17"/>
-          <p:cNvSpPr txBox="1"/>
+          <p:cNvSpPr txBox="1">
+            <a:spLocks noGrp="1"/>
+          </p:cNvSpPr>
           <p:nvPr>
-            <p:ph idx="1" type="body"/>
+            <p:ph type="body" idx="1"/>
           </p:nvPr>
         </p:nvSpPr>
         <p:spPr>
@@ -10845,12 +10829,12 @@
           </a:prstGeom>
         </p:spPr>
         <p:txBody>
-          <a:bodyPr anchorCtr="0" anchor="t" bIns="91425" lIns="91425" spcFirstLastPara="1" rIns="91425" wrap="square" tIns="91425">
+          <a:bodyPr spcFirstLastPara="1" wrap="square" lIns="91425" tIns="91425" rIns="91425" bIns="91425" anchor="t" anchorCtr="0">
             <a:normAutofit fontScale="92500" lnSpcReduction="20000"/>
           </a:bodyPr>
           <a:lstStyle/>
           <a:p>
-            <a:pPr indent="-304958" lvl="0" marL="457200" rtl="0" algn="l">
+            <a:pPr marL="457200" lvl="0" indent="-304958" algn="l" rtl="0">
               <a:spcBef>
                 <a:spcPts val="0"/>
               </a:spcBef>
@@ -10862,20 +10846,12 @@
             </a:pPr>
             <a:r>
               <a:rPr lang="en"/>
-              <a:t>Given the </a:t>
-            </a:r>
-            <a:r>
-              <a:rPr lang="en"/>
-              <a:t>previous</a:t>
-            </a:r>
-            <a:r>
-              <a:rPr lang="en"/>
-              <a:t> slide, our valuation could be somewhere between $10M - $48M</a:t>
+              <a:t>Given the previous slide, our valuation could be somewhere between $10M - $48M</a:t>
             </a:r>
             <a:endParaRPr/>
           </a:p>
           <a:p>
-            <a:pPr indent="-293211" lvl="1" marL="914400" rtl="0" algn="l">
+            <a:pPr marL="914400" lvl="1" indent="-293211" algn="l" rtl="0">
               <a:spcBef>
                 <a:spcPts val="0"/>
               </a:spcBef>
@@ -10886,13 +10862,13 @@
               <a:buChar char="○"/>
             </a:pPr>
             <a:r>
-              <a:rPr i="1" lang="en"/>
+              <a:rPr lang="en" i="1"/>
               <a:t>I capped the range at Acurable’s lower valuation estimate as Acurable is further along and want to play it conservative</a:t>
             </a:r>
             <a:endParaRPr i="1"/>
           </a:p>
           <a:p>
-            <a:pPr indent="-304958" lvl="0" marL="457200" rtl="0" algn="l">
+            <a:pPr marL="457200" lvl="0" indent="-304958" algn="l" rtl="0">
               <a:spcBef>
                 <a:spcPts val="0"/>
               </a:spcBef>
@@ -10903,13 +10879,13 @@
               <a:buChar char="●"/>
             </a:pPr>
             <a:r>
-              <a:rPr b="1" lang="en"/>
+              <a:rPr lang="en" b="1"/>
               <a:t>Given this, let’s go with a median valuation for startups similar to ours as $29M</a:t>
             </a:r>
             <a:endParaRPr b="1"/>
           </a:p>
           <a:p>
-            <a:pPr indent="-304958" lvl="0" marL="457200" rtl="0" algn="l">
+            <a:pPr marL="457200" lvl="0" indent="-304958" algn="l" rtl="0">
               <a:spcBef>
                 <a:spcPts val="0"/>
               </a:spcBef>
@@ -10945,18 +10921,42 @@
                 <a:tableStyleId>{524B87DB-661F-4C7F-AEE2-DC4E89C1AADF}</a:tableStyleId>
               </a:tblPr>
               <a:tblGrid>
-                <a:gridCol w="1459075"/>
-                <a:gridCol w="1926625"/>
-                <a:gridCol w="1926625"/>
-                <a:gridCol w="1926625"/>
+                <a:gridCol w="1459075">
+                  <a:extLst>
+                    <a:ext uri="{9D8B030D-6E8A-4147-A177-3AD203B41FA5}">
+                      <a16:colId xmlns:a16="http://schemas.microsoft.com/office/drawing/2014/main" val="20000"/>
+                    </a:ext>
+                  </a:extLst>
+                </a:gridCol>
+                <a:gridCol w="1926625">
+                  <a:extLst>
+                    <a:ext uri="{9D8B030D-6E8A-4147-A177-3AD203B41FA5}">
+                      <a16:colId xmlns:a16="http://schemas.microsoft.com/office/drawing/2014/main" val="20001"/>
+                    </a:ext>
+                  </a:extLst>
+                </a:gridCol>
+                <a:gridCol w="1926625">
+                  <a:extLst>
+                    <a:ext uri="{9D8B030D-6E8A-4147-A177-3AD203B41FA5}">
+                      <a16:colId xmlns:a16="http://schemas.microsoft.com/office/drawing/2014/main" val="20002"/>
+                    </a:ext>
+                  </a:extLst>
+                </a:gridCol>
+                <a:gridCol w="1926625">
+                  <a:extLst>
+                    <a:ext uri="{9D8B030D-6E8A-4147-A177-3AD203B41FA5}">
+                      <a16:colId xmlns:a16="http://schemas.microsoft.com/office/drawing/2014/main" val="20003"/>
+                    </a:ext>
+                  </a:extLst>
+                </a:gridCol>
               </a:tblGrid>
-              <a:tr h="106625">
+              <a:tr h="0">
                 <a:tc>
                   <a:txBody>
                     <a:bodyPr/>
                     <a:lstStyle/>
                     <a:p>
-                      <a:pPr indent="0" lvl="0" marL="0" rtl="0" algn="ctr">
+                      <a:pPr marL="0" lvl="0" indent="0" algn="ctr" rtl="0">
                         <a:spcBef>
                           <a:spcPts val="0"/>
                         </a:spcBef>
@@ -10988,15 +10988,15 @@
                       </a:endParaRPr>
                     </a:p>
                   </a:txBody>
-                  <a:tcPr marT="91425" marB="91425" marR="91425" marL="91425">
-                    <a:lnB cap="flat" cmpd="sng" w="9525">
+                  <a:tcPr marL="91425" marR="91425" marT="91425" marB="91425">
+                    <a:lnB w="9525" cap="flat" cmpd="sng">
                       <a:solidFill>
                         <a:srgbClr val="CCCCCC"/>
                       </a:solidFill>
                       <a:prstDash val="solid"/>
                       <a:round/>
-                      <a:headEnd len="sm" w="sm" type="none"/>
-                      <a:tailEnd len="sm" w="sm" type="none"/>
+                      <a:headEnd type="none" w="sm" len="sm"/>
+                      <a:tailEnd type="none" w="sm" len="sm"/>
                     </a:lnB>
                   </a:tcPr>
                 </a:tc>
@@ -11005,7 +11005,7 @@
                     <a:bodyPr/>
                     <a:lstStyle/>
                     <a:p>
-                      <a:pPr indent="0" lvl="0" marL="0" rtl="0" algn="ctr">
+                      <a:pPr marL="0" lvl="0" indent="0" algn="ctr" rtl="0">
                         <a:spcBef>
                           <a:spcPts val="0"/>
                         </a:spcBef>
@@ -11037,14 +11037,14 @@
                       </a:endParaRPr>
                     </a:p>
                   </a:txBody>
-                  <a:tcPr marT="91425" marB="91425" marR="91425" marL="91425"/>
+                  <a:tcPr marL="91425" marR="91425" marT="91425" marB="91425"/>
                 </a:tc>
                 <a:tc>
                   <a:txBody>
                     <a:bodyPr/>
                     <a:lstStyle/>
                     <a:p>
-                      <a:pPr indent="0" lvl="0" marL="0" rtl="0" algn="ctr">
+                      <a:pPr marL="0" lvl="0" indent="0" algn="ctr" rtl="0">
                         <a:spcBef>
                           <a:spcPts val="0"/>
                         </a:spcBef>
@@ -11076,14 +11076,14 @@
                       </a:endParaRPr>
                     </a:p>
                   </a:txBody>
-                  <a:tcPr marT="91425" marB="91425" marR="91425" marL="91425"/>
+                  <a:tcPr marL="91425" marR="91425" marT="91425" marB="91425"/>
                 </a:tc>
                 <a:tc>
                   <a:txBody>
                     <a:bodyPr/>
                     <a:lstStyle/>
                     <a:p>
-                      <a:pPr indent="0" lvl="0" marL="0" rtl="0" algn="ctr">
+                      <a:pPr marL="0" lvl="0" indent="0" algn="ctr" rtl="0">
                         <a:spcBef>
                           <a:spcPts val="0"/>
                         </a:spcBef>
@@ -11115,16 +11115,21 @@
                       </a:endParaRPr>
                     </a:p>
                   </a:txBody>
-                  <a:tcPr marT="91425" marB="91425" marR="91425" marL="91425"/>
+                  <a:tcPr marL="91425" marR="91425" marT="91425" marB="91425"/>
                 </a:tc>
+                <a:extLst>
+                  <a:ext uri="{0D108BD9-81ED-4DB2-BD59-A6C34878D82A}">
+                    <a16:rowId xmlns:a16="http://schemas.microsoft.com/office/drawing/2014/main" val="10000"/>
+                  </a:ext>
+                </a:extLst>
               </a:tr>
-              <a:tr h="106625">
+              <a:tr h="0">
                 <a:tc>
                   <a:txBody>
                     <a:bodyPr/>
                     <a:lstStyle/>
                     <a:p>
-                      <a:pPr indent="0" lvl="0" marL="0" rtl="0" algn="ctr">
+                      <a:pPr marL="0" lvl="0" indent="0" algn="ctr" rtl="0">
                         <a:lnSpc>
                           <a:spcPct val="115000"/>
                         </a:lnSpc>
@@ -11159,42 +11164,42 @@
                       </a:endParaRPr>
                     </a:p>
                   </a:txBody>
-                  <a:tcPr marT="19050" marB="19050" marR="28575" marL="28575" anchor="ctr">
-                    <a:lnL cap="flat" cmpd="sng" w="9525">
+                  <a:tcPr marL="28575" marR="28575" marT="19050" marB="19050" anchor="ctr">
+                    <a:lnL w="9525" cap="flat" cmpd="sng">
                       <a:solidFill>
                         <a:srgbClr val="CCCCCC"/>
                       </a:solidFill>
                       <a:prstDash val="solid"/>
                       <a:round/>
-                      <a:headEnd len="sm" w="sm" type="none"/>
-                      <a:tailEnd len="sm" w="sm" type="none"/>
+                      <a:headEnd type="none" w="sm" len="sm"/>
+                      <a:tailEnd type="none" w="sm" len="sm"/>
                     </a:lnL>
-                    <a:lnR cap="flat" cmpd="sng" w="9525">
+                    <a:lnR w="9525" cap="flat" cmpd="sng">
                       <a:solidFill>
                         <a:srgbClr val="CCCCCC"/>
                       </a:solidFill>
                       <a:prstDash val="solid"/>
                       <a:round/>
-                      <a:headEnd len="sm" w="sm" type="none"/>
-                      <a:tailEnd len="sm" w="sm" type="none"/>
+                      <a:headEnd type="none" w="sm" len="sm"/>
+                      <a:tailEnd type="none" w="sm" len="sm"/>
                     </a:lnR>
-                    <a:lnT cap="flat" cmpd="sng" w="9525">
+                    <a:lnT w="9525" cap="flat" cmpd="sng">
                       <a:solidFill>
                         <a:srgbClr val="CCCCCC"/>
                       </a:solidFill>
                       <a:prstDash val="solid"/>
                       <a:round/>
-                      <a:headEnd len="sm" w="sm" type="none"/>
-                      <a:tailEnd len="sm" w="sm" type="none"/>
+                      <a:headEnd type="none" w="sm" len="sm"/>
+                      <a:tailEnd type="none" w="sm" len="sm"/>
                     </a:lnT>
-                    <a:lnB cap="flat" cmpd="sng" w="9525">
+                    <a:lnB w="9525" cap="flat" cmpd="sng">
                       <a:solidFill>
                         <a:srgbClr val="CCCCCC"/>
                       </a:solidFill>
                       <a:prstDash val="solid"/>
                       <a:round/>
-                      <a:headEnd len="sm" w="sm" type="none"/>
-                      <a:tailEnd len="sm" w="sm" type="none"/>
+                      <a:headEnd type="none" w="sm" len="sm"/>
+                      <a:tailEnd type="none" w="sm" len="sm"/>
                     </a:lnB>
                   </a:tcPr>
                 </a:tc>
@@ -11203,7 +11208,7 @@
                     <a:bodyPr/>
                     <a:lstStyle/>
                     <a:p>
-                      <a:pPr indent="0" lvl="0" marL="0" rtl="0" algn="ctr">
+                      <a:pPr marL="0" lvl="0" indent="0" algn="ctr" rtl="0">
                         <a:spcBef>
                           <a:spcPts val="0"/>
                         </a:spcBef>
@@ -11235,15 +11240,15 @@
                       </a:endParaRPr>
                     </a:p>
                   </a:txBody>
-                  <a:tcPr marT="91425" marB="91425" marR="91425" marL="91425">
-                    <a:lnL cap="flat" cmpd="sng" w="9525">
+                  <a:tcPr marL="91425" marR="91425" marT="91425" marB="91425">
+                    <a:lnL w="9525" cap="flat" cmpd="sng">
                       <a:solidFill>
                         <a:srgbClr val="CCCCCC"/>
                       </a:solidFill>
                       <a:prstDash val="solid"/>
                       <a:round/>
-                      <a:headEnd len="sm" w="sm" type="none"/>
-                      <a:tailEnd len="sm" w="sm" type="none"/>
+                      <a:headEnd type="none" w="sm" len="sm"/>
+                      <a:tailEnd type="none" w="sm" len="sm"/>
                     </a:lnL>
                   </a:tcPr>
                 </a:tc>
@@ -11252,7 +11257,7 @@
                     <a:bodyPr/>
                     <a:lstStyle/>
                     <a:p>
-                      <a:pPr indent="0" lvl="0" marL="0" rtl="0" algn="ctr">
+                      <a:pPr marL="0" lvl="0" indent="0" algn="ctr" rtl="0">
                         <a:spcBef>
                           <a:spcPts val="0"/>
                         </a:spcBef>
@@ -11284,14 +11289,14 @@
                       </a:endParaRPr>
                     </a:p>
                   </a:txBody>
-                  <a:tcPr marT="91425" marB="91425" marR="91425" marL="91425"/>
+                  <a:tcPr marL="91425" marR="91425" marT="91425" marB="91425"/>
                 </a:tc>
                 <a:tc>
                   <a:txBody>
                     <a:bodyPr/>
                     <a:lstStyle/>
                     <a:p>
-                      <a:pPr indent="0" lvl="0" marL="0" rtl="0" algn="ctr">
+                      <a:pPr marL="0" lvl="0" indent="0" algn="ctr" rtl="0">
                         <a:spcBef>
                           <a:spcPts val="0"/>
                         </a:spcBef>
@@ -11323,16 +11328,21 @@
                       </a:endParaRPr>
                     </a:p>
                   </a:txBody>
-                  <a:tcPr marT="91425" marB="91425" marR="91425" marL="91425"/>
+                  <a:tcPr marL="91425" marR="91425" marT="91425" marB="91425"/>
                 </a:tc>
+                <a:extLst>
+                  <a:ext uri="{0D108BD9-81ED-4DB2-BD59-A6C34878D82A}">
+                    <a16:rowId xmlns:a16="http://schemas.microsoft.com/office/drawing/2014/main" val="10001"/>
+                  </a:ext>
+                </a:extLst>
               </a:tr>
-              <a:tr h="106625">
+              <a:tr h="0">
                 <a:tc>
                   <a:txBody>
                     <a:bodyPr/>
                     <a:lstStyle/>
                     <a:p>
-                      <a:pPr indent="0" lvl="0" marL="0" rtl="0" algn="ctr">
+                      <a:pPr marL="0" lvl="0" indent="0" algn="ctr" rtl="0">
                         <a:lnSpc>
                           <a:spcPct val="115000"/>
                         </a:lnSpc>
@@ -11367,42 +11377,42 @@
                       </a:endParaRPr>
                     </a:p>
                   </a:txBody>
-                  <a:tcPr marT="19050" marB="19050" marR="28575" marL="28575" anchor="ctr">
-                    <a:lnL cap="flat" cmpd="sng" w="9525">
+                  <a:tcPr marL="28575" marR="28575" marT="19050" marB="19050" anchor="ctr">
+                    <a:lnL w="9525" cap="flat" cmpd="sng">
                       <a:solidFill>
                         <a:srgbClr val="CCCCCC"/>
                       </a:solidFill>
                       <a:prstDash val="solid"/>
                       <a:round/>
-                      <a:headEnd len="sm" w="sm" type="none"/>
-                      <a:tailEnd len="sm" w="sm" type="none"/>
+                      <a:headEnd type="none" w="sm" len="sm"/>
+                      <a:tailEnd type="none" w="sm" len="sm"/>
                     </a:lnL>
-                    <a:lnR cap="flat" cmpd="sng" w="9525">
+                    <a:lnR w="9525" cap="flat" cmpd="sng">
                       <a:solidFill>
                         <a:srgbClr val="CCCCCC"/>
                       </a:solidFill>
                       <a:prstDash val="solid"/>
                       <a:round/>
-                      <a:headEnd len="sm" w="sm" type="none"/>
-                      <a:tailEnd len="sm" w="sm" type="none"/>
+                      <a:headEnd type="none" w="sm" len="sm"/>
+                      <a:tailEnd type="none" w="sm" len="sm"/>
                     </a:lnR>
-                    <a:lnT cap="flat" cmpd="sng" w="9525">
+                    <a:lnT w="9525" cap="flat" cmpd="sng">
                       <a:solidFill>
                         <a:srgbClr val="CCCCCC"/>
                       </a:solidFill>
                       <a:prstDash val="solid"/>
                       <a:round/>
-                      <a:headEnd len="sm" w="sm" type="none"/>
-                      <a:tailEnd len="sm" w="sm" type="none"/>
+                      <a:headEnd type="none" w="sm" len="sm"/>
+                      <a:tailEnd type="none" w="sm" len="sm"/>
                     </a:lnT>
-                    <a:lnB cap="flat" cmpd="sng" w="9525">
+                    <a:lnB w="9525" cap="flat" cmpd="sng">
                       <a:solidFill>
                         <a:srgbClr val="CCCCCC"/>
                       </a:solidFill>
                       <a:prstDash val="solid"/>
                       <a:round/>
-                      <a:headEnd len="sm" w="sm" type="none"/>
-                      <a:tailEnd len="sm" w="sm" type="none"/>
+                      <a:headEnd type="none" w="sm" len="sm"/>
+                      <a:tailEnd type="none" w="sm" len="sm"/>
                     </a:lnB>
                   </a:tcPr>
                 </a:tc>
@@ -11411,7 +11421,7 @@
                     <a:bodyPr/>
                     <a:lstStyle/>
                     <a:p>
-                      <a:pPr indent="0" lvl="0" marL="0" rtl="0" algn="ctr">
+                      <a:pPr marL="0" lvl="0" indent="0" algn="ctr" rtl="0">
                         <a:spcBef>
                           <a:spcPts val="0"/>
                         </a:spcBef>
@@ -11443,15 +11453,15 @@
                       </a:endParaRPr>
                     </a:p>
                   </a:txBody>
-                  <a:tcPr marT="91425" marB="91425" marR="91425" marL="91425">
-                    <a:lnL cap="flat" cmpd="sng" w="9525">
+                  <a:tcPr marL="91425" marR="91425" marT="91425" marB="91425">
+                    <a:lnL w="9525" cap="flat" cmpd="sng">
                       <a:solidFill>
                         <a:srgbClr val="CCCCCC"/>
                       </a:solidFill>
                       <a:prstDash val="solid"/>
                       <a:round/>
-                      <a:headEnd len="sm" w="sm" type="none"/>
-                      <a:tailEnd len="sm" w="sm" type="none"/>
+                      <a:headEnd type="none" w="sm" len="sm"/>
+                      <a:tailEnd type="none" w="sm" len="sm"/>
                     </a:lnL>
                   </a:tcPr>
                 </a:tc>
@@ -11460,7 +11470,7 @@
                     <a:bodyPr/>
                     <a:lstStyle/>
                     <a:p>
-                      <a:pPr indent="0" lvl="0" marL="0" rtl="0" algn="ctr">
+                      <a:pPr marL="0" lvl="0" indent="0" algn="ctr" rtl="0">
                         <a:spcBef>
                           <a:spcPts val="0"/>
                         </a:spcBef>
@@ -11492,14 +11502,14 @@
                       </a:endParaRPr>
                     </a:p>
                   </a:txBody>
-                  <a:tcPr marT="91425" marB="91425" marR="91425" marL="91425"/>
+                  <a:tcPr marL="91425" marR="91425" marT="91425" marB="91425"/>
                 </a:tc>
                 <a:tc>
                   <a:txBody>
                     <a:bodyPr/>
                     <a:lstStyle/>
                     <a:p>
-                      <a:pPr indent="0" lvl="0" marL="0" rtl="0" algn="ctr">
+                      <a:pPr marL="0" lvl="0" indent="0" algn="ctr" rtl="0">
                         <a:spcBef>
                           <a:spcPts val="0"/>
                         </a:spcBef>
@@ -11531,16 +11541,21 @@
                       </a:endParaRPr>
                     </a:p>
                   </a:txBody>
-                  <a:tcPr marT="91425" marB="91425" marR="91425" marL="91425"/>
+                  <a:tcPr marL="91425" marR="91425" marT="91425" marB="91425"/>
                 </a:tc>
+                <a:extLst>
+                  <a:ext uri="{0D108BD9-81ED-4DB2-BD59-A6C34878D82A}">
+                    <a16:rowId xmlns:a16="http://schemas.microsoft.com/office/drawing/2014/main" val="10002"/>
+                  </a:ext>
+                </a:extLst>
               </a:tr>
-              <a:tr h="106625">
+              <a:tr h="0">
                 <a:tc>
                   <a:txBody>
                     <a:bodyPr/>
                     <a:lstStyle/>
                     <a:p>
-                      <a:pPr indent="0" lvl="0" marL="0" rtl="0" algn="ctr">
+                      <a:pPr marL="0" lvl="0" indent="0" algn="ctr" rtl="0">
                         <a:lnSpc>
                           <a:spcPct val="115000"/>
                         </a:lnSpc>
@@ -11575,42 +11590,42 @@
                       </a:endParaRPr>
                     </a:p>
                   </a:txBody>
-                  <a:tcPr marT="19050" marB="19050" marR="28575" marL="28575" anchor="ctr">
-                    <a:lnL cap="flat" cmpd="sng" w="9525">
+                  <a:tcPr marL="28575" marR="28575" marT="19050" marB="19050" anchor="ctr">
+                    <a:lnL w="9525" cap="flat" cmpd="sng">
                       <a:solidFill>
                         <a:srgbClr val="CCCCCC"/>
                       </a:solidFill>
                       <a:prstDash val="solid"/>
                       <a:round/>
-                      <a:headEnd len="sm" w="sm" type="none"/>
-                      <a:tailEnd len="sm" w="sm" type="none"/>
+                      <a:headEnd type="none" w="sm" len="sm"/>
+                      <a:tailEnd type="none" w="sm" len="sm"/>
                     </a:lnL>
-                    <a:lnR cap="flat" cmpd="sng" w="9525">
+                    <a:lnR w="9525" cap="flat" cmpd="sng">
                       <a:solidFill>
                         <a:srgbClr val="CCCCCC"/>
                       </a:solidFill>
                       <a:prstDash val="solid"/>
                       <a:round/>
-                      <a:headEnd len="sm" w="sm" type="none"/>
-                      <a:tailEnd len="sm" w="sm" type="none"/>
+                      <a:headEnd type="none" w="sm" len="sm"/>
+                      <a:tailEnd type="none" w="sm" len="sm"/>
                     </a:lnR>
-                    <a:lnT cap="flat" cmpd="sng" w="9525">
+                    <a:lnT w="9525" cap="flat" cmpd="sng">
                       <a:solidFill>
                         <a:srgbClr val="CCCCCC"/>
                       </a:solidFill>
                       <a:prstDash val="solid"/>
                       <a:round/>
-                      <a:headEnd len="sm" w="sm" type="none"/>
-                      <a:tailEnd len="sm" w="sm" type="none"/>
+                      <a:headEnd type="none" w="sm" len="sm"/>
+                      <a:tailEnd type="none" w="sm" len="sm"/>
                     </a:lnT>
-                    <a:lnB cap="flat" cmpd="sng" w="9525">
+                    <a:lnB w="9525" cap="flat" cmpd="sng">
                       <a:solidFill>
                         <a:srgbClr val="CCCCCC"/>
                       </a:solidFill>
                       <a:prstDash val="solid"/>
                       <a:round/>
-                      <a:headEnd len="sm" w="sm" type="none"/>
-                      <a:tailEnd len="sm" w="sm" type="none"/>
+                      <a:headEnd type="none" w="sm" len="sm"/>
+                      <a:tailEnd type="none" w="sm" len="sm"/>
                     </a:lnB>
                   </a:tcPr>
                 </a:tc>
@@ -11619,7 +11634,7 @@
                     <a:bodyPr/>
                     <a:lstStyle/>
                     <a:p>
-                      <a:pPr indent="0" lvl="0" marL="0" rtl="0" algn="ctr">
+                      <a:pPr marL="0" lvl="0" indent="0" algn="ctr" rtl="0">
                         <a:spcBef>
                           <a:spcPts val="0"/>
                         </a:spcBef>
@@ -11651,15 +11666,15 @@
                       </a:endParaRPr>
                     </a:p>
                   </a:txBody>
-                  <a:tcPr marT="91425" marB="91425" marR="91425" marL="91425">
-                    <a:lnL cap="flat" cmpd="sng" w="9525">
+                  <a:tcPr marL="91425" marR="91425" marT="91425" marB="91425">
+                    <a:lnL w="9525" cap="flat" cmpd="sng">
                       <a:solidFill>
                         <a:srgbClr val="CCCCCC"/>
                       </a:solidFill>
                       <a:prstDash val="solid"/>
                       <a:round/>
-                      <a:headEnd len="sm" w="sm" type="none"/>
-                      <a:tailEnd len="sm" w="sm" type="none"/>
+                      <a:headEnd type="none" w="sm" len="sm"/>
+                      <a:tailEnd type="none" w="sm" len="sm"/>
                     </a:lnL>
                   </a:tcPr>
                 </a:tc>
@@ -11668,7 +11683,7 @@
                     <a:bodyPr/>
                     <a:lstStyle/>
                     <a:p>
-                      <a:pPr indent="0" lvl="0" marL="0" rtl="0" algn="ctr">
+                      <a:pPr marL="0" lvl="0" indent="0" algn="ctr" rtl="0">
                         <a:spcBef>
                           <a:spcPts val="0"/>
                         </a:spcBef>
@@ -11700,14 +11715,14 @@
                       </a:endParaRPr>
                     </a:p>
                   </a:txBody>
-                  <a:tcPr marT="91425" marB="91425" marR="91425" marL="91425"/>
+                  <a:tcPr marL="91425" marR="91425" marT="91425" marB="91425"/>
                 </a:tc>
                 <a:tc>
                   <a:txBody>
                     <a:bodyPr/>
                     <a:lstStyle/>
                     <a:p>
-                      <a:pPr indent="0" lvl="0" marL="0" rtl="0" algn="ctr">
+                      <a:pPr marL="0" lvl="0" indent="0" algn="ctr" rtl="0">
                         <a:spcBef>
                           <a:spcPts val="0"/>
                         </a:spcBef>
@@ -11739,16 +11754,21 @@
                       </a:endParaRPr>
                     </a:p>
                   </a:txBody>
-                  <a:tcPr marT="91425" marB="91425" marR="91425" marL="91425"/>
+                  <a:tcPr marL="91425" marR="91425" marT="91425" marB="91425"/>
                 </a:tc>
+                <a:extLst>
+                  <a:ext uri="{0D108BD9-81ED-4DB2-BD59-A6C34878D82A}">
+                    <a16:rowId xmlns:a16="http://schemas.microsoft.com/office/drawing/2014/main" val="10003"/>
+                  </a:ext>
+                </a:extLst>
               </a:tr>
-              <a:tr h="145925">
+              <a:tr h="0">
                 <a:tc>
                   <a:txBody>
                     <a:bodyPr/>
                     <a:lstStyle/>
                     <a:p>
-                      <a:pPr indent="0" lvl="0" marL="0" rtl="0" algn="ctr">
+                      <a:pPr marL="0" lvl="0" indent="0" algn="ctr" rtl="0">
                         <a:lnSpc>
                           <a:spcPct val="115000"/>
                         </a:lnSpc>
@@ -11783,42 +11803,42 @@
                       </a:endParaRPr>
                     </a:p>
                   </a:txBody>
-                  <a:tcPr marT="19050" marB="19050" marR="28575" marL="28575" anchor="ctr">
-                    <a:lnL cap="flat" cmpd="sng" w="9525">
+                  <a:tcPr marL="28575" marR="28575" marT="19050" marB="19050" anchor="ctr">
+                    <a:lnL w="9525" cap="flat" cmpd="sng">
                       <a:solidFill>
                         <a:srgbClr val="CCCCCC"/>
                       </a:solidFill>
                       <a:prstDash val="solid"/>
                       <a:round/>
-                      <a:headEnd len="sm" w="sm" type="none"/>
-                      <a:tailEnd len="sm" w="sm" type="none"/>
+                      <a:headEnd type="none" w="sm" len="sm"/>
+                      <a:tailEnd type="none" w="sm" len="sm"/>
                     </a:lnL>
-                    <a:lnR cap="flat" cmpd="sng" w="9525">
+                    <a:lnR w="9525" cap="flat" cmpd="sng">
                       <a:solidFill>
                         <a:srgbClr val="CCCCCC"/>
                       </a:solidFill>
                       <a:prstDash val="solid"/>
                       <a:round/>
-                      <a:headEnd len="sm" w="sm" type="none"/>
-                      <a:tailEnd len="sm" w="sm" type="none"/>
+                      <a:headEnd type="none" w="sm" len="sm"/>
+                      <a:tailEnd type="none" w="sm" len="sm"/>
                     </a:lnR>
-                    <a:lnT cap="flat" cmpd="sng" w="9525">
+                    <a:lnT w="9525" cap="flat" cmpd="sng">
                       <a:solidFill>
                         <a:srgbClr val="CCCCCC"/>
                       </a:solidFill>
                       <a:prstDash val="solid"/>
                       <a:round/>
-                      <a:headEnd len="sm" w="sm" type="none"/>
-                      <a:tailEnd len="sm" w="sm" type="none"/>
+                      <a:headEnd type="none" w="sm" len="sm"/>
+                      <a:tailEnd type="none" w="sm" len="sm"/>
                     </a:lnT>
-                    <a:lnB cap="flat" cmpd="sng" w="9525">
+                    <a:lnB w="9525" cap="flat" cmpd="sng">
                       <a:solidFill>
                         <a:srgbClr val="CCCCCC"/>
                       </a:solidFill>
                       <a:prstDash val="solid"/>
                       <a:round/>
-                      <a:headEnd len="sm" w="sm" type="none"/>
-                      <a:tailEnd len="sm" w="sm" type="none"/>
+                      <a:headEnd type="none" w="sm" len="sm"/>
+                      <a:tailEnd type="none" w="sm" len="sm"/>
                     </a:lnB>
                   </a:tcPr>
                 </a:tc>
@@ -11827,7 +11847,7 @@
                     <a:bodyPr/>
                     <a:lstStyle/>
                     <a:p>
-                      <a:pPr indent="0" lvl="0" marL="0" rtl="0" algn="ctr">
+                      <a:pPr marL="0" lvl="0" indent="0" algn="ctr" rtl="0">
                         <a:spcBef>
                           <a:spcPts val="0"/>
                         </a:spcBef>
@@ -11859,15 +11879,15 @@
                       </a:endParaRPr>
                     </a:p>
                   </a:txBody>
-                  <a:tcPr marT="91425" marB="91425" marR="91425" marL="91425">
-                    <a:lnL cap="flat" cmpd="sng" w="9525">
+                  <a:tcPr marL="91425" marR="91425" marT="91425" marB="91425">
+                    <a:lnL w="9525" cap="flat" cmpd="sng">
                       <a:solidFill>
                         <a:srgbClr val="CCCCCC"/>
                       </a:solidFill>
                       <a:prstDash val="solid"/>
                       <a:round/>
-                      <a:headEnd len="sm" w="sm" type="none"/>
-                      <a:tailEnd len="sm" w="sm" type="none"/>
+                      <a:headEnd type="none" w="sm" len="sm"/>
+                      <a:tailEnd type="none" w="sm" len="sm"/>
                     </a:lnL>
                   </a:tcPr>
                 </a:tc>
@@ -11876,7 +11896,7 @@
                     <a:bodyPr/>
                     <a:lstStyle/>
                     <a:p>
-                      <a:pPr indent="0" lvl="0" marL="0" rtl="0" algn="ctr">
+                      <a:pPr marL="0" lvl="0" indent="0" algn="ctr" rtl="0">
                         <a:spcBef>
                           <a:spcPts val="0"/>
                         </a:spcBef>
@@ -11908,14 +11928,14 @@
                       </a:endParaRPr>
                     </a:p>
                   </a:txBody>
-                  <a:tcPr marT="91425" marB="91425" marR="91425" marL="91425"/>
+                  <a:tcPr marL="91425" marR="91425" marT="91425" marB="91425"/>
                 </a:tc>
                 <a:tc>
                   <a:txBody>
                     <a:bodyPr/>
                     <a:lstStyle/>
                     <a:p>
-                      <a:pPr indent="0" lvl="0" marL="0" rtl="0" algn="ctr">
+                      <a:pPr marL="0" lvl="0" indent="0" algn="ctr" rtl="0">
                         <a:spcBef>
                           <a:spcPts val="0"/>
                         </a:spcBef>
@@ -11947,7 +11967,7 @@
                       </a:endParaRPr>
                     </a:p>
                     <a:p>
-                      <a:pPr indent="0" lvl="0" marL="0" rtl="0" algn="l">
+                      <a:pPr marL="0" lvl="0" indent="0" algn="l" rtl="0">
                         <a:spcBef>
                           <a:spcPts val="0"/>
                         </a:spcBef>
@@ -11956,9 +11976,6 @@
                         </a:spcAft>
                         <a:buNone/>
                       </a:pPr>
-                      <a:r>
-                        <a:t/>
-                      </a:r>
                       <a:endParaRPr sz="800">
                         <a:solidFill>
                           <a:schemeClr val="lt1"/>
@@ -11970,16 +11987,21 @@
                       </a:endParaRPr>
                     </a:p>
                   </a:txBody>
-                  <a:tcPr marT="91425" marB="91425" marR="91425" marL="91425"/>
+                  <a:tcPr marL="91425" marR="91425" marT="91425" marB="91425"/>
                 </a:tc>
+                <a:extLst>
+                  <a:ext uri="{0D108BD9-81ED-4DB2-BD59-A6C34878D82A}">
+                    <a16:rowId xmlns:a16="http://schemas.microsoft.com/office/drawing/2014/main" val="10004"/>
+                  </a:ext>
+                </a:extLst>
               </a:tr>
-              <a:tr h="106625">
+              <a:tr h="0">
                 <a:tc>
                   <a:txBody>
                     <a:bodyPr/>
                     <a:lstStyle/>
                     <a:p>
-                      <a:pPr indent="0" lvl="0" marL="0" rtl="0" algn="ctr">
+                      <a:pPr marL="0" lvl="0" indent="0" algn="ctr" rtl="0">
                         <a:lnSpc>
                           <a:spcPct val="115000"/>
                         </a:lnSpc>
@@ -12014,42 +12036,42 @@
                       </a:endParaRPr>
                     </a:p>
                   </a:txBody>
-                  <a:tcPr marT="19050" marB="19050" marR="28575" marL="28575" anchor="ctr">
-                    <a:lnL cap="flat" cmpd="sng" w="9525">
+                  <a:tcPr marL="28575" marR="28575" marT="19050" marB="19050" anchor="ctr">
+                    <a:lnL w="9525" cap="flat" cmpd="sng">
                       <a:solidFill>
                         <a:srgbClr val="CCCCCC"/>
                       </a:solidFill>
                       <a:prstDash val="solid"/>
                       <a:round/>
-                      <a:headEnd len="sm" w="sm" type="none"/>
-                      <a:tailEnd len="sm" w="sm" type="none"/>
+                      <a:headEnd type="none" w="sm" len="sm"/>
+                      <a:tailEnd type="none" w="sm" len="sm"/>
                     </a:lnL>
-                    <a:lnR cap="flat" cmpd="sng" w="9525">
+                    <a:lnR w="9525" cap="flat" cmpd="sng">
                       <a:solidFill>
                         <a:srgbClr val="CCCCCC"/>
                       </a:solidFill>
                       <a:prstDash val="solid"/>
                       <a:round/>
-                      <a:headEnd len="sm" w="sm" type="none"/>
-                      <a:tailEnd len="sm" w="sm" type="none"/>
+                      <a:headEnd type="none" w="sm" len="sm"/>
+                      <a:tailEnd type="none" w="sm" len="sm"/>
                     </a:lnR>
-                    <a:lnT cap="flat" cmpd="sng" w="9525">
+                    <a:lnT w="9525" cap="flat" cmpd="sng">
                       <a:solidFill>
                         <a:srgbClr val="CCCCCC"/>
                       </a:solidFill>
                       <a:prstDash val="solid"/>
                       <a:round/>
-                      <a:headEnd len="sm" w="sm" type="none"/>
-                      <a:tailEnd len="sm" w="sm" type="none"/>
+                      <a:headEnd type="none" w="sm" len="sm"/>
+                      <a:tailEnd type="none" w="sm" len="sm"/>
                     </a:lnT>
-                    <a:lnB cap="flat" cmpd="sng" w="9525">
+                    <a:lnB w="9525" cap="flat" cmpd="sng">
                       <a:solidFill>
                         <a:srgbClr val="CCCCCC"/>
                       </a:solidFill>
                       <a:prstDash val="solid"/>
                       <a:round/>
-                      <a:headEnd len="sm" w="sm" type="none"/>
-                      <a:tailEnd len="sm" w="sm" type="none"/>
+                      <a:headEnd type="none" w="sm" len="sm"/>
+                      <a:tailEnd type="none" w="sm" len="sm"/>
                     </a:lnB>
                   </a:tcPr>
                 </a:tc>
@@ -12058,7 +12080,7 @@
                     <a:bodyPr/>
                     <a:lstStyle/>
                     <a:p>
-                      <a:pPr indent="0" lvl="0" marL="0" rtl="0" algn="ctr">
+                      <a:pPr marL="0" lvl="0" indent="0" algn="ctr" rtl="0">
                         <a:spcBef>
                           <a:spcPts val="0"/>
                         </a:spcBef>
@@ -12090,15 +12112,15 @@
                       </a:endParaRPr>
                     </a:p>
                   </a:txBody>
-                  <a:tcPr marT="91425" marB="91425" marR="91425" marL="91425">
-                    <a:lnL cap="flat" cmpd="sng" w="9525">
+                  <a:tcPr marL="91425" marR="91425" marT="91425" marB="91425">
+                    <a:lnL w="9525" cap="flat" cmpd="sng">
                       <a:solidFill>
                         <a:srgbClr val="CCCCCC"/>
                       </a:solidFill>
                       <a:prstDash val="solid"/>
                       <a:round/>
-                      <a:headEnd len="sm" w="sm" type="none"/>
-                      <a:tailEnd len="sm" w="sm" type="none"/>
+                      <a:headEnd type="none" w="sm" len="sm"/>
+                      <a:tailEnd type="none" w="sm" len="sm"/>
                     </a:lnL>
                   </a:tcPr>
                 </a:tc>
@@ -12107,7 +12129,7 @@
                     <a:bodyPr/>
                     <a:lstStyle/>
                     <a:p>
-                      <a:pPr indent="0" lvl="0" marL="0" rtl="0" algn="ctr">
+                      <a:pPr marL="0" lvl="0" indent="0" algn="ctr" rtl="0">
                         <a:spcBef>
                           <a:spcPts val="0"/>
                         </a:spcBef>
@@ -12139,14 +12161,14 @@
                       </a:endParaRPr>
                     </a:p>
                   </a:txBody>
-                  <a:tcPr marT="91425" marB="91425" marR="91425" marL="91425"/>
+                  <a:tcPr marL="91425" marR="91425" marT="91425" marB="91425"/>
                 </a:tc>
                 <a:tc>
                   <a:txBody>
                     <a:bodyPr/>
                     <a:lstStyle/>
                     <a:p>
-                      <a:pPr indent="0" lvl="0" marL="0" rtl="0" algn="ctr">
+                      <a:pPr marL="0" lvl="0" indent="0" algn="ctr" rtl="0">
                         <a:spcBef>
                           <a:spcPts val="0"/>
                         </a:spcBef>
@@ -12178,16 +12200,21 @@
                       </a:endParaRPr>
                     </a:p>
                   </a:txBody>
-                  <a:tcPr marT="91425" marB="91425" marR="91425" marL="91425"/>
+                  <a:tcPr marL="91425" marR="91425" marT="91425" marB="91425"/>
                 </a:tc>
+                <a:extLst>
+                  <a:ext uri="{0D108BD9-81ED-4DB2-BD59-A6C34878D82A}">
+                    <a16:rowId xmlns:a16="http://schemas.microsoft.com/office/drawing/2014/main" val="10005"/>
+                  </a:ext>
+                </a:extLst>
               </a:tr>
-              <a:tr h="106625">
+              <a:tr h="0">
                 <a:tc>
                   <a:txBody>
                     <a:bodyPr/>
                     <a:lstStyle/>
                     <a:p>
-                      <a:pPr indent="0" lvl="0" marL="0" rtl="0" algn="ctr">
+                      <a:pPr marL="0" lvl="0" indent="0" algn="ctr" rtl="0">
                         <a:lnSpc>
                           <a:spcPct val="115000"/>
                         </a:lnSpc>
@@ -12222,42 +12249,42 @@
                       </a:endParaRPr>
                     </a:p>
                   </a:txBody>
-                  <a:tcPr marT="19050" marB="19050" marR="28575" marL="28575" anchor="ctr">
-                    <a:lnL cap="flat" cmpd="sng" w="9525">
+                  <a:tcPr marL="28575" marR="28575" marT="19050" marB="19050" anchor="ctr">
+                    <a:lnL w="9525" cap="flat" cmpd="sng">
                       <a:solidFill>
                         <a:srgbClr val="CCCCCC"/>
                       </a:solidFill>
                       <a:prstDash val="solid"/>
                       <a:round/>
-                      <a:headEnd len="sm" w="sm" type="none"/>
-                      <a:tailEnd len="sm" w="sm" type="none"/>
+                      <a:headEnd type="none" w="sm" len="sm"/>
+                      <a:tailEnd type="none" w="sm" len="sm"/>
                     </a:lnL>
-                    <a:lnR cap="flat" cmpd="sng" w="9525">
+                    <a:lnR w="9525" cap="flat" cmpd="sng">
                       <a:solidFill>
                         <a:srgbClr val="CCCCCC"/>
                       </a:solidFill>
                       <a:prstDash val="solid"/>
                       <a:round/>
-                      <a:headEnd len="sm" w="sm" type="none"/>
-                      <a:tailEnd len="sm" w="sm" type="none"/>
+                      <a:headEnd type="none" w="sm" len="sm"/>
+                      <a:tailEnd type="none" w="sm" len="sm"/>
                     </a:lnR>
-                    <a:lnT cap="flat" cmpd="sng" w="9525">
+                    <a:lnT w="9525" cap="flat" cmpd="sng">
                       <a:solidFill>
                         <a:srgbClr val="CCCCCC"/>
                       </a:solidFill>
                       <a:prstDash val="solid"/>
                       <a:round/>
-                      <a:headEnd len="sm" w="sm" type="none"/>
-                      <a:tailEnd len="sm" w="sm" type="none"/>
+                      <a:headEnd type="none" w="sm" len="sm"/>
+                      <a:tailEnd type="none" w="sm" len="sm"/>
                     </a:lnT>
-                    <a:lnB cap="flat" cmpd="sng" w="9525">
+                    <a:lnB w="9525" cap="flat" cmpd="sng">
                       <a:solidFill>
                         <a:srgbClr val="CCCCCC"/>
                       </a:solidFill>
                       <a:prstDash val="solid"/>
                       <a:round/>
-                      <a:headEnd len="sm" w="sm" type="none"/>
-                      <a:tailEnd len="sm" w="sm" type="none"/>
+                      <a:headEnd type="none" w="sm" len="sm"/>
+                      <a:tailEnd type="none" w="sm" len="sm"/>
                     </a:lnB>
                   </a:tcPr>
                 </a:tc>
@@ -12266,7 +12293,7 @@
                     <a:bodyPr/>
                     <a:lstStyle/>
                     <a:p>
-                      <a:pPr indent="0" lvl="0" marL="0" rtl="0" algn="ctr">
+                      <a:pPr marL="0" lvl="0" indent="0" algn="ctr" rtl="0">
                         <a:spcBef>
                           <a:spcPts val="0"/>
                         </a:spcBef>
@@ -12298,15 +12325,15 @@
                       </a:endParaRPr>
                     </a:p>
                   </a:txBody>
-                  <a:tcPr marT="91425" marB="91425" marR="91425" marL="91425">
-                    <a:lnL cap="flat" cmpd="sng" w="9525">
+                  <a:tcPr marL="91425" marR="91425" marT="91425" marB="91425">
+                    <a:lnL w="9525" cap="flat" cmpd="sng">
                       <a:solidFill>
                         <a:srgbClr val="CCCCCC"/>
                       </a:solidFill>
                       <a:prstDash val="solid"/>
                       <a:round/>
-                      <a:headEnd len="sm" w="sm" type="none"/>
-                      <a:tailEnd len="sm" w="sm" type="none"/>
+                      <a:headEnd type="none" w="sm" len="sm"/>
+                      <a:tailEnd type="none" w="sm" len="sm"/>
                     </a:lnL>
                   </a:tcPr>
                 </a:tc>
@@ -12315,7 +12342,7 @@
                     <a:bodyPr/>
                     <a:lstStyle/>
                     <a:p>
-                      <a:pPr indent="0" lvl="0" marL="0" rtl="0" algn="ctr">
+                      <a:pPr marL="0" lvl="0" indent="0" algn="ctr" rtl="0">
                         <a:spcBef>
                           <a:spcPts val="0"/>
                         </a:spcBef>
@@ -12347,14 +12374,14 @@
                       </a:endParaRPr>
                     </a:p>
                   </a:txBody>
-                  <a:tcPr marT="91425" marB="91425" marR="91425" marL="91425"/>
+                  <a:tcPr marL="91425" marR="91425" marT="91425" marB="91425"/>
                 </a:tc>
                 <a:tc>
                   <a:txBody>
                     <a:bodyPr/>
                     <a:lstStyle/>
                     <a:p>
-                      <a:pPr indent="0" lvl="0" marL="0" rtl="0" algn="ctr">
+                      <a:pPr marL="0" lvl="0" indent="0" algn="ctr" rtl="0">
                         <a:spcBef>
                           <a:spcPts val="0"/>
                         </a:spcBef>
@@ -12386,16 +12413,21 @@
                       </a:endParaRPr>
                     </a:p>
                   </a:txBody>
-                  <a:tcPr marT="91425" marB="91425" marR="91425" marL="91425"/>
+                  <a:tcPr marL="91425" marR="91425" marT="91425" marB="91425"/>
                 </a:tc>
+                <a:extLst>
+                  <a:ext uri="{0D108BD9-81ED-4DB2-BD59-A6C34878D82A}">
+                    <a16:rowId xmlns:a16="http://schemas.microsoft.com/office/drawing/2014/main" val="10006"/>
+                  </a:ext>
+                </a:extLst>
               </a:tr>
-              <a:tr h="106625">
+              <a:tr h="0">
                 <a:tc>
                   <a:txBody>
                     <a:bodyPr/>
                     <a:lstStyle/>
                     <a:p>
-                      <a:pPr indent="0" lvl="0" marL="0" rtl="0" algn="ctr">
+                      <a:pPr marL="0" lvl="0" indent="0" algn="ctr" rtl="0">
                         <a:lnSpc>
                           <a:spcPct val="115000"/>
                         </a:lnSpc>
@@ -12408,7 +12440,7 @@
                         <a:buNone/>
                       </a:pPr>
                       <a:r>
-                        <a:rPr b="1" lang="en" sz="800">
+                        <a:rPr lang="en" sz="800" b="1">
                           <a:solidFill>
                             <a:schemeClr val="lt1"/>
                           </a:solidFill>
@@ -12419,7 +12451,7 @@
                         </a:rPr>
                         <a:t>Sum</a:t>
                       </a:r>
-                      <a:endParaRPr b="1" sz="800">
+                      <a:endParaRPr sz="800" b="1">
                         <a:solidFill>
                           <a:schemeClr val="lt1"/>
                         </a:solidFill>
@@ -12430,42 +12462,42 @@
                       </a:endParaRPr>
                     </a:p>
                   </a:txBody>
-                  <a:tcPr marT="19050" marB="19050" marR="28575" marL="28575" anchor="ctr">
-                    <a:lnL cap="flat" cmpd="sng" w="9525">
+                  <a:tcPr marL="28575" marR="28575" marT="19050" marB="19050" anchor="ctr">
+                    <a:lnL w="9525" cap="flat" cmpd="sng">
                       <a:solidFill>
                         <a:srgbClr val="CCCCCC"/>
                       </a:solidFill>
                       <a:prstDash val="solid"/>
                       <a:round/>
-                      <a:headEnd len="sm" w="sm" type="none"/>
-                      <a:tailEnd len="sm" w="sm" type="none"/>
+                      <a:headEnd type="none" w="sm" len="sm"/>
+                      <a:tailEnd type="none" w="sm" len="sm"/>
                     </a:lnL>
-                    <a:lnR cap="flat" cmpd="sng" w="9525">
+                    <a:lnR w="9525" cap="flat" cmpd="sng">
                       <a:solidFill>
                         <a:srgbClr val="CCCCCC"/>
                       </a:solidFill>
                       <a:prstDash val="solid"/>
                       <a:round/>
-                      <a:headEnd len="sm" w="sm" type="none"/>
-                      <a:tailEnd len="sm" w="sm" type="none"/>
+                      <a:headEnd type="none" w="sm" len="sm"/>
+                      <a:tailEnd type="none" w="sm" len="sm"/>
                     </a:lnR>
-                    <a:lnT cap="flat" cmpd="sng" w="9525">
+                    <a:lnT w="9525" cap="flat" cmpd="sng">
                       <a:solidFill>
                         <a:srgbClr val="CCCCCC"/>
                       </a:solidFill>
                       <a:prstDash val="solid"/>
                       <a:round/>
-                      <a:headEnd len="sm" w="sm" type="none"/>
-                      <a:tailEnd len="sm" w="sm" type="none"/>
+                      <a:headEnd type="none" w="sm" len="sm"/>
+                      <a:tailEnd type="none" w="sm" len="sm"/>
                     </a:lnT>
-                    <a:lnB cap="flat" cmpd="sng" w="9525">
+                    <a:lnB w="9525" cap="flat" cmpd="sng">
                       <a:solidFill>
                         <a:srgbClr val="CCCCCC"/>
                       </a:solidFill>
                       <a:prstDash val="solid"/>
                       <a:round/>
-                      <a:headEnd len="sm" w="sm" type="none"/>
-                      <a:tailEnd len="sm" w="sm" type="none"/>
+                      <a:headEnd type="none" w="sm" len="sm"/>
+                      <a:tailEnd type="none" w="sm" len="sm"/>
                     </a:lnB>
                   </a:tcPr>
                 </a:tc>
@@ -12474,7 +12506,7 @@
                     <a:bodyPr/>
                     <a:lstStyle/>
                     <a:p>
-                      <a:pPr indent="0" lvl="0" marL="0" rtl="0" algn="ctr">
+                      <a:pPr marL="0" lvl="0" indent="0" algn="ctr" rtl="0">
                         <a:spcBef>
                           <a:spcPts val="0"/>
                         </a:spcBef>
@@ -12483,10 +12515,7 @@
                         </a:spcAft>
                         <a:buNone/>
                       </a:pPr>
-                      <a:r>
-                        <a:t/>
-                      </a:r>
-                      <a:endParaRPr b="1" sz="800">
+                      <a:endParaRPr sz="800" b="1">
                         <a:solidFill>
                           <a:schemeClr val="lt1"/>
                         </a:solidFill>
@@ -12497,15 +12526,15 @@
                       </a:endParaRPr>
                     </a:p>
                   </a:txBody>
-                  <a:tcPr marT="91425" marB="91425" marR="91425" marL="91425">
-                    <a:lnL cap="flat" cmpd="sng" w="9525">
+                  <a:tcPr marL="91425" marR="91425" marT="91425" marB="91425">
+                    <a:lnL w="9525" cap="flat" cmpd="sng">
                       <a:solidFill>
                         <a:srgbClr val="CCCCCC"/>
                       </a:solidFill>
                       <a:prstDash val="solid"/>
                       <a:round/>
-                      <a:headEnd len="sm" w="sm" type="none"/>
-                      <a:tailEnd len="sm" w="sm" type="none"/>
+                      <a:headEnd type="none" w="sm" len="sm"/>
+                      <a:tailEnd type="none" w="sm" len="sm"/>
                     </a:lnL>
                   </a:tcPr>
                 </a:tc>
@@ -12514,7 +12543,7 @@
                     <a:bodyPr/>
                     <a:lstStyle/>
                     <a:p>
-                      <a:pPr indent="0" lvl="0" marL="0" rtl="0" algn="ctr">
+                      <a:pPr marL="0" lvl="0" indent="0" algn="ctr" rtl="0">
                         <a:spcBef>
                           <a:spcPts val="0"/>
                         </a:spcBef>
@@ -12523,10 +12552,7 @@
                         </a:spcAft>
                         <a:buNone/>
                       </a:pPr>
-                      <a:r>
-                        <a:t/>
-                      </a:r>
-                      <a:endParaRPr b="1" sz="800">
+                      <a:endParaRPr sz="800" b="1">
                         <a:solidFill>
                           <a:schemeClr val="lt1"/>
                         </a:solidFill>
@@ -12537,14 +12563,14 @@
                       </a:endParaRPr>
                     </a:p>
                   </a:txBody>
-                  <a:tcPr marT="91425" marB="91425" marR="91425" marL="91425"/>
+                  <a:tcPr marL="91425" marR="91425" marT="91425" marB="91425"/>
                 </a:tc>
                 <a:tc>
                   <a:txBody>
                     <a:bodyPr/>
                     <a:lstStyle/>
                     <a:p>
-                      <a:pPr indent="0" lvl="0" marL="0" rtl="0" algn="ctr">
+                      <a:pPr marL="0" lvl="0" indent="0" algn="ctr" rtl="0">
                         <a:spcBef>
                           <a:spcPts val="0"/>
                         </a:spcBef>
@@ -12554,7 +12580,7 @@
                         <a:buNone/>
                       </a:pPr>
                       <a:r>
-                        <a:rPr b="1" lang="en" sz="800">
+                        <a:rPr lang="en" sz="800" b="1">
                           <a:solidFill>
                             <a:schemeClr val="lt1"/>
                           </a:solidFill>
@@ -12565,7 +12591,7 @@
                         </a:rPr>
                         <a:t>1.1125</a:t>
                       </a:r>
-                      <a:endParaRPr b="1" sz="800">
+                      <a:endParaRPr sz="800" b="1">
                         <a:solidFill>
                           <a:schemeClr val="lt1"/>
                         </a:solidFill>
@@ -12576,8 +12602,13 @@
                       </a:endParaRPr>
                     </a:p>
                   </a:txBody>
-                  <a:tcPr marT="91425" marB="91425" marR="91425" marL="91425"/>
+                  <a:tcPr marL="91425" marR="91425" marT="91425" marB="91425"/>
                 </a:tc>
+                <a:extLst>
+                  <a:ext uri="{0D108BD9-81ED-4DB2-BD59-A6C34878D82A}">
+                    <a16:rowId xmlns:a16="http://schemas.microsoft.com/office/drawing/2014/main" val="10007"/>
+                  </a:ext>
+                </a:extLst>
               </a:tr>
             </a:tbl>
           </a:graphicData>
@@ -12586,9 +12617,11 @@
       <p:sp>
         <p:nvSpPr>
           <p:cNvPr id="161" name="Google Shape;161;p17"/>
-          <p:cNvSpPr txBox="1"/>
+          <p:cNvSpPr txBox="1">
+            <a:spLocks noGrp="1"/>
+          </p:cNvSpPr>
           <p:nvPr>
-            <p:ph idx="1" type="body"/>
+            <p:ph type="body" idx="1"/>
           </p:nvPr>
         </p:nvSpPr>
         <p:spPr>
@@ -12601,12 +12634,12 @@
           </a:prstGeom>
         </p:spPr>
         <p:txBody>
-          <a:bodyPr anchorCtr="0" anchor="t" bIns="91425" lIns="91425" spcFirstLastPara="1" rIns="91425" wrap="square" tIns="91425">
+          <a:bodyPr spcFirstLastPara="1" wrap="square" lIns="91425" tIns="91425" rIns="91425" bIns="91425" anchor="t" anchorCtr="0">
             <a:normAutofit/>
           </a:bodyPr>
           <a:lstStyle/>
           <a:p>
-            <a:pPr indent="-304800" lvl="0" marL="457200" rtl="0" algn="l">
+            <a:pPr marL="457200" lvl="0" indent="-304800" algn="l" rtl="0">
               <a:spcBef>
                 <a:spcPts val="0"/>
               </a:spcBef>
@@ -12617,10 +12650,10 @@
               <a:buChar char="●"/>
             </a:pPr>
             <a:r>
-              <a:rPr b="1" lang="en" sz="1200"/>
+              <a:rPr lang="en" sz="1200" b="1"/>
               <a:t>Our Valuation = $29M * 1.1125 = ~$32.3M</a:t>
             </a:r>
-            <a:endParaRPr b="1" sz="1200"/>
+            <a:endParaRPr sz="1200" b="1"/>
           </a:p>
         </p:txBody>
       </p:sp>
@@ -12633,11 +12666,11 @@
 </file>
 
 <file path=ppt/slides/slide6.xml><?xml version="1.0" encoding="utf-8"?>
-<p:sld xmlns:a="http://schemas.openxmlformats.org/drawingml/2006/main" xmlns:r="http://schemas.openxmlformats.org/officeDocument/2006/relationships" xmlns:mc="http://schemas.openxmlformats.org/markup-compatibility/2006" xmlns:mv="urn:schemas-microsoft-com:mac:vml" xmlns:p="http://schemas.openxmlformats.org/presentationml/2006/main" xmlns:c="http://schemas.openxmlformats.org/drawingml/2006/chart" xmlns:dgm="http://schemas.openxmlformats.org/drawingml/2006/diagram" xmlns:o="urn:schemas-microsoft-com:office:office" xmlns:v="urn:schemas-microsoft-com:vml" xmlns:pvml="urn:schemas-microsoft-com:office:powerpoint" xmlns:com="http://schemas.openxmlformats.org/drawingml/2006/compatibility" xmlns:p14="http://schemas.microsoft.com/office/powerpoint/2010/main" xmlns:p15="http://schemas.microsoft.com/office/powerpoint/2012/main" xmlns:ahyp="http://schemas.microsoft.com/office/drawing/2018/hyperlinkcolor">
+<p:sld xmlns:a="http://schemas.openxmlformats.org/drawingml/2006/main" xmlns:r="http://schemas.openxmlformats.org/officeDocument/2006/relationships" xmlns:p="http://schemas.openxmlformats.org/presentationml/2006/main">
   <p:cSld>
     <p:spTree>
       <p:nvGrpSpPr>
-        <p:cNvPr id="165" name="Shape 165"/>
+        <p:cNvPr id="1" name="Shape 165"/>
         <p:cNvGrpSpPr/>
         <p:nvPr/>
       </p:nvGrpSpPr>
@@ -12652,7 +12685,9 @@
       <p:sp>
         <p:nvSpPr>
           <p:cNvPr id="166" name="Google Shape;166;p18"/>
-          <p:cNvSpPr txBox="1"/>
+          <p:cNvSpPr txBox="1">
+            <a:spLocks noGrp="1"/>
+          </p:cNvSpPr>
           <p:nvPr>
             <p:ph type="title"/>
           </p:nvPr>
@@ -12667,12 +12702,12 @@
           </a:prstGeom>
         </p:spPr>
         <p:txBody>
-          <a:bodyPr anchorCtr="0" anchor="t" bIns="91425" lIns="91425" spcFirstLastPara="1" rIns="91425" wrap="square" tIns="91425">
+          <a:bodyPr spcFirstLastPara="1" wrap="square" lIns="91425" tIns="91425" rIns="91425" bIns="91425" anchor="t" anchorCtr="0">
             <a:normAutofit/>
           </a:bodyPr>
           <a:lstStyle/>
           <a:p>
-            <a:pPr indent="0" lvl="0" marL="0" rtl="0" algn="l">
+            <a:pPr marL="0" lvl="0" indent="0" algn="l" rtl="0">
               <a:spcBef>
                 <a:spcPts val="0"/>
               </a:spcBef>
@@ -12692,9 +12727,11 @@
       <p:sp>
         <p:nvSpPr>
           <p:cNvPr id="167" name="Google Shape;167;p18"/>
-          <p:cNvSpPr txBox="1"/>
+          <p:cNvSpPr txBox="1">
+            <a:spLocks noGrp="1"/>
+          </p:cNvSpPr>
           <p:nvPr>
-            <p:ph idx="1" type="body"/>
+            <p:ph type="body" idx="1"/>
           </p:nvPr>
         </p:nvSpPr>
         <p:spPr>
@@ -12707,12 +12744,12 @@
           </a:prstGeom>
         </p:spPr>
         <p:txBody>
-          <a:bodyPr anchorCtr="0" anchor="t" bIns="91425" lIns="91425" spcFirstLastPara="1" rIns="91425" wrap="square" tIns="91425">
+          <a:bodyPr spcFirstLastPara="1" wrap="square" lIns="91425" tIns="91425" rIns="91425" bIns="91425" anchor="t" anchorCtr="0">
             <a:normAutofit lnSpcReduction="10000"/>
           </a:bodyPr>
           <a:lstStyle/>
           <a:p>
-            <a:pPr indent="-311150" lvl="0" marL="457200" rtl="0" algn="l">
+            <a:pPr marL="457200" lvl="0" indent="-311150" algn="l" rtl="0">
               <a:spcBef>
                 <a:spcPts val="0"/>
               </a:spcBef>
@@ -12727,13 +12764,13 @@
               <a:t>This valuation serves as a </a:t>
             </a:r>
             <a:r>
-              <a:rPr b="1" lang="en"/>
+              <a:rPr lang="en" b="1"/>
               <a:t>rough estimate based on assumptions that could very well change after Phase 1 is complete</a:t>
             </a:r>
             <a:endParaRPr b="1"/>
           </a:p>
           <a:p>
-            <a:pPr indent="-311150" lvl="0" marL="457200" rtl="0" algn="l">
+            <a:pPr marL="457200" lvl="0" indent="-311150" algn="l" rtl="0">
               <a:spcBef>
                 <a:spcPts val="0"/>
               </a:spcBef>
@@ -12748,7 +12785,7 @@
               <a:t>Additionally, this valuation </a:t>
             </a:r>
             <a:r>
-              <a:rPr b="1" lang="en" u="sng"/>
+              <a:rPr lang="en" b="1" u="sng"/>
               <a:t>does not</a:t>
             </a:r>
             <a:r>
@@ -12758,7 +12795,7 @@
             <a:endParaRPr/>
           </a:p>
           <a:p>
-            <a:pPr indent="-298450" lvl="1" marL="914400" rtl="0" algn="l">
+            <a:pPr marL="914400" lvl="1" indent="-298450" algn="l" rtl="0">
               <a:spcBef>
                 <a:spcPts val="0"/>
               </a:spcBef>
@@ -12775,7 +12812,7 @@
             <a:endParaRPr/>
           </a:p>
           <a:p>
-            <a:pPr indent="-311150" lvl="0" marL="457200" rtl="0" algn="l">
+            <a:pPr marL="457200" lvl="0" indent="-311150" algn="l" rtl="0">
               <a:spcBef>
                 <a:spcPts val="0"/>
               </a:spcBef>
@@ -12787,20 +12824,12 @@
             </a:pPr>
             <a:r>
               <a:rPr lang="en"/>
-              <a:t>The </a:t>
-            </a:r>
-            <a:r>
-              <a:rPr lang="en"/>
-              <a:t>continuous</a:t>
-            </a:r>
-            <a:r>
-              <a:rPr lang="en"/>
-              <a:t> glucose monitor market is huge. “According to GlobalData analysis, the CGM market is currently valued at $8.9bn.” With the major players reporting, “...ales of almost $1bn in the third quarter (Q3) of the year, mainly driven by new customer growth.”</a:t>
+              <a:t>The continuous glucose monitor market is huge. “According to GlobalData analysis, the CGM market is currently valued at $8.9bn.” With the major players reporting, “...ales of almost $1bn in the third quarter (Q3) of the year, mainly driven by new customer growth.”</a:t>
             </a:r>
             <a:endParaRPr/>
           </a:p>
           <a:p>
-            <a:pPr indent="-311150" lvl="0" marL="457200" rtl="0" algn="l">
+            <a:pPr marL="457200" lvl="0" indent="-311150" algn="l" rtl="0">
               <a:spcBef>
                 <a:spcPts val="0"/>
               </a:spcBef>
@@ -12811,7 +12840,7 @@
               <a:buChar char="●"/>
             </a:pPr>
             <a:r>
-              <a:rPr b="1" lang="en"/>
+              <a:rPr lang="en" b="1"/>
               <a:t>Phase 1 provides us an opportunity to understand optical spectroscopy in the context of lactate, and then reflect and see how best to leverage knowledge gained into a solution</a:t>
             </a:r>
             <a:endParaRPr b="1"/>
@@ -12827,7 +12856,7 @@
 </file>
 
 <file path=ppt/theme/theme1.xml><?xml version="1.0" encoding="utf-8"?>
-<a:theme xmlns:a="http://schemas.openxmlformats.org/drawingml/2006/main" xmlns:r="http://schemas.openxmlformats.org/officeDocument/2006/relationships" name="Focus">
+<a:theme xmlns:a="http://schemas.openxmlformats.org/drawingml/2006/main" name="Focus">
   <a:themeElements>
     <a:clrScheme name="Focus">
       <a:dk1>
@@ -13102,11 +13131,13 @@
       </a:bgFillStyleLst>
     </a:fmtScheme>
   </a:themeElements>
+  <a:objectDefaults/>
+  <a:extraClrSchemeLst/>
 </a:theme>
 </file>
 
 <file path=ppt/theme/theme2.xml><?xml version="1.0" encoding="utf-8"?>
-<a:theme xmlns:a="http://schemas.openxmlformats.org/drawingml/2006/main" xmlns:r="http://schemas.openxmlformats.org/officeDocument/2006/relationships">
+<a:theme xmlns:a="http://schemas.openxmlformats.org/drawingml/2006/main">
   <a:themeElements>
     <a:clrScheme name="Default">
       <a:dk1>
@@ -13381,5 +13412,7 @@
       </a:bgFillStyleLst>
     </a:fmtScheme>
   </a:themeElements>
+  <a:objectDefaults/>
+  <a:extraClrSchemeLst/>
 </a:theme>
 </file>
--- a/pptx_files/Startup Valuation_082723.pptx
+++ b/pptx_files/Startup Valuation_082723.pptx
@@ -9472,9 +9472,9 @@
             </a:pPr>
             <a:r>
               <a:rPr lang="en"/>
-              <a:t>Non-Invasive Lactate Monitor Startup Valuation {TEST}</a:t>
+              <a:t>Non-Invasive Lactate Monitor Startup Valuation</a:t>
             </a:r>
-            <a:endParaRPr/>
+            <a:endParaRPr dirty="0"/>
           </a:p>
         </p:txBody>
       </p:sp>
